--- a/Создание_децентралезованной_сети.pptx
+++ b/Создание_децентралезованной_сети.pptx
@@ -74,7 +74,7 @@
       </p:grpSpPr>
       <p:sp>
         <p:nvSpPr>
-          <p:cNvPr id="236863480" name="PlaceHolder 1"/>
+          <p:cNvPr id="116922554" name="PlaceHolder 1"/>
           <p:cNvSpPr>
             <a:spLocks noGrp="1"/>
           </p:cNvSpPr>
@@ -123,7 +123,7 @@
       </p:sp>
       <p:sp>
         <p:nvSpPr>
-          <p:cNvPr id="280611437" name="PlaceHolder 2"/>
+          <p:cNvPr id="1557987756" name="PlaceHolder 2"/>
           <p:cNvSpPr>
             <a:spLocks noGrp="1"/>
           </p:cNvSpPr>
@@ -173,7 +173,7 @@
       </p:sp>
       <p:sp>
         <p:nvSpPr>
-          <p:cNvPr id="1041651204" name="PlaceHolder 3"/>
+          <p:cNvPr id="888191349" name="PlaceHolder 3"/>
           <p:cNvSpPr>
             <a:spLocks noGrp="1"/>
           </p:cNvSpPr>
@@ -223,7 +223,7 @@
       </p:sp>
       <p:sp>
         <p:nvSpPr>
-          <p:cNvPr id="972586109" name="PlaceHolder 4"/>
+          <p:cNvPr id="1272511633" name="PlaceHolder 4"/>
           <p:cNvSpPr>
             <a:spLocks noGrp="1"/>
           </p:cNvSpPr>
@@ -284,7 +284,7 @@
       </p:sp>
       <p:sp>
         <p:nvSpPr>
-          <p:cNvPr id="428110957" name="PlaceHolder 5"/>
+          <p:cNvPr id="23283141" name="PlaceHolder 5"/>
           <p:cNvSpPr>
             <a:spLocks noGrp="1"/>
           </p:cNvSpPr>
@@ -345,7 +345,7 @@
       </p:sp>
       <p:sp>
         <p:nvSpPr>
-          <p:cNvPr id="735083873" name="PlaceHolder 6"/>
+          <p:cNvPr id="743020296" name="PlaceHolder 6"/>
           <p:cNvSpPr>
             <a:spLocks noGrp="1"/>
           </p:cNvSpPr>
@@ -429,7 +429,7 @@
       </p:grpSpPr>
       <p:sp>
         <p:nvSpPr>
-          <p:cNvPr id="1576840929" name="Slide Image Placeholder 1"/>
+          <p:cNvPr id="737172799" name="Slide Image Placeholder 1"/>
           <p:cNvSpPr>
             <a:spLocks noChangeAspect="1" noGrp="1" noRot="1"/>
           </p:cNvSpPr>
@@ -441,7 +441,7 @@
       </p:sp>
       <p:sp>
         <p:nvSpPr>
-          <p:cNvPr id="796916315" name="Notes Placeholder 2"/>
+          <p:cNvPr id="2072245066" name="Notes Placeholder 2"/>
           <p:cNvSpPr>
             <a:spLocks noGrp="1"/>
           </p:cNvSpPr>
@@ -463,7 +463,7 @@
       </p:sp>
       <p:sp>
         <p:nvSpPr>
-          <p:cNvPr id="5560019" name="Slide Number Placeholder 3"/>
+          <p:cNvPr id="63421238" name="Slide Number Placeholder 3"/>
           <p:cNvSpPr>
             <a:spLocks noGrp="1"/>
           </p:cNvSpPr>
@@ -514,7 +514,92 @@
       </p:grpSpPr>
       <p:sp>
         <p:nvSpPr>
-          <p:cNvPr id="1263403733" name="PlaceHolder 1"/>
+          <p:cNvPr id="1738873597" name="Slide Image Placeholder 1"/>
+          <p:cNvSpPr>
+            <a:spLocks noChangeAspect="1" noGrp="1" noRot="1"/>
+          </p:cNvSpPr>
+          <p:nvPr>
+            <p:ph type="sldImg"/>
+          </p:nvPr>
+        </p:nvSpPr>
+        <p:spPr bwMode="auto"/>
+      </p:sp>
+      <p:sp>
+        <p:nvSpPr>
+          <p:cNvPr id="1812346773" name="Notes Placeholder 2"/>
+          <p:cNvSpPr>
+            <a:spLocks noGrp="1"/>
+          </p:cNvSpPr>
+          <p:nvPr>
+            <p:ph type="body" idx="1"/>
+          </p:nvPr>
+        </p:nvSpPr>
+        <p:spPr bwMode="auto"/>
+        <p:txBody>
+          <a:bodyPr/>
+          <a:lstStyle/>
+          <a:p>
+            <a:pPr>
+              <a:defRPr/>
+            </a:pPr>
+            <a:endParaRPr/>
+          </a:p>
+        </p:txBody>
+      </p:sp>
+      <p:sp>
+        <p:nvSpPr>
+          <p:cNvPr id="1770020307" name="Slide Number Placeholder 3"/>
+          <p:cNvSpPr>
+            <a:spLocks noGrp="1"/>
+          </p:cNvSpPr>
+          <p:nvPr>
+            <p:ph type="sldNum" sz="quarter" idx="10"/>
+          </p:nvPr>
+        </p:nvSpPr>
+        <p:spPr bwMode="auto"/>
+        <p:txBody>
+          <a:bodyPr/>
+          <a:lstStyle/>
+          <a:p>
+            <a:pPr>
+              <a:defRPr/>
+            </a:pPr>
+            <a:fld id="{B812CFB0-AF1C-D3AA-2776-C1E13182E6C9}" type="slidenum">
+              <a:rPr/>
+              <a:t/>
+            </a:fld>
+            <a:endParaRPr/>
+          </a:p>
+        </p:txBody>
+      </p:sp>
+    </p:spTree>
+  </p:cSld>
+  <p:clrMapOvr>
+    <a:masterClrMapping/>
+  </p:clrMapOvr>
+</p:notes>
+</file>
+
+<file path=ppt/notesSlides/notesSlide3.xml><?xml version="1.0" encoding="utf-8"?>
+<p:notes xmlns:a="http://schemas.openxmlformats.org/drawingml/2006/main" xmlns:r="http://schemas.openxmlformats.org/officeDocument/2006/relationships" xmlns:p="http://schemas.openxmlformats.org/presentationml/2006/main" xmlns:m="http://schemas.openxmlformats.org/officeDocument/2006/math" xmlns:w="http://schemas.openxmlformats.org/wordprocessingml/2006/main">
+  <p:cSld name="">
+    <p:spTree>
+      <p:nvGrpSpPr>
+        <p:cNvPr id="1" name=""/>
+        <p:cNvGrpSpPr/>
+        <p:nvPr/>
+      </p:nvGrpSpPr>
+      <p:grpSpPr bwMode="auto">
+        <a:xfrm>
+          <a:off x="0" y="0"/>
+          <a:ext cx="0" cy="0"/>
+          <a:chOff x="0" y="0"/>
+          <a:chExt cx="0" cy="0"/>
+        </a:xfrm>
+      </p:grpSpPr>
+      <p:sp>
+        <p:nvSpPr>
+          <p:cNvPr id="2088615595" name="PlaceHolder 1"/>
           <p:cNvSpPr>
             <a:spLocks noGrp="1"/>
           </p:cNvSpPr>
@@ -537,7 +622,7 @@
       </p:sp>
       <p:sp>
         <p:nvSpPr>
-          <p:cNvPr id="488768756" name="PlaceHolder 2"/>
+          <p:cNvPr id="1849383995" name="PlaceHolder 2"/>
           <p:cNvSpPr>
             <a:spLocks noGrp="1"/>
           </p:cNvSpPr>
@@ -578,7 +663,7 @@
       </p:sp>
       <p:sp>
         <p:nvSpPr>
-          <p:cNvPr id="2109330951" name="PlaceHolder 3"/>
+          <p:cNvPr id="289954356" name="PlaceHolder 3"/>
           <p:cNvSpPr>
             <a:spLocks noGrp="1"/>
           </p:cNvSpPr>
@@ -659,91 +744,6 @@
 </p:notes>
 </file>
 
-<file path=ppt/notesSlides/notesSlide3.xml><?xml version="1.0" encoding="utf-8"?>
-<p:notes xmlns:a="http://schemas.openxmlformats.org/drawingml/2006/main" xmlns:r="http://schemas.openxmlformats.org/officeDocument/2006/relationships" xmlns:p="http://schemas.openxmlformats.org/presentationml/2006/main" xmlns:m="http://schemas.openxmlformats.org/officeDocument/2006/math" xmlns:w="http://schemas.openxmlformats.org/wordprocessingml/2006/main">
-  <p:cSld name="">
-    <p:spTree>
-      <p:nvGrpSpPr>
-        <p:cNvPr id="1" name=""/>
-        <p:cNvGrpSpPr/>
-        <p:nvPr/>
-      </p:nvGrpSpPr>
-      <p:grpSpPr bwMode="auto">
-        <a:xfrm>
-          <a:off x="0" y="0"/>
-          <a:ext cx="0" cy="0"/>
-          <a:chOff x="0" y="0"/>
-          <a:chExt cx="0" cy="0"/>
-        </a:xfrm>
-      </p:grpSpPr>
-      <p:sp>
-        <p:nvSpPr>
-          <p:cNvPr id="810318392" name="Slide Image Placeholder 1"/>
-          <p:cNvSpPr>
-            <a:spLocks noChangeAspect="1" noGrp="1" noRot="1"/>
-          </p:cNvSpPr>
-          <p:nvPr>
-            <p:ph type="sldImg"/>
-          </p:nvPr>
-        </p:nvSpPr>
-        <p:spPr bwMode="auto"/>
-      </p:sp>
-      <p:sp>
-        <p:nvSpPr>
-          <p:cNvPr id="160805035" name="Notes Placeholder 2"/>
-          <p:cNvSpPr>
-            <a:spLocks noGrp="1"/>
-          </p:cNvSpPr>
-          <p:nvPr>
-            <p:ph type="body" idx="1"/>
-          </p:nvPr>
-        </p:nvSpPr>
-        <p:spPr bwMode="auto"/>
-        <p:txBody>
-          <a:bodyPr/>
-          <a:lstStyle/>
-          <a:p>
-            <a:pPr>
-              <a:defRPr/>
-            </a:pPr>
-            <a:endParaRPr/>
-          </a:p>
-        </p:txBody>
-      </p:sp>
-      <p:sp>
-        <p:nvSpPr>
-          <p:cNvPr id="347760640" name="Slide Number Placeholder 3"/>
-          <p:cNvSpPr>
-            <a:spLocks noGrp="1"/>
-          </p:cNvSpPr>
-          <p:nvPr>
-            <p:ph type="sldNum" sz="quarter" idx="10"/>
-          </p:nvPr>
-        </p:nvSpPr>
-        <p:spPr bwMode="auto"/>
-        <p:txBody>
-          <a:bodyPr/>
-          <a:lstStyle/>
-          <a:p>
-            <a:pPr>
-              <a:defRPr/>
-            </a:pPr>
-            <a:fld id="{B812CFB0-AF1C-D3AA-2776-C1E13182E6C9}" type="slidenum">
-              <a:rPr/>
-              <a:t/>
-            </a:fld>
-            <a:endParaRPr/>
-          </a:p>
-        </p:txBody>
-      </p:sp>
-    </p:spTree>
-  </p:cSld>
-  <p:clrMapOvr>
-    <a:masterClrMapping/>
-  </p:clrMapOvr>
-</p:notes>
-</file>
-
 <file path=ppt/notesSlides/notesSlide4.xml><?xml version="1.0" encoding="utf-8"?>
 <p:notes xmlns:a="http://schemas.openxmlformats.org/drawingml/2006/main" xmlns:r="http://schemas.openxmlformats.org/officeDocument/2006/relationships" xmlns:p="http://schemas.openxmlformats.org/presentationml/2006/main" xmlns:m="http://schemas.openxmlformats.org/officeDocument/2006/math" xmlns:w="http://schemas.openxmlformats.org/wordprocessingml/2006/main">
   <p:cSld name="">
@@ -763,7 +763,7 @@
       </p:grpSpPr>
       <p:sp>
         <p:nvSpPr>
-          <p:cNvPr id="2111568917" name="Slide Image Placeholder 1"/>
+          <p:cNvPr id="1406942407" name="Slide Image Placeholder 1"/>
           <p:cNvSpPr>
             <a:spLocks noChangeAspect="1" noGrp="1" noRot="1"/>
           </p:cNvSpPr>
@@ -775,7 +775,7 @@
       </p:sp>
       <p:sp>
         <p:nvSpPr>
-          <p:cNvPr id="938146405" name="Notes Placeholder 2"/>
+          <p:cNvPr id="1580612887" name="Notes Placeholder 2"/>
           <p:cNvSpPr>
             <a:spLocks noGrp="1"/>
           </p:cNvSpPr>
@@ -797,7 +797,7 @@
       </p:sp>
       <p:sp>
         <p:nvSpPr>
-          <p:cNvPr id="700143130" name="Slide Number Placeholder 3"/>
+          <p:cNvPr id="1890086528" name="Slide Number Placeholder 3"/>
           <p:cNvSpPr>
             <a:spLocks noGrp="1"/>
           </p:cNvSpPr>
@@ -848,7 +848,7 @@
       </p:grpSpPr>
       <p:sp>
         <p:nvSpPr>
-          <p:cNvPr id="705912500" name="Slide Image Placeholder 1"/>
+          <p:cNvPr id="1151252442" name="Slide Image Placeholder 1"/>
           <p:cNvSpPr>
             <a:spLocks noChangeAspect="1" noGrp="1" noRot="1"/>
           </p:cNvSpPr>
@@ -860,7 +860,7 @@
       </p:sp>
       <p:sp>
         <p:nvSpPr>
-          <p:cNvPr id="2017509515" name="Notes Placeholder 2"/>
+          <p:cNvPr id="1408100664" name="Notes Placeholder 2"/>
           <p:cNvSpPr>
             <a:spLocks noGrp="1"/>
           </p:cNvSpPr>
@@ -882,7 +882,7 @@
       </p:sp>
       <p:sp>
         <p:nvSpPr>
-          <p:cNvPr id="1491053882" name="Slide Number Placeholder 3"/>
+          <p:cNvPr id="867193813" name="Slide Number Placeholder 3"/>
           <p:cNvSpPr>
             <a:spLocks noGrp="1"/>
           </p:cNvSpPr>
@@ -933,7 +933,7 @@
       </p:grpSpPr>
       <p:sp>
         <p:nvSpPr>
-          <p:cNvPr id="367767308" name="Slide Image Placeholder 1"/>
+          <p:cNvPr id="295969256" name="Slide Image Placeholder 1"/>
           <p:cNvSpPr>
             <a:spLocks noChangeAspect="1" noGrp="1" noRot="1"/>
           </p:cNvSpPr>
@@ -945,7 +945,7 @@
       </p:sp>
       <p:sp>
         <p:nvSpPr>
-          <p:cNvPr id="1517120321" name="Notes Placeholder 2"/>
+          <p:cNvPr id="1886480645" name="Notes Placeholder 2"/>
           <p:cNvSpPr>
             <a:spLocks noGrp="1"/>
           </p:cNvSpPr>
@@ -967,7 +967,7 @@
       </p:sp>
       <p:sp>
         <p:nvSpPr>
-          <p:cNvPr id="160600261" name="Slide Number Placeholder 3"/>
+          <p:cNvPr id="1827220713" name="Slide Number Placeholder 3"/>
           <p:cNvSpPr>
             <a:spLocks noGrp="1"/>
           </p:cNvSpPr>
@@ -1018,7 +1018,7 @@
       </p:grpSpPr>
       <p:sp>
         <p:nvSpPr>
-          <p:cNvPr id="859167380" name="Slide Image Placeholder 1"/>
+          <p:cNvPr id="1860583090" name="Slide Image Placeholder 1"/>
           <p:cNvSpPr>
             <a:spLocks noChangeAspect="1" noGrp="1" noRot="1"/>
           </p:cNvSpPr>
@@ -1030,7 +1030,7 @@
       </p:sp>
       <p:sp>
         <p:nvSpPr>
-          <p:cNvPr id="306480724" name="Notes Placeholder 2"/>
+          <p:cNvPr id="967126696" name="Notes Placeholder 2"/>
           <p:cNvSpPr>
             <a:spLocks noGrp="1"/>
           </p:cNvSpPr>
@@ -1052,7 +1052,7 @@
       </p:sp>
       <p:sp>
         <p:nvSpPr>
-          <p:cNvPr id="511557913" name="Slide Number Placeholder 3"/>
+          <p:cNvPr id="1311630018" name="Slide Number Placeholder 3"/>
           <p:cNvSpPr>
             <a:spLocks noGrp="1"/>
           </p:cNvSpPr>
@@ -1103,7 +1103,7 @@
       </p:grpSpPr>
       <p:sp>
         <p:nvSpPr>
-          <p:cNvPr id="1280695790" name="Slide Image Placeholder 1"/>
+          <p:cNvPr id="1781606563" name="Slide Image Placeholder 1"/>
           <p:cNvSpPr>
             <a:spLocks noChangeAspect="1" noGrp="1" noRot="1"/>
           </p:cNvSpPr>
@@ -1115,7 +1115,7 @@
       </p:sp>
       <p:sp>
         <p:nvSpPr>
-          <p:cNvPr id="1221283847" name="Notes Placeholder 2"/>
+          <p:cNvPr id="1983756863" name="Notes Placeholder 2"/>
           <p:cNvSpPr>
             <a:spLocks noGrp="1"/>
           </p:cNvSpPr>
@@ -1137,7 +1137,7 @@
       </p:sp>
       <p:sp>
         <p:nvSpPr>
-          <p:cNvPr id="70530406" name="Slide Number Placeholder 3"/>
+          <p:cNvPr id="12782041" name="Slide Number Placeholder 3"/>
           <p:cNvSpPr>
             <a:spLocks noGrp="1"/>
           </p:cNvSpPr>
@@ -1188,7 +1188,7 @@
       </p:grpSpPr>
       <p:sp>
         <p:nvSpPr>
-          <p:cNvPr id="810282037" name="PlaceHolder 1"/>
+          <p:cNvPr id="13669865" name="PlaceHolder 1"/>
           <p:cNvSpPr>
             <a:spLocks noGrp="1"/>
           </p:cNvSpPr>
@@ -1229,7 +1229,7 @@
       </p:sp>
       <p:sp>
         <p:nvSpPr>
-          <p:cNvPr id="1981417091" name="PlaceHolder 2"/>
+          <p:cNvPr id="2062779701" name="PlaceHolder 2"/>
           <p:cNvSpPr>
             <a:spLocks noGrp="1"/>
           </p:cNvSpPr>
@@ -1270,7 +1270,7 @@
       </p:sp>
       <p:sp>
         <p:nvSpPr>
-          <p:cNvPr id="1198598976" name="PlaceHolder 3"/>
+          <p:cNvPr id="1038386437" name="PlaceHolder 3"/>
           <p:cNvSpPr>
             <a:spLocks noGrp="1"/>
           </p:cNvSpPr>
@@ -1295,7 +1295,7 @@
       </p:sp>
       <p:sp>
         <p:nvSpPr>
-          <p:cNvPr id="914735239" name="PlaceHolder 4"/>
+          <p:cNvPr id="796065839" name="PlaceHolder 4"/>
           <p:cNvSpPr>
             <a:spLocks noGrp="1"/>
           </p:cNvSpPr>
@@ -1320,7 +1320,7 @@
       </p:sp>
       <p:sp>
         <p:nvSpPr>
-          <p:cNvPr id="33134010" name="PlaceHolder 5"/>
+          <p:cNvPr id="924649831" name="PlaceHolder 5"/>
           <p:cNvSpPr>
             <a:spLocks noGrp="1"/>
           </p:cNvSpPr>
@@ -1366,7 +1366,7 @@
       </p:grpSpPr>
       <p:sp>
         <p:nvSpPr>
-          <p:cNvPr id="368056787" name="PlaceHolder 1"/>
+          <p:cNvPr id="696540386" name="PlaceHolder 1"/>
           <p:cNvSpPr>
             <a:spLocks noGrp="1"/>
           </p:cNvSpPr>
@@ -1407,7 +1407,7 @@
       </p:sp>
       <p:sp>
         <p:nvSpPr>
-          <p:cNvPr id="911356625" name="PlaceHolder 2"/>
+          <p:cNvPr id="1380650797" name="PlaceHolder 2"/>
           <p:cNvSpPr>
             <a:spLocks noGrp="1"/>
           </p:cNvSpPr>
@@ -1432,7 +1432,7 @@
       </p:sp>
       <p:sp>
         <p:nvSpPr>
-          <p:cNvPr id="1002268818" name="PlaceHolder 3"/>
+          <p:cNvPr id="260055515" name="PlaceHolder 3"/>
           <p:cNvSpPr>
             <a:spLocks noGrp="1"/>
           </p:cNvSpPr>
@@ -1457,7 +1457,7 @@
       </p:sp>
       <p:sp>
         <p:nvSpPr>
-          <p:cNvPr id="606094906" name="PlaceHolder 4"/>
+          <p:cNvPr id="567602123" name="PlaceHolder 4"/>
           <p:cNvSpPr>
             <a:spLocks noGrp="1"/>
           </p:cNvSpPr>
@@ -1503,7 +1503,7 @@
       </p:grpSpPr>
       <p:sp>
         <p:nvSpPr>
-          <p:cNvPr id="757333092" name="PlaceHolder 1"/>
+          <p:cNvPr id="76194792" name="PlaceHolder 1"/>
           <p:cNvSpPr>
             <a:spLocks noGrp="1"/>
           </p:cNvSpPr>
@@ -1544,7 +1544,7 @@
       </p:sp>
       <p:sp>
         <p:nvSpPr>
-          <p:cNvPr id="595158502" name="PlaceHolder 2"/>
+          <p:cNvPr id="1192021586" name="PlaceHolder 2"/>
           <p:cNvSpPr>
             <a:spLocks noGrp="1"/>
           </p:cNvSpPr>
@@ -1588,7 +1588,7 @@
       </p:sp>
       <p:sp>
         <p:nvSpPr>
-          <p:cNvPr id="1748639502" name="PlaceHolder 3"/>
+          <p:cNvPr id="30992959" name="PlaceHolder 3"/>
           <p:cNvSpPr>
             <a:spLocks noGrp="1"/>
           </p:cNvSpPr>
@@ -1632,7 +1632,7 @@
       </p:sp>
       <p:sp>
         <p:nvSpPr>
-          <p:cNvPr id="988916285" name="PlaceHolder 4"/>
+          <p:cNvPr id="73296551" name="PlaceHolder 4"/>
           <p:cNvSpPr>
             <a:spLocks noGrp="1"/>
           </p:cNvSpPr>
@@ -1657,7 +1657,7 @@
       </p:sp>
       <p:sp>
         <p:nvSpPr>
-          <p:cNvPr id="1838162684" name="PlaceHolder 5"/>
+          <p:cNvPr id="1302691570" name="PlaceHolder 5"/>
           <p:cNvSpPr>
             <a:spLocks noGrp="1"/>
           </p:cNvSpPr>
@@ -1682,7 +1682,7 @@
       </p:sp>
       <p:sp>
         <p:nvSpPr>
-          <p:cNvPr id="269218543" name="PlaceHolder 6"/>
+          <p:cNvPr id="1505918546" name="PlaceHolder 6"/>
           <p:cNvSpPr>
             <a:spLocks noGrp="1"/>
           </p:cNvSpPr>
@@ -1728,7 +1728,7 @@
       </p:grpSpPr>
       <p:sp>
         <p:nvSpPr>
-          <p:cNvPr id="558328588" name="PlaceHolder 1"/>
+          <p:cNvPr id="1474340539" name="PlaceHolder 1"/>
           <p:cNvSpPr>
             <a:spLocks noGrp="1"/>
           </p:cNvSpPr>
@@ -1769,7 +1769,7 @@
       </p:sp>
       <p:sp>
         <p:nvSpPr>
-          <p:cNvPr id="358909153" name="PlaceHolder 2"/>
+          <p:cNvPr id="580117448" name="PlaceHolder 2"/>
           <p:cNvSpPr>
             <a:spLocks noGrp="1"/>
           </p:cNvSpPr>
@@ -1813,7 +1813,7 @@
       </p:sp>
       <p:sp>
         <p:nvSpPr>
-          <p:cNvPr id="1583088032" name="PlaceHolder 3"/>
+          <p:cNvPr id="1569989792" name="PlaceHolder 3"/>
           <p:cNvSpPr>
             <a:spLocks noGrp="1"/>
           </p:cNvSpPr>
@@ -1838,7 +1838,7 @@
       </p:sp>
       <p:sp>
         <p:nvSpPr>
-          <p:cNvPr id="1890190369" name="PlaceHolder 4"/>
+          <p:cNvPr id="1460922916" name="PlaceHolder 4"/>
           <p:cNvSpPr>
             <a:spLocks noGrp="1"/>
           </p:cNvSpPr>
@@ -1863,7 +1863,7 @@
       </p:sp>
       <p:sp>
         <p:nvSpPr>
-          <p:cNvPr id="917818295" name="PlaceHolder 5"/>
+          <p:cNvPr id="1424763312" name="PlaceHolder 5"/>
           <p:cNvSpPr>
             <a:spLocks noGrp="1"/>
           </p:cNvSpPr>
@@ -1909,7 +1909,7 @@
       </p:grpSpPr>
       <p:sp>
         <p:nvSpPr>
-          <p:cNvPr id="4204213" name="PlaceHolder 1"/>
+          <p:cNvPr id="1945935382" name="PlaceHolder 1"/>
           <p:cNvSpPr>
             <a:spLocks noGrp="1"/>
           </p:cNvSpPr>
@@ -1934,7 +1934,7 @@
       </p:sp>
       <p:sp>
         <p:nvSpPr>
-          <p:cNvPr id="642417344" name="PlaceHolder 2"/>
+          <p:cNvPr id="1254795459" name="PlaceHolder 2"/>
           <p:cNvSpPr>
             <a:spLocks noGrp="1"/>
           </p:cNvSpPr>
@@ -1959,7 +1959,7 @@
       </p:sp>
       <p:sp>
         <p:nvSpPr>
-          <p:cNvPr id="863900463" name="PlaceHolder 3"/>
+          <p:cNvPr id="146671660" name="PlaceHolder 3"/>
           <p:cNvSpPr>
             <a:spLocks noGrp="1"/>
           </p:cNvSpPr>
@@ -2005,7 +2005,7 @@
       </p:grpSpPr>
       <p:sp>
         <p:nvSpPr>
-          <p:cNvPr id="2111484788" name="PlaceHolder 1"/>
+          <p:cNvPr id="1279305618" name="PlaceHolder 1"/>
           <p:cNvSpPr>
             <a:spLocks noGrp="1"/>
           </p:cNvSpPr>
@@ -2030,7 +2030,7 @@
       </p:sp>
       <p:sp>
         <p:nvSpPr>
-          <p:cNvPr id="2039940681" name="PlaceHolder 2"/>
+          <p:cNvPr id="463646454" name="PlaceHolder 2"/>
           <p:cNvSpPr>
             <a:spLocks noGrp="1"/>
           </p:cNvSpPr>
@@ -2055,7 +2055,7 @@
       </p:sp>
       <p:sp>
         <p:nvSpPr>
-          <p:cNvPr id="323499535" name="PlaceHolder 3"/>
+          <p:cNvPr id="1606917650" name="PlaceHolder 3"/>
           <p:cNvSpPr>
             <a:spLocks noGrp="1"/>
           </p:cNvSpPr>
@@ -2101,7 +2101,7 @@
       </p:grpSpPr>
       <p:sp>
         <p:nvSpPr>
-          <p:cNvPr id="1158250855" name="PlaceHolder 1"/>
+          <p:cNvPr id="1600394755" name="PlaceHolder 1"/>
           <p:cNvSpPr>
             <a:spLocks noGrp="1"/>
           </p:cNvSpPr>
@@ -2142,7 +2142,7 @@
       </p:sp>
       <p:sp>
         <p:nvSpPr>
-          <p:cNvPr id="1655505950" name="PlaceHolder 2"/>
+          <p:cNvPr id="720235041" name="PlaceHolder 2"/>
           <p:cNvSpPr>
             <a:spLocks noGrp="1"/>
           </p:cNvSpPr>
@@ -2183,7 +2183,7 @@
       </p:sp>
       <p:sp>
         <p:nvSpPr>
-          <p:cNvPr id="1101997659" name="PlaceHolder 3"/>
+          <p:cNvPr id="1506897068" name="PlaceHolder 3"/>
           <p:cNvSpPr>
             <a:spLocks noGrp="1"/>
           </p:cNvSpPr>
@@ -2208,7 +2208,7 @@
       </p:sp>
       <p:sp>
         <p:nvSpPr>
-          <p:cNvPr id="2000831610" name="PlaceHolder 4"/>
+          <p:cNvPr id="569170869" name="PlaceHolder 4"/>
           <p:cNvSpPr>
             <a:spLocks noGrp="1"/>
           </p:cNvSpPr>
@@ -2233,7 +2233,7 @@
       </p:sp>
       <p:sp>
         <p:nvSpPr>
-          <p:cNvPr id="1644051979" name="PlaceHolder 5"/>
+          <p:cNvPr id="421993060" name="PlaceHolder 5"/>
           <p:cNvSpPr>
             <a:spLocks noGrp="1"/>
           </p:cNvSpPr>
@@ -2279,7 +2279,7 @@
       </p:grpSpPr>
       <p:sp>
         <p:nvSpPr>
-          <p:cNvPr id="741349667" name="PlaceHolder 1"/>
+          <p:cNvPr id="146932699" name="PlaceHolder 1"/>
           <p:cNvSpPr>
             <a:spLocks noGrp="1"/>
           </p:cNvSpPr>
@@ -2320,7 +2320,7 @@
       </p:sp>
       <p:sp>
         <p:nvSpPr>
-          <p:cNvPr id="638431586" name="PlaceHolder 2"/>
+          <p:cNvPr id="23955416" name="PlaceHolder 2"/>
           <p:cNvSpPr>
             <a:spLocks noGrp="1"/>
           </p:cNvSpPr>
@@ -2345,7 +2345,7 @@
       </p:sp>
       <p:sp>
         <p:nvSpPr>
-          <p:cNvPr id="244850633" name="PlaceHolder 3"/>
+          <p:cNvPr id="1970857994" name="PlaceHolder 3"/>
           <p:cNvSpPr>
             <a:spLocks noGrp="1"/>
           </p:cNvSpPr>
@@ -2370,7 +2370,7 @@
       </p:sp>
       <p:sp>
         <p:nvSpPr>
-          <p:cNvPr id="543651316" name="PlaceHolder 4"/>
+          <p:cNvPr id="1295606869" name="PlaceHolder 4"/>
           <p:cNvSpPr>
             <a:spLocks noGrp="1"/>
           </p:cNvSpPr>
@@ -2416,7 +2416,7 @@
       </p:grpSpPr>
       <p:sp>
         <p:nvSpPr>
-          <p:cNvPr id="377975935" name="PlaceHolder 1"/>
+          <p:cNvPr id="1428020680" name="PlaceHolder 1"/>
           <p:cNvSpPr>
             <a:spLocks noGrp="1"/>
           </p:cNvSpPr>
@@ -2457,7 +2457,7 @@
       </p:sp>
       <p:sp>
         <p:nvSpPr>
-          <p:cNvPr id="12530929" name="PlaceHolder 2"/>
+          <p:cNvPr id="1833479455" name="PlaceHolder 2"/>
           <p:cNvSpPr>
             <a:spLocks noGrp="1"/>
           </p:cNvSpPr>
@@ -2498,7 +2498,7 @@
       </p:sp>
       <p:sp>
         <p:nvSpPr>
-          <p:cNvPr id="515385889" name="PlaceHolder 3"/>
+          <p:cNvPr id="346511542" name="PlaceHolder 3"/>
           <p:cNvSpPr>
             <a:spLocks noGrp="1"/>
           </p:cNvSpPr>
@@ -2523,7 +2523,7 @@
       </p:sp>
       <p:sp>
         <p:nvSpPr>
-          <p:cNvPr id="1714828088" name="PlaceHolder 4"/>
+          <p:cNvPr id="1956105050" name="PlaceHolder 4"/>
           <p:cNvSpPr>
             <a:spLocks noGrp="1"/>
           </p:cNvSpPr>
@@ -2548,7 +2548,7 @@
       </p:sp>
       <p:sp>
         <p:nvSpPr>
-          <p:cNvPr id="1299789433" name="PlaceHolder 5"/>
+          <p:cNvPr id="315010625" name="PlaceHolder 5"/>
           <p:cNvSpPr>
             <a:spLocks noGrp="1"/>
           </p:cNvSpPr>
@@ -2594,7 +2594,7 @@
       </p:grpSpPr>
       <p:sp>
         <p:nvSpPr>
-          <p:cNvPr id="1830139355" name="PlaceHolder 1"/>
+          <p:cNvPr id="1441356585" name="PlaceHolder 1"/>
           <p:cNvSpPr>
             <a:spLocks noGrp="1"/>
           </p:cNvSpPr>
@@ -2619,7 +2619,7 @@
       </p:sp>
       <p:sp>
         <p:nvSpPr>
-          <p:cNvPr id="1252435270" name="PlaceHolder 2"/>
+          <p:cNvPr id="358693074" name="PlaceHolder 2"/>
           <p:cNvSpPr>
             <a:spLocks noGrp="1"/>
           </p:cNvSpPr>
@@ -2644,7 +2644,7 @@
       </p:sp>
       <p:sp>
         <p:nvSpPr>
-          <p:cNvPr id="466933878" name="PlaceHolder 3"/>
+          <p:cNvPr id="1044742408" name="PlaceHolder 3"/>
           <p:cNvSpPr>
             <a:spLocks noGrp="1"/>
           </p:cNvSpPr>
@@ -2690,7 +2690,7 @@
       </p:grpSpPr>
       <p:sp>
         <p:nvSpPr>
-          <p:cNvPr id="1378817862" name="PlaceHolder 1"/>
+          <p:cNvPr id="18815376" name="PlaceHolder 1"/>
           <p:cNvSpPr>
             <a:spLocks noGrp="1"/>
           </p:cNvSpPr>
@@ -2715,7 +2715,7 @@
       </p:sp>
       <p:sp>
         <p:nvSpPr>
-          <p:cNvPr id="642043234" name="PlaceHolder 2"/>
+          <p:cNvPr id="417947719" name="PlaceHolder 2"/>
           <p:cNvSpPr>
             <a:spLocks noGrp="1"/>
           </p:cNvSpPr>
@@ -2740,7 +2740,7 @@
       </p:sp>
       <p:sp>
         <p:nvSpPr>
-          <p:cNvPr id="284532722" name="PlaceHolder 3"/>
+          <p:cNvPr id="1705273113" name="PlaceHolder 3"/>
           <p:cNvSpPr>
             <a:spLocks noGrp="1"/>
           </p:cNvSpPr>
@@ -2786,7 +2786,7 @@
       </p:grpSpPr>
       <p:sp>
         <p:nvSpPr>
-          <p:cNvPr id="26784646" name="PlaceHolder 1"/>
+          <p:cNvPr id="265615614" name="PlaceHolder 1"/>
           <p:cNvSpPr>
             <a:spLocks noGrp="1"/>
           </p:cNvSpPr>
@@ -2811,7 +2811,7 @@
       </p:sp>
       <p:sp>
         <p:nvSpPr>
-          <p:cNvPr id="2089041794" name="PlaceHolder 2"/>
+          <p:cNvPr id="1114563186" name="PlaceHolder 2"/>
           <p:cNvSpPr>
             <a:spLocks noGrp="1"/>
           </p:cNvSpPr>
@@ -2836,7 +2836,7 @@
       </p:sp>
       <p:sp>
         <p:nvSpPr>
-          <p:cNvPr id="2015572106" name="PlaceHolder 3"/>
+          <p:cNvPr id="61853543" name="PlaceHolder 3"/>
           <p:cNvSpPr>
             <a:spLocks noGrp="1"/>
           </p:cNvSpPr>
@@ -2882,7 +2882,7 @@
       </p:grpSpPr>
       <p:sp>
         <p:nvSpPr>
-          <p:cNvPr id="2097890560" name="PlaceHolder 1"/>
+          <p:cNvPr id="205550753" name="PlaceHolder 1"/>
           <p:cNvSpPr>
             <a:spLocks noGrp="1"/>
           </p:cNvSpPr>
@@ -2923,7 +2923,7 @@
       </p:sp>
       <p:sp>
         <p:nvSpPr>
-          <p:cNvPr id="2029150621" name="PlaceHolder 2"/>
+          <p:cNvPr id="909895427" name="PlaceHolder 2"/>
           <p:cNvSpPr>
             <a:spLocks noGrp="1"/>
           </p:cNvSpPr>
@@ -2967,7 +2967,7 @@
       </p:sp>
       <p:sp>
         <p:nvSpPr>
-          <p:cNvPr id="1937948121" name="PlaceHolder 3"/>
+          <p:cNvPr id="1752909497" name="PlaceHolder 3"/>
           <p:cNvSpPr>
             <a:spLocks noGrp="1"/>
           </p:cNvSpPr>
@@ -2992,7 +2992,7 @@
       </p:sp>
       <p:sp>
         <p:nvSpPr>
-          <p:cNvPr id="273735464" name="PlaceHolder 4"/>
+          <p:cNvPr id="1138050094" name="PlaceHolder 4"/>
           <p:cNvSpPr>
             <a:spLocks noGrp="1"/>
           </p:cNvSpPr>
@@ -3017,7 +3017,7 @@
       </p:sp>
       <p:sp>
         <p:nvSpPr>
-          <p:cNvPr id="1957618295" name="PlaceHolder 5"/>
+          <p:cNvPr id="1874196728" name="PlaceHolder 5"/>
           <p:cNvSpPr>
             <a:spLocks noGrp="1"/>
           </p:cNvSpPr>
@@ -3063,7 +3063,7 @@
       </p:grpSpPr>
       <p:sp>
         <p:nvSpPr>
-          <p:cNvPr id="1209356712" name="PlaceHolder 1"/>
+          <p:cNvPr id="960426159" name="PlaceHolder 1"/>
           <p:cNvSpPr>
             <a:spLocks noGrp="1"/>
           </p:cNvSpPr>
@@ -3104,7 +3104,7 @@
       </p:sp>
       <p:sp>
         <p:nvSpPr>
-          <p:cNvPr id="1718956525" name="PlaceHolder 2"/>
+          <p:cNvPr id="816404568" name="PlaceHolder 2"/>
           <p:cNvSpPr>
             <a:spLocks noGrp="1"/>
           </p:cNvSpPr>
@@ -3148,7 +3148,7 @@
       </p:sp>
       <p:sp>
         <p:nvSpPr>
-          <p:cNvPr id="695001290" name="PlaceHolder 3"/>
+          <p:cNvPr id="544948897" name="PlaceHolder 3"/>
           <p:cNvSpPr>
             <a:spLocks noGrp="1"/>
           </p:cNvSpPr>
@@ -3192,7 +3192,7 @@
       </p:sp>
       <p:sp>
         <p:nvSpPr>
-          <p:cNvPr id="773217430" name="PlaceHolder 4"/>
+          <p:cNvPr id="975654270" name="PlaceHolder 4"/>
           <p:cNvSpPr>
             <a:spLocks noGrp="1"/>
           </p:cNvSpPr>
@@ -3217,7 +3217,7 @@
       </p:sp>
       <p:sp>
         <p:nvSpPr>
-          <p:cNvPr id="605459245" name="PlaceHolder 5"/>
+          <p:cNvPr id="789656261" name="PlaceHolder 5"/>
           <p:cNvSpPr>
             <a:spLocks noGrp="1"/>
           </p:cNvSpPr>
@@ -3242,7 +3242,7 @@
       </p:sp>
       <p:sp>
         <p:nvSpPr>
-          <p:cNvPr id="1014588232" name="PlaceHolder 6"/>
+          <p:cNvPr id="806077126" name="PlaceHolder 6"/>
           <p:cNvSpPr>
             <a:spLocks noGrp="1"/>
           </p:cNvSpPr>
@@ -3288,7 +3288,7 @@
       </p:grpSpPr>
       <p:sp>
         <p:nvSpPr>
-          <p:cNvPr id="237862088" name="PlaceHolder 1"/>
+          <p:cNvPr id="607574056" name="PlaceHolder 1"/>
           <p:cNvSpPr>
             <a:spLocks noGrp="1"/>
           </p:cNvSpPr>
@@ -3329,7 +3329,7 @@
       </p:sp>
       <p:sp>
         <p:nvSpPr>
-          <p:cNvPr id="121708335" name="PlaceHolder 2"/>
+          <p:cNvPr id="1709451830" name="PlaceHolder 2"/>
           <p:cNvSpPr>
             <a:spLocks noGrp="1"/>
           </p:cNvSpPr>
@@ -3354,7 +3354,7 @@
       </p:sp>
       <p:sp>
         <p:nvSpPr>
-          <p:cNvPr id="1586618186" name="PlaceHolder 3"/>
+          <p:cNvPr id="1486936568" name="PlaceHolder 3"/>
           <p:cNvSpPr>
             <a:spLocks noGrp="1"/>
           </p:cNvSpPr>
@@ -3379,7 +3379,7 @@
       </p:sp>
       <p:sp>
         <p:nvSpPr>
-          <p:cNvPr id="853774197" name="PlaceHolder 4"/>
+          <p:cNvPr id="210112432" name="PlaceHolder 4"/>
           <p:cNvSpPr>
             <a:spLocks noGrp="1"/>
           </p:cNvSpPr>
@@ -3425,7 +3425,7 @@
       </p:grpSpPr>
       <p:sp>
         <p:nvSpPr>
-          <p:cNvPr id="2027710507" name="PlaceHolder 1"/>
+          <p:cNvPr id="868077313" name="PlaceHolder 1"/>
           <p:cNvSpPr>
             <a:spLocks noGrp="1"/>
           </p:cNvSpPr>
@@ -3466,7 +3466,7 @@
       </p:sp>
       <p:sp>
         <p:nvSpPr>
-          <p:cNvPr id="1777893986" name="PlaceHolder 2"/>
+          <p:cNvPr id="1075841051" name="PlaceHolder 2"/>
           <p:cNvSpPr>
             <a:spLocks noGrp="1"/>
           </p:cNvSpPr>
@@ -3510,7 +3510,7 @@
       </p:sp>
       <p:sp>
         <p:nvSpPr>
-          <p:cNvPr id="1395021095" name="PlaceHolder 3"/>
+          <p:cNvPr id="842828607" name="PlaceHolder 3"/>
           <p:cNvSpPr>
             <a:spLocks noGrp="1"/>
           </p:cNvSpPr>
@@ -3554,7 +3554,7 @@
       </p:sp>
       <p:sp>
         <p:nvSpPr>
-          <p:cNvPr id="643654979" name="PlaceHolder 4"/>
+          <p:cNvPr id="1063627823" name="PlaceHolder 4"/>
           <p:cNvSpPr>
             <a:spLocks noGrp="1"/>
           </p:cNvSpPr>
@@ -3579,7 +3579,7 @@
       </p:sp>
       <p:sp>
         <p:nvSpPr>
-          <p:cNvPr id="1703269494" name="PlaceHolder 5"/>
+          <p:cNvPr id="852174851" name="PlaceHolder 5"/>
           <p:cNvSpPr>
             <a:spLocks noGrp="1"/>
           </p:cNvSpPr>
@@ -3604,7 +3604,7 @@
       </p:sp>
       <p:sp>
         <p:nvSpPr>
-          <p:cNvPr id="119707040" name="PlaceHolder 6"/>
+          <p:cNvPr id="266827316" name="PlaceHolder 6"/>
           <p:cNvSpPr>
             <a:spLocks noGrp="1"/>
           </p:cNvSpPr>
@@ -3650,7 +3650,7 @@
       </p:grpSpPr>
       <p:sp>
         <p:nvSpPr>
-          <p:cNvPr id="2146739323" name="PlaceHolder 1"/>
+          <p:cNvPr id="658173554" name="PlaceHolder 1"/>
           <p:cNvSpPr>
             <a:spLocks noGrp="1"/>
           </p:cNvSpPr>
@@ -3691,7 +3691,7 @@
       </p:sp>
       <p:sp>
         <p:nvSpPr>
-          <p:cNvPr id="1488485764" name="PlaceHolder 2"/>
+          <p:cNvPr id="1411886800" name="PlaceHolder 2"/>
           <p:cNvSpPr>
             <a:spLocks noGrp="1"/>
           </p:cNvSpPr>
@@ -3735,7 +3735,7 @@
       </p:sp>
       <p:sp>
         <p:nvSpPr>
-          <p:cNvPr id="1400663789" name="PlaceHolder 3"/>
+          <p:cNvPr id="1934786877" name="PlaceHolder 3"/>
           <p:cNvSpPr>
             <a:spLocks noGrp="1"/>
           </p:cNvSpPr>
@@ -3760,7 +3760,7 @@
       </p:sp>
       <p:sp>
         <p:nvSpPr>
-          <p:cNvPr id="787745326" name="PlaceHolder 4"/>
+          <p:cNvPr id="808879606" name="PlaceHolder 4"/>
           <p:cNvSpPr>
             <a:spLocks noGrp="1"/>
           </p:cNvSpPr>
@@ -3785,7 +3785,7 @@
       </p:sp>
       <p:sp>
         <p:nvSpPr>
-          <p:cNvPr id="369157693" name="PlaceHolder 5"/>
+          <p:cNvPr id="790717113" name="PlaceHolder 5"/>
           <p:cNvSpPr>
             <a:spLocks noGrp="1"/>
           </p:cNvSpPr>
@@ -3831,7 +3831,7 @@
       </p:grpSpPr>
       <p:sp>
         <p:nvSpPr>
-          <p:cNvPr id="129921121" name="PlaceHolder 1"/>
+          <p:cNvPr id="577489716" name="PlaceHolder 1"/>
           <p:cNvSpPr>
             <a:spLocks noGrp="1"/>
           </p:cNvSpPr>
@@ -3856,7 +3856,7 @@
       </p:sp>
       <p:sp>
         <p:nvSpPr>
-          <p:cNvPr id="132750184" name="PlaceHolder 2"/>
+          <p:cNvPr id="700952550" name="PlaceHolder 2"/>
           <p:cNvSpPr>
             <a:spLocks noGrp="1"/>
           </p:cNvSpPr>
@@ -3881,7 +3881,7 @@
       </p:sp>
       <p:sp>
         <p:nvSpPr>
-          <p:cNvPr id="586054938" name="PlaceHolder 3"/>
+          <p:cNvPr id="90206442" name="PlaceHolder 3"/>
           <p:cNvSpPr>
             <a:spLocks noGrp="1"/>
           </p:cNvSpPr>
@@ -3927,7 +3927,7 @@
       </p:grpSpPr>
       <p:sp>
         <p:nvSpPr>
-          <p:cNvPr id="435651899" name="PlaceHolder 1"/>
+          <p:cNvPr id="976227716" name="PlaceHolder 1"/>
           <p:cNvSpPr>
             <a:spLocks noGrp="1"/>
           </p:cNvSpPr>
@@ -3952,7 +3952,7 @@
       </p:sp>
       <p:sp>
         <p:nvSpPr>
-          <p:cNvPr id="1136821478" name="PlaceHolder 2"/>
+          <p:cNvPr id="1536908591" name="PlaceHolder 2"/>
           <p:cNvSpPr>
             <a:spLocks noGrp="1"/>
           </p:cNvSpPr>
@@ -3977,7 +3977,7 @@
       </p:sp>
       <p:sp>
         <p:nvSpPr>
-          <p:cNvPr id="1354404490" name="PlaceHolder 3"/>
+          <p:cNvPr id="207223138" name="PlaceHolder 3"/>
           <p:cNvSpPr>
             <a:spLocks noGrp="1"/>
           </p:cNvSpPr>
@@ -4023,7 +4023,7 @@
       </p:grpSpPr>
       <p:sp>
         <p:nvSpPr>
-          <p:cNvPr id="1959581984" name="PlaceHolder 1"/>
+          <p:cNvPr id="785895058" name="PlaceHolder 1"/>
           <p:cNvSpPr>
             <a:spLocks noGrp="1"/>
           </p:cNvSpPr>
@@ -4064,7 +4064,7 @@
       </p:sp>
       <p:sp>
         <p:nvSpPr>
-          <p:cNvPr id="2068718543" name="PlaceHolder 2"/>
+          <p:cNvPr id="2093028475" name="PlaceHolder 2"/>
           <p:cNvSpPr>
             <a:spLocks noGrp="1"/>
           </p:cNvSpPr>
@@ -4105,7 +4105,7 @@
       </p:sp>
       <p:sp>
         <p:nvSpPr>
-          <p:cNvPr id="1354388355" name="PlaceHolder 3"/>
+          <p:cNvPr id="1514788242" name="PlaceHolder 3"/>
           <p:cNvSpPr>
             <a:spLocks noGrp="1"/>
           </p:cNvSpPr>
@@ -4130,7 +4130,7 @@
       </p:sp>
       <p:sp>
         <p:nvSpPr>
-          <p:cNvPr id="836760602" name="PlaceHolder 4"/>
+          <p:cNvPr id="1164930308" name="PlaceHolder 4"/>
           <p:cNvSpPr>
             <a:spLocks noGrp="1"/>
           </p:cNvSpPr>
@@ -4155,7 +4155,7 @@
       </p:sp>
       <p:sp>
         <p:nvSpPr>
-          <p:cNvPr id="40775164" name="PlaceHolder 5"/>
+          <p:cNvPr id="745510709" name="PlaceHolder 5"/>
           <p:cNvSpPr>
             <a:spLocks noGrp="1"/>
           </p:cNvSpPr>
@@ -4201,7 +4201,7 @@
       </p:grpSpPr>
       <p:sp>
         <p:nvSpPr>
-          <p:cNvPr id="916027600" name="PlaceHolder 1"/>
+          <p:cNvPr id="157626879" name="PlaceHolder 1"/>
           <p:cNvSpPr>
             <a:spLocks noGrp="1"/>
           </p:cNvSpPr>
@@ -4242,7 +4242,7 @@
       </p:sp>
       <p:sp>
         <p:nvSpPr>
-          <p:cNvPr id="1400733226" name="PlaceHolder 2"/>
+          <p:cNvPr id="1704428866" name="PlaceHolder 2"/>
           <p:cNvSpPr>
             <a:spLocks noGrp="1"/>
           </p:cNvSpPr>
@@ -4267,7 +4267,7 @@
       </p:sp>
       <p:sp>
         <p:nvSpPr>
-          <p:cNvPr id="75843010" name="PlaceHolder 3"/>
+          <p:cNvPr id="881778645" name="PlaceHolder 3"/>
           <p:cNvSpPr>
             <a:spLocks noGrp="1"/>
           </p:cNvSpPr>
@@ -4292,7 +4292,7 @@
       </p:sp>
       <p:sp>
         <p:nvSpPr>
-          <p:cNvPr id="783595711" name="PlaceHolder 4"/>
+          <p:cNvPr id="2084337255" name="PlaceHolder 4"/>
           <p:cNvSpPr>
             <a:spLocks noGrp="1"/>
           </p:cNvSpPr>
@@ -4338,7 +4338,7 @@
       </p:grpSpPr>
       <p:sp>
         <p:nvSpPr>
-          <p:cNvPr id="351397242" name="PlaceHolder 1"/>
+          <p:cNvPr id="1714779116" name="PlaceHolder 1"/>
           <p:cNvSpPr>
             <a:spLocks noGrp="1"/>
           </p:cNvSpPr>
@@ -4379,7 +4379,7 @@
       </p:sp>
       <p:sp>
         <p:nvSpPr>
-          <p:cNvPr id="1850631798" name="PlaceHolder 2"/>
+          <p:cNvPr id="585716670" name="PlaceHolder 2"/>
           <p:cNvSpPr>
             <a:spLocks noGrp="1"/>
           </p:cNvSpPr>
@@ -4423,7 +4423,7 @@
       </p:sp>
       <p:sp>
         <p:nvSpPr>
-          <p:cNvPr id="1857996358" name="PlaceHolder 3"/>
+          <p:cNvPr id="625613519" name="PlaceHolder 3"/>
           <p:cNvSpPr>
             <a:spLocks noGrp="1"/>
           </p:cNvSpPr>
@@ -4467,7 +4467,7 @@
       </p:sp>
       <p:sp>
         <p:nvSpPr>
-          <p:cNvPr id="1958402662" name="PlaceHolder 4"/>
+          <p:cNvPr id="1615066333" name="PlaceHolder 4"/>
           <p:cNvSpPr>
             <a:spLocks noGrp="1"/>
           </p:cNvSpPr>
@@ -4492,7 +4492,7 @@
       </p:sp>
       <p:sp>
         <p:nvSpPr>
-          <p:cNvPr id="1607056600" name="PlaceHolder 5"/>
+          <p:cNvPr id="70076864" name="PlaceHolder 5"/>
           <p:cNvSpPr>
             <a:spLocks noGrp="1"/>
           </p:cNvSpPr>
@@ -4517,7 +4517,7 @@
       </p:sp>
       <p:sp>
         <p:nvSpPr>
-          <p:cNvPr id="898858340" name="PlaceHolder 6"/>
+          <p:cNvPr id="332283831" name="PlaceHolder 6"/>
           <p:cNvSpPr>
             <a:spLocks noGrp="1"/>
           </p:cNvSpPr>
@@ -4563,7 +4563,7 @@
       </p:grpSpPr>
       <p:sp>
         <p:nvSpPr>
-          <p:cNvPr id="1399195497" name="PlaceHolder 1"/>
+          <p:cNvPr id="1682917453" name="PlaceHolder 1"/>
           <p:cNvSpPr>
             <a:spLocks noGrp="1"/>
           </p:cNvSpPr>
@@ -4588,7 +4588,7 @@
       </p:sp>
       <p:sp>
         <p:nvSpPr>
-          <p:cNvPr id="829829083" name="PlaceHolder 2"/>
+          <p:cNvPr id="403932111" name="PlaceHolder 2"/>
           <p:cNvSpPr>
             <a:spLocks noGrp="1"/>
           </p:cNvSpPr>
@@ -4613,7 +4613,7 @@
       </p:sp>
       <p:sp>
         <p:nvSpPr>
-          <p:cNvPr id="160599642" name="PlaceHolder 3"/>
+          <p:cNvPr id="929027658" name="PlaceHolder 3"/>
           <p:cNvSpPr>
             <a:spLocks noGrp="1"/>
           </p:cNvSpPr>
@@ -4659,7 +4659,7 @@
       </p:grpSpPr>
       <p:sp>
         <p:nvSpPr>
-          <p:cNvPr id="1546021551" name="PlaceHolder 1"/>
+          <p:cNvPr id="789328564" name="PlaceHolder 1"/>
           <p:cNvSpPr>
             <a:spLocks noGrp="1"/>
           </p:cNvSpPr>
@@ -4700,7 +4700,7 @@
       </p:sp>
       <p:sp>
         <p:nvSpPr>
-          <p:cNvPr id="2057229495" name="PlaceHolder 2"/>
+          <p:cNvPr id="1585180106" name="PlaceHolder 2"/>
           <p:cNvSpPr>
             <a:spLocks noGrp="1"/>
           </p:cNvSpPr>
@@ -4744,7 +4744,7 @@
       </p:sp>
       <p:sp>
         <p:nvSpPr>
-          <p:cNvPr id="2118183630" name="PlaceHolder 3"/>
+          <p:cNvPr id="1982604564" name="PlaceHolder 3"/>
           <p:cNvSpPr>
             <a:spLocks noGrp="1"/>
           </p:cNvSpPr>
@@ -4769,7 +4769,7 @@
       </p:sp>
       <p:sp>
         <p:nvSpPr>
-          <p:cNvPr id="1080690359" name="PlaceHolder 4"/>
+          <p:cNvPr id="389774672" name="PlaceHolder 4"/>
           <p:cNvSpPr>
             <a:spLocks noGrp="1"/>
           </p:cNvSpPr>
@@ -4794,7 +4794,7 @@
       </p:sp>
       <p:sp>
         <p:nvSpPr>
-          <p:cNvPr id="2044348357" name="PlaceHolder 5"/>
+          <p:cNvPr id="2115954368" name="PlaceHolder 5"/>
           <p:cNvSpPr>
             <a:spLocks noGrp="1"/>
           </p:cNvSpPr>
@@ -4840,7 +4840,7 @@
       </p:grpSpPr>
       <p:sp>
         <p:nvSpPr>
-          <p:cNvPr id="1658120609" name="PlaceHolder 1"/>
+          <p:cNvPr id="564197892" name="PlaceHolder 1"/>
           <p:cNvSpPr>
             <a:spLocks noGrp="1"/>
           </p:cNvSpPr>
@@ -4865,7 +4865,7 @@
       </p:sp>
       <p:sp>
         <p:nvSpPr>
-          <p:cNvPr id="1132795183" name="PlaceHolder 2"/>
+          <p:cNvPr id="1320860230" name="PlaceHolder 2"/>
           <p:cNvSpPr>
             <a:spLocks noGrp="1"/>
           </p:cNvSpPr>
@@ -4890,7 +4890,7 @@
       </p:sp>
       <p:sp>
         <p:nvSpPr>
-          <p:cNvPr id="1566433563" name="PlaceHolder 3"/>
+          <p:cNvPr id="91041483" name="PlaceHolder 3"/>
           <p:cNvSpPr>
             <a:spLocks noGrp="1"/>
           </p:cNvSpPr>
@@ -4936,7 +4936,7 @@
       </p:grpSpPr>
       <p:sp>
         <p:nvSpPr>
-          <p:cNvPr id="1923429466" name="PlaceHolder 1"/>
+          <p:cNvPr id="190327475" name="PlaceHolder 1"/>
           <p:cNvSpPr>
             <a:spLocks noGrp="1"/>
           </p:cNvSpPr>
@@ -4961,7 +4961,7 @@
       </p:sp>
       <p:sp>
         <p:nvSpPr>
-          <p:cNvPr id="1658681058" name="PlaceHolder 2"/>
+          <p:cNvPr id="1207809500" name="PlaceHolder 2"/>
           <p:cNvSpPr>
             <a:spLocks noGrp="1"/>
           </p:cNvSpPr>
@@ -4986,7 +4986,7 @@
       </p:sp>
       <p:sp>
         <p:nvSpPr>
-          <p:cNvPr id="1928593920" name="PlaceHolder 3"/>
+          <p:cNvPr id="653887048" name="PlaceHolder 3"/>
           <p:cNvSpPr>
             <a:spLocks noGrp="1"/>
           </p:cNvSpPr>
@@ -5032,7 +5032,7 @@
       </p:grpSpPr>
       <p:sp>
         <p:nvSpPr>
-          <p:cNvPr id="795938890" name="PlaceHolder 1"/>
+          <p:cNvPr id="702776372" name="PlaceHolder 1"/>
           <p:cNvSpPr>
             <a:spLocks noGrp="1"/>
           </p:cNvSpPr>
@@ -5073,7 +5073,7 @@
       </p:sp>
       <p:sp>
         <p:nvSpPr>
-          <p:cNvPr id="941832870" name="PlaceHolder 2"/>
+          <p:cNvPr id="1930777734" name="PlaceHolder 2"/>
           <p:cNvSpPr>
             <a:spLocks noGrp="1"/>
           </p:cNvSpPr>
@@ -5114,7 +5114,7 @@
       </p:sp>
       <p:sp>
         <p:nvSpPr>
-          <p:cNvPr id="612163511" name="PlaceHolder 3"/>
+          <p:cNvPr id="1628798356" name="PlaceHolder 3"/>
           <p:cNvSpPr>
             <a:spLocks noGrp="1"/>
           </p:cNvSpPr>
@@ -5139,7 +5139,7 @@
       </p:sp>
       <p:sp>
         <p:nvSpPr>
-          <p:cNvPr id="1128874125" name="PlaceHolder 4"/>
+          <p:cNvPr id="816695041" name="PlaceHolder 4"/>
           <p:cNvSpPr>
             <a:spLocks noGrp="1"/>
           </p:cNvSpPr>
@@ -5164,7 +5164,7 @@
       </p:sp>
       <p:sp>
         <p:nvSpPr>
-          <p:cNvPr id="1407625296" name="PlaceHolder 5"/>
+          <p:cNvPr id="58345864" name="PlaceHolder 5"/>
           <p:cNvSpPr>
             <a:spLocks noGrp="1"/>
           </p:cNvSpPr>
@@ -5210,7 +5210,7 @@
       </p:grpSpPr>
       <p:sp>
         <p:nvSpPr>
-          <p:cNvPr id="1507449618" name="PlaceHolder 1"/>
+          <p:cNvPr id="927582994" name="PlaceHolder 1"/>
           <p:cNvSpPr>
             <a:spLocks noGrp="1"/>
           </p:cNvSpPr>
@@ -5251,7 +5251,7 @@
       </p:sp>
       <p:sp>
         <p:nvSpPr>
-          <p:cNvPr id="363185037" name="PlaceHolder 2"/>
+          <p:cNvPr id="113967692" name="PlaceHolder 2"/>
           <p:cNvSpPr>
             <a:spLocks noGrp="1"/>
           </p:cNvSpPr>
@@ -5276,7 +5276,7 @@
       </p:sp>
       <p:sp>
         <p:nvSpPr>
-          <p:cNvPr id="1332312143" name="PlaceHolder 3"/>
+          <p:cNvPr id="2085902251" name="PlaceHolder 3"/>
           <p:cNvSpPr>
             <a:spLocks noGrp="1"/>
           </p:cNvSpPr>
@@ -5301,7 +5301,7 @@
       </p:sp>
       <p:sp>
         <p:nvSpPr>
-          <p:cNvPr id="1544483590" name="PlaceHolder 4"/>
+          <p:cNvPr id="305272158" name="PlaceHolder 4"/>
           <p:cNvSpPr>
             <a:spLocks noGrp="1"/>
           </p:cNvSpPr>
@@ -5347,7 +5347,7 @@
       </p:grpSpPr>
       <p:sp>
         <p:nvSpPr>
-          <p:cNvPr id="114081751" name="PlaceHolder 1"/>
+          <p:cNvPr id="2001404733" name="PlaceHolder 1"/>
           <p:cNvSpPr>
             <a:spLocks noGrp="1"/>
           </p:cNvSpPr>
@@ -5388,7 +5388,7 @@
       </p:sp>
       <p:sp>
         <p:nvSpPr>
-          <p:cNvPr id="1462815579" name="PlaceHolder 2"/>
+          <p:cNvPr id="2117036442" name="PlaceHolder 2"/>
           <p:cNvSpPr>
             <a:spLocks noGrp="1"/>
           </p:cNvSpPr>
@@ -5432,7 +5432,7 @@
       </p:sp>
       <p:sp>
         <p:nvSpPr>
-          <p:cNvPr id="1572445786" name="PlaceHolder 3"/>
+          <p:cNvPr id="838986098" name="PlaceHolder 3"/>
           <p:cNvSpPr>
             <a:spLocks noGrp="1"/>
           </p:cNvSpPr>
@@ -5476,7 +5476,7 @@
       </p:sp>
       <p:sp>
         <p:nvSpPr>
-          <p:cNvPr id="939734828" name="PlaceHolder 4"/>
+          <p:cNvPr id="447476326" name="PlaceHolder 4"/>
           <p:cNvSpPr>
             <a:spLocks noGrp="1"/>
           </p:cNvSpPr>
@@ -5501,7 +5501,7 @@
       </p:sp>
       <p:sp>
         <p:nvSpPr>
-          <p:cNvPr id="517668819" name="PlaceHolder 5"/>
+          <p:cNvPr id="1956829730" name="PlaceHolder 5"/>
           <p:cNvSpPr>
             <a:spLocks noGrp="1"/>
           </p:cNvSpPr>
@@ -5526,7 +5526,7 @@
       </p:sp>
       <p:sp>
         <p:nvSpPr>
-          <p:cNvPr id="396860965" name="PlaceHolder 6"/>
+          <p:cNvPr id="1991476733" name="PlaceHolder 6"/>
           <p:cNvSpPr>
             <a:spLocks noGrp="1"/>
           </p:cNvSpPr>
@@ -5572,7 +5572,7 @@
       </p:grpSpPr>
       <p:sp>
         <p:nvSpPr>
-          <p:cNvPr id="794741376" name="PlaceHolder 1"/>
+          <p:cNvPr id="988095012" name="PlaceHolder 1"/>
           <p:cNvSpPr>
             <a:spLocks noGrp="1"/>
           </p:cNvSpPr>
@@ -5613,7 +5613,7 @@
       </p:sp>
       <p:sp>
         <p:nvSpPr>
-          <p:cNvPr id="588755361" name="PlaceHolder 2"/>
+          <p:cNvPr id="1898148272" name="PlaceHolder 2"/>
           <p:cNvSpPr>
             <a:spLocks noGrp="1"/>
           </p:cNvSpPr>
@@ -5657,7 +5657,7 @@
       </p:sp>
       <p:sp>
         <p:nvSpPr>
-          <p:cNvPr id="1401607510" name="PlaceHolder 3"/>
+          <p:cNvPr id="1264118901" name="PlaceHolder 3"/>
           <p:cNvSpPr>
             <a:spLocks noGrp="1"/>
           </p:cNvSpPr>
@@ -5682,7 +5682,7 @@
       </p:sp>
       <p:sp>
         <p:nvSpPr>
-          <p:cNvPr id="965589394" name="PlaceHolder 4"/>
+          <p:cNvPr id="1358175515" name="PlaceHolder 4"/>
           <p:cNvSpPr>
             <a:spLocks noGrp="1"/>
           </p:cNvSpPr>
@@ -5707,7 +5707,7 @@
       </p:sp>
       <p:sp>
         <p:nvSpPr>
-          <p:cNvPr id="1846217245" name="PlaceHolder 5"/>
+          <p:cNvPr id="1086169949" name="PlaceHolder 5"/>
           <p:cNvSpPr>
             <a:spLocks noGrp="1"/>
           </p:cNvSpPr>
@@ -5753,7 +5753,7 @@
       </p:grpSpPr>
       <p:sp>
         <p:nvSpPr>
-          <p:cNvPr id="1610209882" name="PlaceHolder 1"/>
+          <p:cNvPr id="6755073" name="PlaceHolder 1"/>
           <p:cNvSpPr>
             <a:spLocks noGrp="1"/>
           </p:cNvSpPr>
@@ -5778,7 +5778,7 @@
       </p:sp>
       <p:sp>
         <p:nvSpPr>
-          <p:cNvPr id="1249098447" name="PlaceHolder 2"/>
+          <p:cNvPr id="1752572107" name="PlaceHolder 2"/>
           <p:cNvSpPr>
             <a:spLocks noGrp="1"/>
           </p:cNvSpPr>
@@ -5803,7 +5803,7 @@
       </p:sp>
       <p:sp>
         <p:nvSpPr>
-          <p:cNvPr id="162829318" name="PlaceHolder 3"/>
+          <p:cNvPr id="1993549169" name="PlaceHolder 3"/>
           <p:cNvSpPr>
             <a:spLocks noGrp="1"/>
           </p:cNvSpPr>
@@ -5849,7 +5849,7 @@
       </p:grpSpPr>
       <p:sp>
         <p:nvSpPr>
-          <p:cNvPr id="996922755" name="PlaceHolder 1"/>
+          <p:cNvPr id="1300390939" name="PlaceHolder 1"/>
           <p:cNvSpPr>
             <a:spLocks noGrp="1"/>
           </p:cNvSpPr>
@@ -5874,7 +5874,7 @@
       </p:sp>
       <p:sp>
         <p:nvSpPr>
-          <p:cNvPr id="390881958" name="PlaceHolder 2"/>
+          <p:cNvPr id="1653686366" name="PlaceHolder 2"/>
           <p:cNvSpPr>
             <a:spLocks noGrp="1"/>
           </p:cNvSpPr>
@@ -5899,7 +5899,7 @@
       </p:sp>
       <p:sp>
         <p:nvSpPr>
-          <p:cNvPr id="1350196764" name="PlaceHolder 3"/>
+          <p:cNvPr id="609393802" name="PlaceHolder 3"/>
           <p:cNvSpPr>
             <a:spLocks noGrp="1"/>
           </p:cNvSpPr>
@@ -5945,7 +5945,7 @@
       </p:grpSpPr>
       <p:sp>
         <p:nvSpPr>
-          <p:cNvPr id="1807665800" name="PlaceHolder 1"/>
+          <p:cNvPr id="1853061988" name="PlaceHolder 1"/>
           <p:cNvSpPr>
             <a:spLocks noGrp="1"/>
           </p:cNvSpPr>
@@ -5986,7 +5986,7 @@
       </p:sp>
       <p:sp>
         <p:nvSpPr>
-          <p:cNvPr id="904425663" name="PlaceHolder 2"/>
+          <p:cNvPr id="1669969766" name="PlaceHolder 2"/>
           <p:cNvSpPr>
             <a:spLocks noGrp="1"/>
           </p:cNvSpPr>
@@ -6027,7 +6027,7 @@
       </p:sp>
       <p:sp>
         <p:nvSpPr>
-          <p:cNvPr id="1838275788" name="PlaceHolder 3"/>
+          <p:cNvPr id="1552559790" name="PlaceHolder 3"/>
           <p:cNvSpPr>
             <a:spLocks noGrp="1"/>
           </p:cNvSpPr>
@@ -6052,7 +6052,7 @@
       </p:sp>
       <p:sp>
         <p:nvSpPr>
-          <p:cNvPr id="1884315602" name="PlaceHolder 4"/>
+          <p:cNvPr id="1252933800" name="PlaceHolder 4"/>
           <p:cNvSpPr>
             <a:spLocks noGrp="1"/>
           </p:cNvSpPr>
@@ -6077,7 +6077,7 @@
       </p:sp>
       <p:sp>
         <p:nvSpPr>
-          <p:cNvPr id="362783425" name="PlaceHolder 5"/>
+          <p:cNvPr id="1028386143" name="PlaceHolder 5"/>
           <p:cNvSpPr>
             <a:spLocks noGrp="1"/>
           </p:cNvSpPr>
@@ -6123,7 +6123,7 @@
       </p:grpSpPr>
       <p:sp>
         <p:nvSpPr>
-          <p:cNvPr id="1097999749" name="PlaceHolder 1"/>
+          <p:cNvPr id="1982488646" name="PlaceHolder 1"/>
           <p:cNvSpPr>
             <a:spLocks noGrp="1"/>
           </p:cNvSpPr>
@@ -6164,7 +6164,7 @@
       </p:sp>
       <p:sp>
         <p:nvSpPr>
-          <p:cNvPr id="269906338" name="PlaceHolder 2"/>
+          <p:cNvPr id="855570107" name="PlaceHolder 2"/>
           <p:cNvSpPr>
             <a:spLocks noGrp="1"/>
           </p:cNvSpPr>
@@ -6208,7 +6208,7 @@
       </p:sp>
       <p:sp>
         <p:nvSpPr>
-          <p:cNvPr id="563079693" name="PlaceHolder 3"/>
+          <p:cNvPr id="34397956" name="PlaceHolder 3"/>
           <p:cNvSpPr>
             <a:spLocks noGrp="1"/>
           </p:cNvSpPr>
@@ -6233,7 +6233,7 @@
       </p:sp>
       <p:sp>
         <p:nvSpPr>
-          <p:cNvPr id="650342478" name="PlaceHolder 4"/>
+          <p:cNvPr id="1846062816" name="PlaceHolder 4"/>
           <p:cNvSpPr>
             <a:spLocks noGrp="1"/>
           </p:cNvSpPr>
@@ -6258,7 +6258,7 @@
       </p:sp>
       <p:sp>
         <p:nvSpPr>
-          <p:cNvPr id="1416535894" name="PlaceHolder 5"/>
+          <p:cNvPr id="1319758832" name="PlaceHolder 5"/>
           <p:cNvSpPr>
             <a:spLocks noGrp="1"/>
           </p:cNvSpPr>
@@ -6304,7 +6304,7 @@
       </p:grpSpPr>
       <p:sp>
         <p:nvSpPr>
-          <p:cNvPr id="449879445" name="PlaceHolder 1"/>
+          <p:cNvPr id="402532138" name="PlaceHolder 1"/>
           <p:cNvSpPr>
             <a:spLocks noGrp="1"/>
           </p:cNvSpPr>
@@ -6329,7 +6329,7 @@
       </p:sp>
       <p:sp>
         <p:nvSpPr>
-          <p:cNvPr id="1785245677" name="PlaceHolder 2"/>
+          <p:cNvPr id="1973588577" name="PlaceHolder 2"/>
           <p:cNvSpPr>
             <a:spLocks noGrp="1"/>
           </p:cNvSpPr>
@@ -6354,7 +6354,7 @@
       </p:sp>
       <p:sp>
         <p:nvSpPr>
-          <p:cNvPr id="516790744" name="PlaceHolder 3"/>
+          <p:cNvPr id="1587791268" name="PlaceHolder 3"/>
           <p:cNvSpPr>
             <a:spLocks noGrp="1"/>
           </p:cNvSpPr>
@@ -6400,7 +6400,7 @@
       </p:grpSpPr>
       <p:sp>
         <p:nvSpPr>
-          <p:cNvPr id="1207996685" name="PlaceHolder 1"/>
+          <p:cNvPr id="1089099556" name="PlaceHolder 1"/>
           <p:cNvSpPr>
             <a:spLocks noGrp="1"/>
           </p:cNvSpPr>
@@ -6425,7 +6425,7 @@
       </p:sp>
       <p:sp>
         <p:nvSpPr>
-          <p:cNvPr id="1222283073" name="PlaceHolder 2"/>
+          <p:cNvPr id="1560383759" name="PlaceHolder 2"/>
           <p:cNvSpPr>
             <a:spLocks noGrp="1"/>
           </p:cNvSpPr>
@@ -6450,7 +6450,7 @@
       </p:sp>
       <p:sp>
         <p:nvSpPr>
-          <p:cNvPr id="966838248" name="PlaceHolder 3"/>
+          <p:cNvPr id="648599230" name="PlaceHolder 3"/>
           <p:cNvSpPr>
             <a:spLocks noGrp="1"/>
           </p:cNvSpPr>
@@ -6496,7 +6496,7 @@
       </p:grpSpPr>
       <p:sp>
         <p:nvSpPr>
-          <p:cNvPr id="1262456843" name="PlaceHolder 1"/>
+          <p:cNvPr id="1460800059" name="PlaceHolder 1"/>
           <p:cNvSpPr>
             <a:spLocks noGrp="1"/>
           </p:cNvSpPr>
@@ -6537,7 +6537,7 @@
       </p:sp>
       <p:sp>
         <p:nvSpPr>
-          <p:cNvPr id="870549645" name="PlaceHolder 2"/>
+          <p:cNvPr id="1413534733" name="PlaceHolder 2"/>
           <p:cNvSpPr>
             <a:spLocks noGrp="1"/>
           </p:cNvSpPr>
@@ -6581,7 +6581,7 @@
       </p:sp>
       <p:sp>
         <p:nvSpPr>
-          <p:cNvPr id="363727743" name="PlaceHolder 3"/>
+          <p:cNvPr id="331444936" name="PlaceHolder 3"/>
           <p:cNvSpPr>
             <a:spLocks noGrp="1"/>
           </p:cNvSpPr>
@@ -6625,7 +6625,7 @@
       </p:sp>
       <p:sp>
         <p:nvSpPr>
-          <p:cNvPr id="1165384969" name="PlaceHolder 4"/>
+          <p:cNvPr id="346892129" name="PlaceHolder 4"/>
           <p:cNvSpPr>
             <a:spLocks noGrp="1"/>
           </p:cNvSpPr>
@@ -6650,7 +6650,7 @@
       </p:sp>
       <p:sp>
         <p:nvSpPr>
-          <p:cNvPr id="1662816971" name="PlaceHolder 5"/>
+          <p:cNvPr id="2133314331" name="PlaceHolder 5"/>
           <p:cNvSpPr>
             <a:spLocks noGrp="1"/>
           </p:cNvSpPr>
@@ -6675,7 +6675,7 @@
       </p:sp>
       <p:sp>
         <p:nvSpPr>
-          <p:cNvPr id="1154137750" name="PlaceHolder 6"/>
+          <p:cNvPr id="892256672" name="PlaceHolder 6"/>
           <p:cNvSpPr>
             <a:spLocks noGrp="1"/>
           </p:cNvSpPr>
@@ -6721,7 +6721,7 @@
       </p:grpSpPr>
       <p:sp>
         <p:nvSpPr>
-          <p:cNvPr id="22320747" name="PlaceHolder 1"/>
+          <p:cNvPr id="318682131" name="PlaceHolder 1"/>
           <p:cNvSpPr>
             <a:spLocks noGrp="1"/>
           </p:cNvSpPr>
@@ -6746,7 +6746,7 @@
       </p:sp>
       <p:sp>
         <p:nvSpPr>
-          <p:cNvPr id="1887393536" name="PlaceHolder 2"/>
+          <p:cNvPr id="1064048258" name="PlaceHolder 2"/>
           <p:cNvSpPr>
             <a:spLocks noGrp="1"/>
           </p:cNvSpPr>
@@ -6771,7 +6771,7 @@
       </p:sp>
       <p:sp>
         <p:nvSpPr>
-          <p:cNvPr id="1823557727" name="PlaceHolder 3"/>
+          <p:cNvPr id="873948364" name="PlaceHolder 3"/>
           <p:cNvSpPr>
             <a:spLocks noGrp="1"/>
           </p:cNvSpPr>
@@ -6817,7 +6817,7 @@
       </p:grpSpPr>
       <p:sp>
         <p:nvSpPr>
-          <p:cNvPr id="648303296" name="PlaceHolder 1"/>
+          <p:cNvPr id="737321087" name="PlaceHolder 1"/>
           <p:cNvSpPr>
             <a:spLocks noGrp="1"/>
           </p:cNvSpPr>
@@ -6842,7 +6842,7 @@
       </p:sp>
       <p:sp>
         <p:nvSpPr>
-          <p:cNvPr id="1063268502" name="PlaceHolder 2"/>
+          <p:cNvPr id="1045849601" name="PlaceHolder 2"/>
           <p:cNvSpPr>
             <a:spLocks noGrp="1"/>
           </p:cNvSpPr>
@@ -6867,7 +6867,7 @@
       </p:sp>
       <p:sp>
         <p:nvSpPr>
-          <p:cNvPr id="795000883" name="PlaceHolder 3"/>
+          <p:cNvPr id="433468239" name="PlaceHolder 3"/>
           <p:cNvSpPr>
             <a:spLocks noGrp="1"/>
           </p:cNvSpPr>
@@ -6913,7 +6913,7 @@
       </p:grpSpPr>
       <p:sp>
         <p:nvSpPr>
-          <p:cNvPr id="1669896433" name="PlaceHolder 1"/>
+          <p:cNvPr id="259382673" name="PlaceHolder 1"/>
           <p:cNvSpPr>
             <a:spLocks noGrp="1"/>
           </p:cNvSpPr>
@@ -6938,7 +6938,7 @@
       </p:sp>
       <p:sp>
         <p:nvSpPr>
-          <p:cNvPr id="735872752" name="PlaceHolder 2"/>
+          <p:cNvPr id="74427671" name="PlaceHolder 2"/>
           <p:cNvSpPr>
             <a:spLocks noGrp="1"/>
           </p:cNvSpPr>
@@ -6963,7 +6963,7 @@
       </p:sp>
       <p:sp>
         <p:nvSpPr>
-          <p:cNvPr id="117457868" name="PlaceHolder 3"/>
+          <p:cNvPr id="37974573" name="PlaceHolder 3"/>
           <p:cNvSpPr>
             <a:spLocks noGrp="1"/>
           </p:cNvSpPr>
@@ -7027,7 +7027,7 @@
       </p:grpSpPr>
       <p:grpSp>
         <p:nvGrpSpPr>
-          <p:cNvPr id="615837536" name="линии слева"/>
+          <p:cNvPr id="285322029" name="линии слева"/>
           <p:cNvGrpSpPr/>
           <p:nvPr/>
         </p:nvGrpSpPr>
@@ -7275,7 +7275,7 @@
       </p:grpSp>
       <p:grpSp>
         <p:nvGrpSpPr>
-          <p:cNvPr id="1430554301" name="диагонали"/>
+          <p:cNvPr id="1735789860" name="диагонали"/>
           <p:cNvGrpSpPr/>
           <p:nvPr/>
         </p:nvGrpSpPr>
@@ -7355,7 +7355,7 @@
       </p:grpSp>
       <p:grpSp>
         <p:nvGrpSpPr>
-          <p:cNvPr id="663186007" name="линии снизу"/>
+          <p:cNvPr id="1075584046" name="линии снизу"/>
           <p:cNvGrpSpPr/>
           <p:nvPr/>
         </p:nvGrpSpPr>
@@ -7605,7 +7605,7 @@
       </p:grpSp>
       <p:sp>
         <p:nvSpPr>
-          <p:cNvPr id="1005668464" name="PlaceHolder 1"/>
+          <p:cNvPr id="2035827954" name="PlaceHolder 1"/>
           <p:cNvSpPr>
             <a:spLocks noGrp="1"/>
           </p:cNvSpPr>
@@ -7655,7 +7655,7 @@
       </p:sp>
       <p:sp>
         <p:nvSpPr>
-          <p:cNvPr id="1252691523" name="PlaceHolder 2"/>
+          <p:cNvPr id="2000993848" name="PlaceHolder 2"/>
           <p:cNvSpPr>
             <a:spLocks noGrp="1"/>
           </p:cNvSpPr>
@@ -7728,7 +7728,7 @@
       </p:sp>
       <p:sp>
         <p:nvSpPr>
-          <p:cNvPr id="1354060766" name="PlaceHolder 3"/>
+          <p:cNvPr id="1018607999" name="PlaceHolder 3"/>
           <p:cNvSpPr>
             <a:spLocks noGrp="1"/>
           </p:cNvSpPr>
@@ -7805,7 +7805,7 @@
       </p:sp>
       <p:sp>
         <p:nvSpPr>
-          <p:cNvPr id="923646351" name="PlaceHolder 4"/>
+          <p:cNvPr id="1888550146" name="PlaceHolder 4"/>
           <p:cNvSpPr>
             <a:spLocks noGrp="1"/>
           </p:cNvSpPr>
@@ -7866,7 +7866,7 @@
       </p:sp>
       <p:sp>
         <p:nvSpPr>
-          <p:cNvPr id="184606583" name="PlaceHolder 5"/>
+          <p:cNvPr id="1856557938" name="PlaceHolder 5"/>
           <p:cNvSpPr>
             <a:spLocks noGrp="1"/>
           </p:cNvSpPr>
@@ -8142,7 +8142,7 @@
       </p:grpSpPr>
       <p:grpSp>
         <p:nvGrpSpPr>
-          <p:cNvPr id="1469032401" name="линии слева"/>
+          <p:cNvPr id="1117479672" name="линии слева"/>
           <p:cNvGrpSpPr/>
           <p:nvPr/>
         </p:nvGrpSpPr>
@@ -8390,7 +8390,7 @@
       </p:grpSp>
       <p:sp>
         <p:nvSpPr>
-          <p:cNvPr id="2097529462" name="PlaceHolder 1"/>
+          <p:cNvPr id="468063880" name="PlaceHolder 1"/>
           <p:cNvSpPr>
             <a:spLocks noGrp="1"/>
           </p:cNvSpPr>
@@ -8440,7 +8440,7 @@
       </p:sp>
       <p:sp>
         <p:nvSpPr>
-          <p:cNvPr id="164446450" name="PlaceHolder 2"/>
+          <p:cNvPr id="1099077810" name="PlaceHolder 2"/>
           <p:cNvSpPr>
             <a:spLocks noGrp="1"/>
           </p:cNvSpPr>
@@ -8513,7 +8513,7 @@
       </p:sp>
       <p:sp>
         <p:nvSpPr>
-          <p:cNvPr id="1404375564" name="PlaceHolder 3"/>
+          <p:cNvPr id="603193302" name="PlaceHolder 3"/>
           <p:cNvSpPr>
             <a:spLocks noGrp="1"/>
           </p:cNvSpPr>
@@ -8590,7 +8590,7 @@
       </p:sp>
       <p:sp>
         <p:nvSpPr>
-          <p:cNvPr id="41868285" name="PlaceHolder 4"/>
+          <p:cNvPr id="1821977975" name="PlaceHolder 4"/>
           <p:cNvSpPr>
             <a:spLocks noGrp="1"/>
           </p:cNvSpPr>
@@ -8695,7 +8695,7 @@
       </p:grpSpPr>
       <p:grpSp>
         <p:nvGrpSpPr>
-          <p:cNvPr id="1442301423" name="линии слева"/>
+          <p:cNvPr id="702403332" name="линии слева"/>
           <p:cNvGrpSpPr/>
           <p:nvPr/>
         </p:nvGrpSpPr>
@@ -8943,7 +8943,7 @@
       </p:grpSp>
       <p:sp>
         <p:nvSpPr>
-          <p:cNvPr id="1995723726" name="PlaceHolder 1"/>
+          <p:cNvPr id="634236781" name="PlaceHolder 1"/>
           <p:cNvSpPr>
             <a:spLocks noGrp="1"/>
           </p:cNvSpPr>
@@ -8993,7 +8993,7 @@
       </p:sp>
       <p:sp>
         <p:nvSpPr>
-          <p:cNvPr id="124721104" name="PlaceHolder 2"/>
+          <p:cNvPr id="2109599201" name="PlaceHolder 2"/>
           <p:cNvSpPr>
             <a:spLocks noGrp="1"/>
           </p:cNvSpPr>
@@ -9225,7 +9225,7 @@
       </p:sp>
       <p:sp>
         <p:nvSpPr>
-          <p:cNvPr id="1916422631" name="PlaceHolder 3"/>
+          <p:cNvPr id="649376260" name="PlaceHolder 3"/>
           <p:cNvSpPr>
             <a:spLocks noGrp="1"/>
           </p:cNvSpPr>
@@ -9457,7 +9457,7 @@
       </p:sp>
       <p:sp>
         <p:nvSpPr>
-          <p:cNvPr id="1084136629" name="PlaceHolder 4"/>
+          <p:cNvPr id="454885418" name="PlaceHolder 4"/>
           <p:cNvSpPr>
             <a:spLocks noGrp="1"/>
           </p:cNvSpPr>
@@ -9530,7 +9530,7 @@
       </p:sp>
       <p:sp>
         <p:nvSpPr>
-          <p:cNvPr id="1331111322" name="PlaceHolder 5"/>
+          <p:cNvPr id="594710883" name="PlaceHolder 5"/>
           <p:cNvSpPr>
             <a:spLocks noGrp="1"/>
           </p:cNvSpPr>
@@ -9607,7 +9607,7 @@
       </p:sp>
       <p:sp>
         <p:nvSpPr>
-          <p:cNvPr id="449621051" name="PlaceHolder 6"/>
+          <p:cNvPr id="520685600" name="PlaceHolder 6"/>
           <p:cNvSpPr>
             <a:spLocks noGrp="1"/>
           </p:cNvSpPr>
@@ -9712,7 +9712,7 @@
       </p:grpSpPr>
       <p:grpSp>
         <p:nvGrpSpPr>
-          <p:cNvPr id="2121699866" name="линии слева"/>
+          <p:cNvPr id="262663576" name="линии слева"/>
           <p:cNvGrpSpPr/>
           <p:nvPr/>
         </p:nvGrpSpPr>
@@ -9960,7 +9960,7 @@
       </p:grpSp>
       <p:sp>
         <p:nvSpPr>
-          <p:cNvPr id="353027598" name="PlaceHolder 1"/>
+          <p:cNvPr id="1714335004" name="PlaceHolder 1"/>
           <p:cNvSpPr>
             <a:spLocks noGrp="1"/>
           </p:cNvSpPr>
@@ -10010,7 +10010,7 @@
       </p:sp>
       <p:sp>
         <p:nvSpPr>
-          <p:cNvPr id="2144656700" name="PlaceHolder 2"/>
+          <p:cNvPr id="1186736730" name="PlaceHolder 2"/>
           <p:cNvSpPr>
             <a:spLocks noGrp="1"/>
           </p:cNvSpPr>
@@ -10242,7 +10242,7 @@
       </p:sp>
       <p:sp>
         <p:nvSpPr>
-          <p:cNvPr id="1746392774" name="PlaceHolder 3"/>
+          <p:cNvPr id="406575657" name="PlaceHolder 3"/>
           <p:cNvSpPr>
             <a:spLocks noGrp="1"/>
           </p:cNvSpPr>
@@ -10315,7 +10315,7 @@
       </p:sp>
       <p:sp>
         <p:nvSpPr>
-          <p:cNvPr id="1809412362" name="PlaceHolder 4"/>
+          <p:cNvPr id="2044332878" name="PlaceHolder 4"/>
           <p:cNvSpPr>
             <a:spLocks noGrp="1"/>
           </p:cNvSpPr>
@@ -10392,7 +10392,7 @@
       </p:sp>
       <p:sp>
         <p:nvSpPr>
-          <p:cNvPr id="142325483" name="PlaceHolder 5"/>
+          <p:cNvPr id="749945485" name="PlaceHolder 5"/>
           <p:cNvSpPr>
             <a:spLocks noGrp="1"/>
           </p:cNvSpPr>
@@ -10497,7 +10497,7 @@
       </p:grpSpPr>
       <p:grpSp>
         <p:nvGrpSpPr>
-          <p:cNvPr id="1840562306" name="линии слева"/>
+          <p:cNvPr id="1440718328" name="линии слева"/>
           <p:cNvGrpSpPr/>
           <p:nvPr/>
         </p:nvGrpSpPr>
@@ -10745,7 +10745,7 @@
       </p:grpSp>
       <p:sp>
         <p:nvSpPr>
-          <p:cNvPr id="1276668982" name="PlaceHolder 1"/>
+          <p:cNvPr id="916344831" name="PlaceHolder 1"/>
           <p:cNvSpPr>
             <a:spLocks noGrp="1"/>
           </p:cNvSpPr>
@@ -10818,7 +10818,7 @@
       </p:sp>
       <p:sp>
         <p:nvSpPr>
-          <p:cNvPr id="1805249633" name="PlaceHolder 2"/>
+          <p:cNvPr id="883400417" name="PlaceHolder 2"/>
           <p:cNvSpPr>
             <a:spLocks noGrp="1"/>
           </p:cNvSpPr>
@@ -10895,7 +10895,7 @@
       </p:sp>
       <p:sp>
         <p:nvSpPr>
-          <p:cNvPr id="415039142" name="PlaceHolder 3"/>
+          <p:cNvPr id="93720783" name="PlaceHolder 3"/>
           <p:cNvSpPr>
             <a:spLocks noGrp="1"/>
           </p:cNvSpPr>
@@ -11000,7 +11000,7 @@
       </p:grpSpPr>
       <p:grpSp>
         <p:nvGrpSpPr>
-          <p:cNvPr id="296937128" name="линии слева"/>
+          <p:cNvPr id="1045639898" name="линии слева"/>
           <p:cNvGrpSpPr/>
           <p:nvPr/>
         </p:nvGrpSpPr>
@@ -11248,7 +11248,7 @@
       </p:grpSp>
       <p:sp>
         <p:nvSpPr>
-          <p:cNvPr id="1043919849" name="PlaceHolder 1"/>
+          <p:cNvPr id="1810939658" name="PlaceHolder 1"/>
           <p:cNvSpPr>
             <a:spLocks noGrp="1"/>
           </p:cNvSpPr>
@@ -11321,7 +11321,7 @@
       </p:sp>
       <p:sp>
         <p:nvSpPr>
-          <p:cNvPr id="1761264596" name="PlaceHolder 2"/>
+          <p:cNvPr id="2102031329" name="PlaceHolder 2"/>
           <p:cNvSpPr>
             <a:spLocks noGrp="1"/>
           </p:cNvSpPr>
@@ -11398,7 +11398,7 @@
       </p:sp>
       <p:sp>
         <p:nvSpPr>
-          <p:cNvPr id="854370229" name="PlaceHolder 3"/>
+          <p:cNvPr id="1736441596" name="PlaceHolder 3"/>
           <p:cNvSpPr>
             <a:spLocks noGrp="1"/>
           </p:cNvSpPr>
@@ -11503,7 +11503,7 @@
       </p:grpSpPr>
       <p:grpSp>
         <p:nvGrpSpPr>
-          <p:cNvPr id="57345141" name="линии слева"/>
+          <p:cNvPr id="2066175" name="линии слева"/>
           <p:cNvGrpSpPr/>
           <p:nvPr/>
         </p:nvGrpSpPr>
@@ -11751,7 +11751,7 @@
       </p:grpSp>
       <p:sp>
         <p:nvSpPr>
-          <p:cNvPr id="1999769181" name="PlaceHolder 1"/>
+          <p:cNvPr id="871794975" name="PlaceHolder 1"/>
           <p:cNvSpPr>
             <a:spLocks noGrp="1"/>
           </p:cNvSpPr>
@@ -11801,7 +11801,7 @@
       </p:sp>
       <p:sp>
         <p:nvSpPr>
-          <p:cNvPr id="1868068700" name="PlaceHolder 2"/>
+          <p:cNvPr id="2002220364" name="PlaceHolder 2"/>
           <p:cNvSpPr>
             <a:spLocks noGrp="1"/>
           </p:cNvSpPr>
@@ -11874,7 +11874,7 @@
       </p:sp>
       <p:sp>
         <p:nvSpPr>
-          <p:cNvPr id="1352779287" name="PlaceHolder 3"/>
+          <p:cNvPr id="1151301449" name="PlaceHolder 3"/>
           <p:cNvSpPr>
             <a:spLocks noGrp="1"/>
           </p:cNvSpPr>
@@ -11951,7 +11951,7 @@
       </p:sp>
       <p:sp>
         <p:nvSpPr>
-          <p:cNvPr id="689800447" name="PlaceHolder 4"/>
+          <p:cNvPr id="2001327934" name="PlaceHolder 4"/>
           <p:cNvSpPr>
             <a:spLocks noGrp="1"/>
           </p:cNvSpPr>
@@ -12056,7 +12056,7 @@
       </p:grpSpPr>
       <p:grpSp>
         <p:nvGrpSpPr>
-          <p:cNvPr id="101178268" name="линии слева"/>
+          <p:cNvPr id="1187769150" name="линии слева"/>
           <p:cNvGrpSpPr/>
           <p:nvPr/>
         </p:nvGrpSpPr>
@@ -12304,7 +12304,7 @@
       </p:grpSp>
       <p:sp>
         <p:nvSpPr>
-          <p:cNvPr id="1225814380" name="PlaceHolder 1"/>
+          <p:cNvPr id="1910055580" name="PlaceHolder 1"/>
           <p:cNvSpPr>
             <a:spLocks noGrp="1"/>
           </p:cNvSpPr>
@@ -12354,7 +12354,7 @@
       </p:sp>
       <p:sp>
         <p:nvSpPr>
-          <p:cNvPr id="22309385" name="PlaceHolder 2"/>
+          <p:cNvPr id="1106485669" name="PlaceHolder 2"/>
           <p:cNvSpPr>
             <a:spLocks noGrp="1"/>
           </p:cNvSpPr>
@@ -12427,7 +12427,7 @@
       </p:sp>
       <p:sp>
         <p:nvSpPr>
-          <p:cNvPr id="1619651024" name="PlaceHolder 3"/>
+          <p:cNvPr id="314586917" name="PlaceHolder 3"/>
           <p:cNvSpPr>
             <a:spLocks noGrp="1"/>
           </p:cNvSpPr>
@@ -12504,7 +12504,7 @@
       </p:sp>
       <p:sp>
         <p:nvSpPr>
-          <p:cNvPr id="1146556401" name="PlaceHolder 4"/>
+          <p:cNvPr id="1490176062" name="PlaceHolder 4"/>
           <p:cNvSpPr>
             <a:spLocks noGrp="1"/>
           </p:cNvSpPr>
@@ -12609,7 +12609,7 @@
       </p:grpSpPr>
       <p:grpSp>
         <p:nvGrpSpPr>
-          <p:cNvPr id="111968239" name="линии слева"/>
+          <p:cNvPr id="115118877" name="линии слева"/>
           <p:cNvGrpSpPr/>
           <p:nvPr/>
         </p:nvGrpSpPr>
@@ -12857,7 +12857,7 @@
       </p:grpSp>
       <p:sp>
         <p:nvSpPr>
-          <p:cNvPr id="156220005" name="PlaceHolder 1"/>
+          <p:cNvPr id="605026580" name="PlaceHolder 1"/>
           <p:cNvSpPr>
             <a:spLocks noGrp="1"/>
           </p:cNvSpPr>
@@ -12907,7 +12907,7 @@
       </p:sp>
       <p:sp>
         <p:nvSpPr>
-          <p:cNvPr id="1156915090" name="PlaceHolder 2"/>
+          <p:cNvPr id="1705687193" name="PlaceHolder 2"/>
           <p:cNvSpPr>
             <a:spLocks noGrp="1"/>
           </p:cNvSpPr>
@@ -12980,7 +12980,7 @@
       </p:sp>
       <p:sp>
         <p:nvSpPr>
-          <p:cNvPr id="648998953" name="PlaceHolder 3"/>
+          <p:cNvPr id="1546718773" name="PlaceHolder 3"/>
           <p:cNvSpPr>
             <a:spLocks noGrp="1"/>
           </p:cNvSpPr>
@@ -13057,7 +13057,7 @@
       </p:sp>
       <p:sp>
         <p:nvSpPr>
-          <p:cNvPr id="706098204" name="PlaceHolder 4"/>
+          <p:cNvPr id="1764686007" name="PlaceHolder 4"/>
           <p:cNvSpPr>
             <a:spLocks noGrp="1"/>
           </p:cNvSpPr>
@@ -13162,7 +13162,7 @@
       </p:grpSpPr>
       <p:grpSp>
         <p:nvGrpSpPr>
-          <p:cNvPr id="869501109" name="линии слева"/>
+          <p:cNvPr id="1897682754" name="линии слева"/>
           <p:cNvGrpSpPr/>
           <p:nvPr/>
         </p:nvGrpSpPr>
@@ -13410,7 +13410,7 @@
       </p:grpSp>
       <p:sp>
         <p:nvSpPr>
-          <p:cNvPr id="1849945227" name="PlaceHolder 1"/>
+          <p:cNvPr id="629691508" name="PlaceHolder 1"/>
           <p:cNvSpPr>
             <a:spLocks noGrp="1"/>
           </p:cNvSpPr>
@@ -13483,7 +13483,7 @@
       </p:sp>
       <p:sp>
         <p:nvSpPr>
-          <p:cNvPr id="1846412939" name="PlaceHolder 2"/>
+          <p:cNvPr id="202018205" name="PlaceHolder 2"/>
           <p:cNvSpPr>
             <a:spLocks noGrp="1"/>
           </p:cNvSpPr>
@@ -13560,7 +13560,7 @@
       </p:sp>
       <p:sp>
         <p:nvSpPr>
-          <p:cNvPr id="1240225236" name="PlaceHolder 3"/>
+          <p:cNvPr id="1576174366" name="PlaceHolder 3"/>
           <p:cNvSpPr>
             <a:spLocks noGrp="1"/>
           </p:cNvSpPr>
@@ -13665,7 +13665,7 @@
       </p:grpSpPr>
       <p:grpSp>
         <p:nvGrpSpPr>
-          <p:cNvPr id="14688044" name="линии слева"/>
+          <p:cNvPr id="1142390" name="линии слева"/>
           <p:cNvGrpSpPr/>
           <p:nvPr/>
         </p:nvGrpSpPr>
@@ -13913,7 +13913,7 @@
       </p:grpSp>
       <p:sp>
         <p:nvSpPr>
-          <p:cNvPr id="423481007" name="PlaceHolder 1"/>
+          <p:cNvPr id="646724417" name="PlaceHolder 1"/>
           <p:cNvSpPr>
             <a:spLocks noGrp="1"/>
           </p:cNvSpPr>
@@ -13986,7 +13986,7 @@
       </p:sp>
       <p:sp>
         <p:nvSpPr>
-          <p:cNvPr id="387670109" name="PlaceHolder 2"/>
+          <p:cNvPr id="827138352" name="PlaceHolder 2"/>
           <p:cNvSpPr>
             <a:spLocks noGrp="1"/>
           </p:cNvSpPr>
@@ -14063,7 +14063,7 @@
       </p:sp>
       <p:sp>
         <p:nvSpPr>
-          <p:cNvPr id="16279745" name="PlaceHolder 3"/>
+          <p:cNvPr id="1733043465" name="PlaceHolder 3"/>
           <p:cNvSpPr>
             <a:spLocks noGrp="1"/>
           </p:cNvSpPr>
@@ -14168,7 +14168,7 @@
       </p:grpSpPr>
       <p:grpSp>
         <p:nvGrpSpPr>
-          <p:cNvPr id="1365418053" name="линии слева"/>
+          <p:cNvPr id="1877948660" name="линии слева"/>
           <p:cNvGrpSpPr/>
           <p:nvPr/>
         </p:nvGrpSpPr>
@@ -14416,7 +14416,7 @@
       </p:grpSp>
       <p:sp>
         <p:nvSpPr>
-          <p:cNvPr id="571145603" name="PlaceHolder 1"/>
+          <p:cNvPr id="1240594288" name="PlaceHolder 1"/>
           <p:cNvSpPr>
             <a:spLocks noGrp="1"/>
           </p:cNvSpPr>
@@ -14489,7 +14489,7 @@
       </p:sp>
       <p:sp>
         <p:nvSpPr>
-          <p:cNvPr id="1216786639" name="PlaceHolder 2"/>
+          <p:cNvPr id="406604918" name="PlaceHolder 2"/>
           <p:cNvSpPr>
             <a:spLocks noGrp="1"/>
           </p:cNvSpPr>
@@ -14566,7 +14566,7 @@
       </p:sp>
       <p:sp>
         <p:nvSpPr>
-          <p:cNvPr id="1531605339" name="PlaceHolder 3"/>
+          <p:cNvPr id="133827850" name="PlaceHolder 3"/>
           <p:cNvSpPr>
             <a:spLocks noGrp="1"/>
           </p:cNvSpPr>
@@ -14671,7 +14671,7 @@
       </p:grpSpPr>
       <p:grpSp>
         <p:nvGrpSpPr>
-          <p:cNvPr id="762006532" name="линии слева"/>
+          <p:cNvPr id="797139011" name="линии слева"/>
           <p:cNvGrpSpPr/>
           <p:nvPr/>
         </p:nvGrpSpPr>
@@ -14919,7 +14919,7 @@
       </p:grpSp>
       <p:sp>
         <p:nvSpPr>
-          <p:cNvPr id="1256495769" name="PlaceHolder 1"/>
+          <p:cNvPr id="1926321501" name="PlaceHolder 1"/>
           <p:cNvSpPr>
             <a:spLocks noGrp="1"/>
           </p:cNvSpPr>
@@ -14969,7 +14969,7 @@
       </p:sp>
       <p:sp>
         <p:nvSpPr>
-          <p:cNvPr id="2031478376" name="PlaceHolder 2"/>
+          <p:cNvPr id="207384677" name="PlaceHolder 2"/>
           <p:cNvSpPr>
             <a:spLocks noGrp="1"/>
           </p:cNvSpPr>
@@ -15201,7 +15201,7 @@
       </p:sp>
       <p:sp>
         <p:nvSpPr>
-          <p:cNvPr id="277799903" name="PlaceHolder 3"/>
+          <p:cNvPr id="1468508031" name="PlaceHolder 3"/>
           <p:cNvSpPr>
             <a:spLocks noGrp="1"/>
           </p:cNvSpPr>
@@ -15274,7 +15274,7 @@
       </p:sp>
       <p:sp>
         <p:nvSpPr>
-          <p:cNvPr id="543844118" name="PlaceHolder 4"/>
+          <p:cNvPr id="35808990" name="PlaceHolder 4"/>
           <p:cNvSpPr>
             <a:spLocks noGrp="1"/>
           </p:cNvSpPr>
@@ -15351,7 +15351,7 @@
       </p:sp>
       <p:sp>
         <p:nvSpPr>
-          <p:cNvPr id="994531044" name="PlaceHolder 5"/>
+          <p:cNvPr id="1681051992" name="PlaceHolder 5"/>
           <p:cNvSpPr>
             <a:spLocks noGrp="1"/>
           </p:cNvSpPr>
@@ -15456,7 +15456,7 @@
       </p:grpSpPr>
       <p:grpSp>
         <p:nvGrpSpPr>
-          <p:cNvPr id="793786507" name="линии слева"/>
+          <p:cNvPr id="924367112" name="линии слева"/>
           <p:cNvGrpSpPr/>
           <p:nvPr/>
         </p:nvGrpSpPr>
@@ -15704,7 +15704,7 @@
       </p:grpSp>
       <p:sp>
         <p:nvSpPr>
-          <p:cNvPr id="1654727235" name="PlaceHolder 1"/>
+          <p:cNvPr id="1824055357" name="PlaceHolder 1"/>
           <p:cNvSpPr>
             <a:spLocks noGrp="1"/>
           </p:cNvSpPr>
@@ -15754,7 +15754,7 @@
       </p:sp>
       <p:sp>
         <p:nvSpPr>
-          <p:cNvPr id="222676913" name="PlaceHolder 2"/>
+          <p:cNvPr id="1983456133" name="PlaceHolder 2"/>
           <p:cNvSpPr>
             <a:spLocks noGrp="1"/>
           </p:cNvSpPr>
@@ -15986,7 +15986,7 @@
       </p:sp>
       <p:sp>
         <p:nvSpPr>
-          <p:cNvPr id="1481504968" name="PlaceHolder 3"/>
+          <p:cNvPr id="455836455" name="PlaceHolder 3"/>
           <p:cNvSpPr>
             <a:spLocks noGrp="1"/>
           </p:cNvSpPr>
@@ -16218,7 +16218,7 @@
       </p:sp>
       <p:sp>
         <p:nvSpPr>
-          <p:cNvPr id="2051175709" name="PlaceHolder 4"/>
+          <p:cNvPr id="1217011832" name="PlaceHolder 4"/>
           <p:cNvSpPr>
             <a:spLocks noGrp="1"/>
           </p:cNvSpPr>
@@ -16291,7 +16291,7 @@
       </p:sp>
       <p:sp>
         <p:nvSpPr>
-          <p:cNvPr id="1151215485" name="PlaceHolder 5"/>
+          <p:cNvPr id="1364625169" name="PlaceHolder 5"/>
           <p:cNvSpPr>
             <a:spLocks noGrp="1"/>
           </p:cNvSpPr>
@@ -16368,7 +16368,7 @@
       </p:sp>
       <p:sp>
         <p:nvSpPr>
-          <p:cNvPr id="633764107" name="PlaceHolder 6"/>
+          <p:cNvPr id="1472487077" name="PlaceHolder 6"/>
           <p:cNvSpPr>
             <a:spLocks noGrp="1"/>
           </p:cNvSpPr>
@@ -16473,7 +16473,7 @@
       </p:grpSpPr>
       <p:grpSp>
         <p:nvGrpSpPr>
-          <p:cNvPr id="287759058" name="линии слева"/>
+          <p:cNvPr id="1958454770" name="линии слева"/>
           <p:cNvGrpSpPr/>
           <p:nvPr/>
         </p:nvGrpSpPr>
@@ -16721,7 +16721,7 @@
       </p:grpSp>
       <p:sp>
         <p:nvSpPr>
-          <p:cNvPr id="406326686" name="PlaceHolder 1"/>
+          <p:cNvPr id="1159225161" name="PlaceHolder 1"/>
           <p:cNvSpPr>
             <a:spLocks noGrp="1"/>
           </p:cNvSpPr>
@@ -16771,7 +16771,7 @@
       </p:sp>
       <p:sp>
         <p:nvSpPr>
-          <p:cNvPr id="1329027679" name="PlaceHolder 2"/>
+          <p:cNvPr id="1396526883" name="PlaceHolder 2"/>
           <p:cNvSpPr>
             <a:spLocks noGrp="1"/>
           </p:cNvSpPr>
@@ -16844,7 +16844,7 @@
       </p:sp>
       <p:sp>
         <p:nvSpPr>
-          <p:cNvPr id="910910481" name="PlaceHolder 3"/>
+          <p:cNvPr id="508343114" name="PlaceHolder 3"/>
           <p:cNvSpPr>
             <a:spLocks noGrp="1"/>
           </p:cNvSpPr>
@@ -16921,7 +16921,7 @@
       </p:sp>
       <p:sp>
         <p:nvSpPr>
-          <p:cNvPr id="1522714234" name="PlaceHolder 4"/>
+          <p:cNvPr id="696637613" name="PlaceHolder 4"/>
           <p:cNvSpPr>
             <a:spLocks noGrp="1"/>
           </p:cNvSpPr>
@@ -17026,7 +17026,7 @@
       </p:grpSpPr>
       <p:grpSp>
         <p:nvGrpSpPr>
-          <p:cNvPr id="1936420321" name="линии слева"/>
+          <p:cNvPr id="1170911944" name="линии слева"/>
           <p:cNvGrpSpPr/>
           <p:nvPr/>
         </p:nvGrpSpPr>
@@ -17274,7 +17274,7 @@
       </p:grpSp>
       <p:sp>
         <p:nvSpPr>
-          <p:cNvPr id="617317787" name="PlaceHolder 1"/>
+          <p:cNvPr id="17941236" name="PlaceHolder 1"/>
           <p:cNvSpPr>
             <a:spLocks noGrp="1"/>
           </p:cNvSpPr>
@@ -17324,7 +17324,7 @@
       </p:sp>
       <p:sp>
         <p:nvSpPr>
-          <p:cNvPr id="1820855792" name="PlaceHolder 2"/>
+          <p:cNvPr id="1802384601" name="PlaceHolder 2"/>
           <p:cNvSpPr>
             <a:spLocks noGrp="1"/>
           </p:cNvSpPr>
@@ -17556,7 +17556,7 @@
       </p:sp>
       <p:sp>
         <p:nvSpPr>
-          <p:cNvPr id="825835854" name="PlaceHolder 3"/>
+          <p:cNvPr id="5710010" name="PlaceHolder 3"/>
           <p:cNvSpPr>
             <a:spLocks noGrp="1"/>
           </p:cNvSpPr>
@@ -17788,7 +17788,7 @@
       </p:sp>
       <p:sp>
         <p:nvSpPr>
-          <p:cNvPr id="968109795" name="PlaceHolder 4"/>
+          <p:cNvPr id="1952671124" name="PlaceHolder 4"/>
           <p:cNvSpPr>
             <a:spLocks noGrp="1"/>
           </p:cNvSpPr>
@@ -17861,7 +17861,7 @@
       </p:sp>
       <p:sp>
         <p:nvSpPr>
-          <p:cNvPr id="188805880" name="PlaceHolder 5"/>
+          <p:cNvPr id="565998158" name="PlaceHolder 5"/>
           <p:cNvSpPr>
             <a:spLocks noGrp="1"/>
           </p:cNvSpPr>
@@ -17938,7 +17938,7 @@
       </p:sp>
       <p:sp>
         <p:nvSpPr>
-          <p:cNvPr id="483160637" name="PlaceHolder 6"/>
+          <p:cNvPr id="1884927698" name="PlaceHolder 6"/>
           <p:cNvSpPr>
             <a:spLocks noGrp="1"/>
           </p:cNvSpPr>
@@ -18043,7 +18043,7 @@
       </p:grpSpPr>
       <p:grpSp>
         <p:nvGrpSpPr>
-          <p:cNvPr id="163580097" name="линии слева"/>
+          <p:cNvPr id="399016256" name="линии слева"/>
           <p:cNvGrpSpPr/>
           <p:nvPr/>
         </p:nvGrpSpPr>
@@ -18291,7 +18291,7 @@
       </p:grpSp>
       <p:sp>
         <p:nvSpPr>
-          <p:cNvPr id="740599355" name="PlaceHolder 1"/>
+          <p:cNvPr id="910391750" name="PlaceHolder 1"/>
           <p:cNvSpPr>
             <a:spLocks noGrp="1"/>
           </p:cNvSpPr>
@@ -18341,7 +18341,7 @@
       </p:sp>
       <p:sp>
         <p:nvSpPr>
-          <p:cNvPr id="96455709" name="PlaceHolder 2"/>
+          <p:cNvPr id="1616107048" name="PlaceHolder 2"/>
           <p:cNvSpPr>
             <a:spLocks noGrp="1"/>
           </p:cNvSpPr>
@@ -18573,7 +18573,7 @@
       </p:sp>
       <p:sp>
         <p:nvSpPr>
-          <p:cNvPr id="1831400131" name="PlaceHolder 3"/>
+          <p:cNvPr id="1217460155" name="PlaceHolder 3"/>
           <p:cNvSpPr>
             <a:spLocks noGrp="1"/>
           </p:cNvSpPr>
@@ -18646,7 +18646,7 @@
       </p:sp>
       <p:sp>
         <p:nvSpPr>
-          <p:cNvPr id="1265712186" name="PlaceHolder 4"/>
+          <p:cNvPr id="170362014" name="PlaceHolder 4"/>
           <p:cNvSpPr>
             <a:spLocks noGrp="1"/>
           </p:cNvSpPr>
@@ -18723,7 +18723,7 @@
       </p:sp>
       <p:sp>
         <p:nvSpPr>
-          <p:cNvPr id="275749734" name="PlaceHolder 5"/>
+          <p:cNvPr id="1108723139" name="PlaceHolder 5"/>
           <p:cNvSpPr>
             <a:spLocks noGrp="1"/>
           </p:cNvSpPr>
@@ -18828,7 +18828,7 @@
       </p:grpSpPr>
       <p:grpSp>
         <p:nvGrpSpPr>
-          <p:cNvPr id="290417957" name="линии слева"/>
+          <p:cNvPr id="980765498" name="линии слева"/>
           <p:cNvGrpSpPr/>
           <p:nvPr/>
         </p:nvGrpSpPr>
@@ -19076,7 +19076,7 @@
       </p:grpSp>
       <p:sp>
         <p:nvSpPr>
-          <p:cNvPr id="1110129798" name="PlaceHolder 1"/>
+          <p:cNvPr id="1095331752" name="PlaceHolder 1"/>
           <p:cNvSpPr>
             <a:spLocks noGrp="1"/>
           </p:cNvSpPr>
@@ -19149,7 +19149,7 @@
       </p:sp>
       <p:sp>
         <p:nvSpPr>
-          <p:cNvPr id="952036836" name="PlaceHolder 2"/>
+          <p:cNvPr id="1120362294" name="PlaceHolder 2"/>
           <p:cNvSpPr>
             <a:spLocks noGrp="1"/>
           </p:cNvSpPr>
@@ -19226,7 +19226,7 @@
       </p:sp>
       <p:sp>
         <p:nvSpPr>
-          <p:cNvPr id="788821668" name="PlaceHolder 3"/>
+          <p:cNvPr id="1661022507" name="PlaceHolder 3"/>
           <p:cNvSpPr>
             <a:spLocks noGrp="1"/>
           </p:cNvSpPr>
@@ -19331,7 +19331,7 @@
       </p:grpSpPr>
       <p:grpSp>
         <p:nvGrpSpPr>
-          <p:cNvPr id="185365780" name="линии слева"/>
+          <p:cNvPr id="1878884931" name="линии слева"/>
           <p:cNvGrpSpPr/>
           <p:nvPr/>
         </p:nvGrpSpPr>
@@ -19579,7 +19579,7 @@
       </p:grpSp>
       <p:sp>
         <p:nvSpPr>
-          <p:cNvPr id="557689934" name="PlaceHolder 1"/>
+          <p:cNvPr id="500180363" name="PlaceHolder 1"/>
           <p:cNvSpPr>
             <a:spLocks noGrp="1"/>
           </p:cNvSpPr>
@@ -19652,7 +19652,7 @@
       </p:sp>
       <p:sp>
         <p:nvSpPr>
-          <p:cNvPr id="665039745" name="PlaceHolder 2"/>
+          <p:cNvPr id="1324852675" name="PlaceHolder 2"/>
           <p:cNvSpPr>
             <a:spLocks noGrp="1"/>
           </p:cNvSpPr>
@@ -19729,7 +19729,7 @@
       </p:sp>
       <p:sp>
         <p:nvSpPr>
-          <p:cNvPr id="911724372" name="PlaceHolder 3"/>
+          <p:cNvPr id="1482152273" name="PlaceHolder 3"/>
           <p:cNvSpPr>
             <a:spLocks noGrp="1"/>
           </p:cNvSpPr>
@@ -19834,7 +19834,7 @@
       </p:grpSpPr>
       <p:grpSp>
         <p:nvGrpSpPr>
-          <p:cNvPr id="2105268744" name="линии слева"/>
+          <p:cNvPr id="319449233" name="линии слева"/>
           <p:cNvGrpSpPr/>
           <p:nvPr/>
         </p:nvGrpSpPr>
@@ -20082,7 +20082,7 @@
       </p:grpSp>
       <p:sp>
         <p:nvSpPr>
-          <p:cNvPr id="591035279" name="PlaceHolder 1"/>
+          <p:cNvPr id="507959801" name="PlaceHolder 1"/>
           <p:cNvSpPr>
             <a:spLocks noGrp="1"/>
           </p:cNvSpPr>
@@ -20132,7 +20132,7 @@
       </p:sp>
       <p:sp>
         <p:nvSpPr>
-          <p:cNvPr id="323263419" name="PlaceHolder 2"/>
+          <p:cNvPr id="595969895" name="PlaceHolder 2"/>
           <p:cNvSpPr>
             <a:spLocks noGrp="1"/>
           </p:cNvSpPr>
@@ -20205,7 +20205,7 @@
       </p:sp>
       <p:sp>
         <p:nvSpPr>
-          <p:cNvPr id="895114207" name="PlaceHolder 3"/>
+          <p:cNvPr id="1846819365" name="PlaceHolder 3"/>
           <p:cNvSpPr>
             <a:spLocks noGrp="1"/>
           </p:cNvSpPr>
@@ -20282,7 +20282,7 @@
       </p:sp>
       <p:sp>
         <p:nvSpPr>
-          <p:cNvPr id="1153501927" name="PlaceHolder 4"/>
+          <p:cNvPr id="1442071654" name="PlaceHolder 4"/>
           <p:cNvSpPr>
             <a:spLocks noGrp="1"/>
           </p:cNvSpPr>
@@ -20387,7 +20387,7 @@
       </p:grpSpPr>
       <p:grpSp>
         <p:nvGrpSpPr>
-          <p:cNvPr id="1081034219" name="линии слева"/>
+          <p:cNvPr id="1816110190" name="линии слева"/>
           <p:cNvGrpSpPr/>
           <p:nvPr/>
         </p:nvGrpSpPr>
@@ -20635,7 +20635,7 @@
       </p:grpSp>
       <p:sp>
         <p:nvSpPr>
-          <p:cNvPr id="2052455884" name="PlaceHolder 1"/>
+          <p:cNvPr id="822986936" name="PlaceHolder 1"/>
           <p:cNvSpPr>
             <a:spLocks noGrp="1"/>
           </p:cNvSpPr>
@@ -20685,7 +20685,7 @@
       </p:sp>
       <p:sp>
         <p:nvSpPr>
-          <p:cNvPr id="1698900545" name="PlaceHolder 2"/>
+          <p:cNvPr id="1574296872" name="PlaceHolder 2"/>
           <p:cNvSpPr>
             <a:spLocks noGrp="1"/>
           </p:cNvSpPr>
@@ -20758,7 +20758,7 @@
       </p:sp>
       <p:sp>
         <p:nvSpPr>
-          <p:cNvPr id="15121113" name="PlaceHolder 3"/>
+          <p:cNvPr id="1656573244" name="PlaceHolder 3"/>
           <p:cNvSpPr>
             <a:spLocks noGrp="1"/>
           </p:cNvSpPr>
@@ -20835,7 +20835,7 @@
       </p:sp>
       <p:sp>
         <p:nvSpPr>
-          <p:cNvPr id="1242324230" name="PlaceHolder 4"/>
+          <p:cNvPr id="660907806" name="PlaceHolder 4"/>
           <p:cNvSpPr>
             <a:spLocks noGrp="1"/>
           </p:cNvSpPr>
@@ -20940,7 +20940,7 @@
       </p:grpSpPr>
       <p:grpSp>
         <p:nvGrpSpPr>
-          <p:cNvPr id="1598058224" name="линии слева"/>
+          <p:cNvPr id="1477727637" name="линии слева"/>
           <p:cNvGrpSpPr/>
           <p:nvPr/>
         </p:nvGrpSpPr>
@@ -21188,7 +21188,7 @@
       </p:grpSp>
       <p:sp>
         <p:nvSpPr>
-          <p:cNvPr id="2029885373" name="PlaceHolder 1"/>
+          <p:cNvPr id="1716148126" name="PlaceHolder 1"/>
           <p:cNvSpPr>
             <a:spLocks noGrp="1"/>
           </p:cNvSpPr>
@@ -21238,7 +21238,7 @@
       </p:sp>
       <p:sp>
         <p:nvSpPr>
-          <p:cNvPr id="598118762" name="PlaceHolder 2"/>
+          <p:cNvPr id="1149481892" name="PlaceHolder 2"/>
           <p:cNvSpPr>
             <a:spLocks noGrp="1"/>
           </p:cNvSpPr>
@@ -21470,7 +21470,7 @@
       </p:sp>
       <p:sp>
         <p:nvSpPr>
-          <p:cNvPr id="2062111824" name="PlaceHolder 3"/>
+          <p:cNvPr id="238186161" name="PlaceHolder 3"/>
           <p:cNvSpPr>
             <a:spLocks noGrp="1"/>
           </p:cNvSpPr>
@@ -21702,7 +21702,7 @@
       </p:sp>
       <p:sp>
         <p:nvSpPr>
-          <p:cNvPr id="1427300141" name="PlaceHolder 4"/>
+          <p:cNvPr id="939793262" name="PlaceHolder 4"/>
           <p:cNvSpPr>
             <a:spLocks noGrp="1"/>
           </p:cNvSpPr>
@@ -21775,7 +21775,7 @@
       </p:sp>
       <p:sp>
         <p:nvSpPr>
-          <p:cNvPr id="797647831" name="PlaceHolder 5"/>
+          <p:cNvPr id="1507952163" name="PlaceHolder 5"/>
           <p:cNvSpPr>
             <a:spLocks noGrp="1"/>
           </p:cNvSpPr>
@@ -21852,7 +21852,7 @@
       </p:sp>
       <p:sp>
         <p:nvSpPr>
-          <p:cNvPr id="1455539816" name="PlaceHolder 6"/>
+          <p:cNvPr id="731581453" name="PlaceHolder 6"/>
           <p:cNvSpPr>
             <a:spLocks noGrp="1"/>
           </p:cNvSpPr>
@@ -21957,7 +21957,7 @@
       </p:grpSpPr>
       <p:grpSp>
         <p:nvGrpSpPr>
-          <p:cNvPr id="169097474" name="линии слева"/>
+          <p:cNvPr id="2118410949" name="линии слева"/>
           <p:cNvGrpSpPr/>
           <p:nvPr/>
         </p:nvGrpSpPr>
@@ -22205,7 +22205,7 @@
       </p:grpSp>
       <p:sp>
         <p:nvSpPr>
-          <p:cNvPr id="1155731726" name="PlaceHolder 1"/>
+          <p:cNvPr id="898752654" name="PlaceHolder 1"/>
           <p:cNvSpPr>
             <a:spLocks noGrp="1"/>
           </p:cNvSpPr>
@@ -22278,7 +22278,7 @@
       </p:sp>
       <p:sp>
         <p:nvSpPr>
-          <p:cNvPr id="1204064308" name="PlaceHolder 2"/>
+          <p:cNvPr id="2018325026" name="PlaceHolder 2"/>
           <p:cNvSpPr>
             <a:spLocks noGrp="1"/>
           </p:cNvSpPr>
@@ -22355,7 +22355,7 @@
       </p:sp>
       <p:sp>
         <p:nvSpPr>
-          <p:cNvPr id="1677480868" name="PlaceHolder 3"/>
+          <p:cNvPr id="349161251" name="PlaceHolder 3"/>
           <p:cNvSpPr>
             <a:spLocks noGrp="1"/>
           </p:cNvSpPr>
@@ -22460,7 +22460,7 @@
       </p:grpSpPr>
       <p:grpSp>
         <p:nvGrpSpPr>
-          <p:cNvPr id="151712411" name="линии слева"/>
+          <p:cNvPr id="466683860" name="линии слева"/>
           <p:cNvGrpSpPr/>
           <p:nvPr/>
         </p:nvGrpSpPr>
@@ -22708,7 +22708,7 @@
       </p:grpSp>
       <p:sp>
         <p:nvSpPr>
-          <p:cNvPr id="1758600542" name="PlaceHolder 1"/>
+          <p:cNvPr id="1588609462" name="PlaceHolder 1"/>
           <p:cNvSpPr>
             <a:spLocks noGrp="1"/>
           </p:cNvSpPr>
@@ -22758,7 +22758,7 @@
       </p:sp>
       <p:sp>
         <p:nvSpPr>
-          <p:cNvPr id="895639257" name="PlaceHolder 2"/>
+          <p:cNvPr id="1376957157" name="PlaceHolder 2"/>
           <p:cNvSpPr>
             <a:spLocks noGrp="1"/>
           </p:cNvSpPr>
@@ -22990,7 +22990,7 @@
       </p:sp>
       <p:sp>
         <p:nvSpPr>
-          <p:cNvPr id="570039855" name="PlaceHolder 3"/>
+          <p:cNvPr id="413814325" name="PlaceHolder 3"/>
           <p:cNvSpPr>
             <a:spLocks noGrp="1"/>
           </p:cNvSpPr>
@@ -23063,7 +23063,7 @@
       </p:sp>
       <p:sp>
         <p:nvSpPr>
-          <p:cNvPr id="936190287" name="PlaceHolder 4"/>
+          <p:cNvPr id="1890038450" name="PlaceHolder 4"/>
           <p:cNvSpPr>
             <a:spLocks noGrp="1"/>
           </p:cNvSpPr>
@@ -23140,7 +23140,7 @@
       </p:sp>
       <p:sp>
         <p:nvSpPr>
-          <p:cNvPr id="882386331" name="PlaceHolder 5"/>
+          <p:cNvPr id="1601772945" name="PlaceHolder 5"/>
           <p:cNvSpPr>
             <a:spLocks noGrp="1"/>
           </p:cNvSpPr>
@@ -23245,7 +23245,7 @@
       </p:grpSpPr>
       <p:grpSp>
         <p:nvGrpSpPr>
-          <p:cNvPr id="1575153809" name="линии слева"/>
+          <p:cNvPr id="1137853482" name="линии слева"/>
           <p:cNvGrpSpPr/>
           <p:nvPr/>
         </p:nvGrpSpPr>
@@ -23493,7 +23493,7 @@
       </p:grpSp>
       <p:sp>
         <p:nvSpPr>
-          <p:cNvPr id="2145224881" name="PlaceHolder 1"/>
+          <p:cNvPr id="910861217" name="PlaceHolder 1"/>
           <p:cNvSpPr>
             <a:spLocks noGrp="1"/>
           </p:cNvSpPr>
@@ -23566,7 +23566,7 @@
       </p:sp>
       <p:sp>
         <p:nvSpPr>
-          <p:cNvPr id="1911635450" name="PlaceHolder 2"/>
+          <p:cNvPr id="456991901" name="PlaceHolder 2"/>
           <p:cNvSpPr>
             <a:spLocks noGrp="1"/>
           </p:cNvSpPr>
@@ -23643,7 +23643,7 @@
       </p:sp>
       <p:sp>
         <p:nvSpPr>
-          <p:cNvPr id="1729513844" name="PlaceHolder 3"/>
+          <p:cNvPr id="774193333" name="PlaceHolder 3"/>
           <p:cNvSpPr>
             <a:spLocks noGrp="1"/>
           </p:cNvSpPr>
@@ -23748,7 +23748,7 @@
       </p:grpSpPr>
       <p:grpSp>
         <p:nvGrpSpPr>
-          <p:cNvPr id="744209097" name="линии слева"/>
+          <p:cNvPr id="1335368654" name="линии слева"/>
           <p:cNvGrpSpPr/>
           <p:nvPr/>
         </p:nvGrpSpPr>
@@ -23996,7 +23996,7 @@
       </p:grpSp>
       <p:sp>
         <p:nvSpPr>
-          <p:cNvPr id="1961342542" name="PlaceHolder 1"/>
+          <p:cNvPr id="427489892" name="PlaceHolder 1"/>
           <p:cNvSpPr>
             <a:spLocks noGrp="1"/>
           </p:cNvSpPr>
@@ -24069,7 +24069,7 @@
       </p:sp>
       <p:sp>
         <p:nvSpPr>
-          <p:cNvPr id="309079682" name="PlaceHolder 2"/>
+          <p:cNvPr id="1194071907" name="PlaceHolder 2"/>
           <p:cNvSpPr>
             <a:spLocks noGrp="1"/>
           </p:cNvSpPr>
@@ -24146,7 +24146,7 @@
       </p:sp>
       <p:sp>
         <p:nvSpPr>
-          <p:cNvPr id="702798799" name="PlaceHolder 3"/>
+          <p:cNvPr id="1368870456" name="PlaceHolder 3"/>
           <p:cNvSpPr>
             <a:spLocks noGrp="1"/>
           </p:cNvSpPr>
@@ -24251,7 +24251,7 @@
       </p:grpSpPr>
       <p:grpSp>
         <p:nvGrpSpPr>
-          <p:cNvPr id="1395134638" name="линии слева"/>
+          <p:cNvPr id="683381374" name="линии слева"/>
           <p:cNvGrpSpPr/>
           <p:nvPr/>
         </p:nvGrpSpPr>
@@ -24499,7 +24499,7 @@
       </p:grpSp>
       <p:sp>
         <p:nvSpPr>
-          <p:cNvPr id="1289523694" name="PlaceHolder 1"/>
+          <p:cNvPr id="701508526" name="PlaceHolder 1"/>
           <p:cNvSpPr>
             <a:spLocks noGrp="1"/>
           </p:cNvSpPr>
@@ -24549,7 +24549,7 @@
       </p:sp>
       <p:sp>
         <p:nvSpPr>
-          <p:cNvPr id="128545854" name="PlaceHolder 2"/>
+          <p:cNvPr id="1645044735" name="PlaceHolder 2"/>
           <p:cNvSpPr>
             <a:spLocks noGrp="1"/>
           </p:cNvSpPr>
@@ -24622,7 +24622,7 @@
       </p:sp>
       <p:sp>
         <p:nvSpPr>
-          <p:cNvPr id="1729555214" name="PlaceHolder 3"/>
+          <p:cNvPr id="808350981" name="PlaceHolder 3"/>
           <p:cNvSpPr>
             <a:spLocks noGrp="1"/>
           </p:cNvSpPr>
@@ -24699,7 +24699,7 @@
       </p:sp>
       <p:sp>
         <p:nvSpPr>
-          <p:cNvPr id="188504522" name="PlaceHolder 4"/>
+          <p:cNvPr id="493567113" name="PlaceHolder 4"/>
           <p:cNvSpPr>
             <a:spLocks noGrp="1"/>
           </p:cNvSpPr>
@@ -24804,7 +24804,7 @@
       </p:grpSpPr>
       <p:grpSp>
         <p:nvGrpSpPr>
-          <p:cNvPr id="122610453" name="линии слева"/>
+          <p:cNvPr id="1337247047" name="линии слева"/>
           <p:cNvGrpSpPr/>
           <p:nvPr/>
         </p:nvGrpSpPr>
@@ -25052,7 +25052,7 @@
       </p:grpSp>
       <p:sp>
         <p:nvSpPr>
-          <p:cNvPr id="1486325138" name="PlaceHolder 1"/>
+          <p:cNvPr id="704374446" name="PlaceHolder 1"/>
           <p:cNvSpPr>
             <a:spLocks noGrp="1"/>
           </p:cNvSpPr>
@@ -25125,7 +25125,7 @@
       </p:sp>
       <p:sp>
         <p:nvSpPr>
-          <p:cNvPr id="1906901386" name="PlaceHolder 2"/>
+          <p:cNvPr id="84374774" name="PlaceHolder 2"/>
           <p:cNvSpPr>
             <a:spLocks noGrp="1"/>
           </p:cNvSpPr>
@@ -25202,7 +25202,7 @@
       </p:sp>
       <p:sp>
         <p:nvSpPr>
-          <p:cNvPr id="1951611315" name="PlaceHolder 3"/>
+          <p:cNvPr id="1845365016" name="PlaceHolder 3"/>
           <p:cNvSpPr>
             <a:spLocks noGrp="1"/>
           </p:cNvSpPr>
@@ -25263,7 +25263,7 @@
       </p:sp>
       <p:sp>
         <p:nvSpPr>
-          <p:cNvPr id="2108783790" name="PlaceHolder 4"/>
+          <p:cNvPr id="1346483361" name="PlaceHolder 4"/>
           <p:cNvSpPr>
             <a:spLocks noGrp="1"/>
           </p:cNvSpPr>
@@ -25313,7 +25313,7 @@
       </p:sp>
       <p:sp>
         <p:nvSpPr>
-          <p:cNvPr id="1157632637" name="PlaceHolder 5"/>
+          <p:cNvPr id="180524673" name="PlaceHolder 5"/>
           <p:cNvSpPr>
             <a:spLocks noGrp="1"/>
           </p:cNvSpPr>
@@ -25595,7 +25595,7 @@
       </p:grpSpPr>
       <p:grpSp>
         <p:nvGrpSpPr>
-          <p:cNvPr id="2103518537" name="линии слева"/>
+          <p:cNvPr id="2137914182" name="линии слева"/>
           <p:cNvGrpSpPr/>
           <p:nvPr/>
         </p:nvGrpSpPr>
@@ -25843,7 +25843,7 @@
       </p:grpSp>
       <p:sp>
         <p:nvSpPr>
-          <p:cNvPr id="1264091668" name="PlaceHolder 1"/>
+          <p:cNvPr id="2056976779" name="PlaceHolder 1"/>
           <p:cNvSpPr>
             <a:spLocks noGrp="1"/>
           </p:cNvSpPr>
@@ -25893,7 +25893,7 @@
       </p:sp>
       <p:sp>
         <p:nvSpPr>
-          <p:cNvPr id="1464420751" name="PlaceHolder 2"/>
+          <p:cNvPr id="1707462673" name="PlaceHolder 2"/>
           <p:cNvSpPr>
             <a:spLocks noGrp="1"/>
           </p:cNvSpPr>
@@ -26125,7 +26125,7 @@
       </p:sp>
       <p:sp>
         <p:nvSpPr>
-          <p:cNvPr id="1693791976" name="PlaceHolder 3"/>
+          <p:cNvPr id="243144694" name="PlaceHolder 3"/>
           <p:cNvSpPr>
             <a:spLocks noGrp="1"/>
           </p:cNvSpPr>
@@ -26198,7 +26198,7 @@
       </p:sp>
       <p:sp>
         <p:nvSpPr>
-          <p:cNvPr id="112667524" name="PlaceHolder 4"/>
+          <p:cNvPr id="1373763949" name="PlaceHolder 4"/>
           <p:cNvSpPr>
             <a:spLocks noGrp="1"/>
           </p:cNvSpPr>
@@ -26275,7 +26275,7 @@
       </p:sp>
       <p:sp>
         <p:nvSpPr>
-          <p:cNvPr id="595697245" name="PlaceHolder 5"/>
+          <p:cNvPr id="965886647" name="PlaceHolder 5"/>
           <p:cNvSpPr>
             <a:spLocks noGrp="1"/>
           </p:cNvSpPr>
@@ -26380,7 +26380,7 @@
       </p:grpSpPr>
       <p:grpSp>
         <p:nvGrpSpPr>
-          <p:cNvPr id="1648187459" name="линии слева"/>
+          <p:cNvPr id="1502788119" name="линии слева"/>
           <p:cNvGrpSpPr/>
           <p:nvPr/>
         </p:nvGrpSpPr>
@@ -26628,7 +26628,7 @@
       </p:grpSp>
       <p:grpSp>
         <p:nvGrpSpPr>
-          <p:cNvPr id="1212681341" name="диагонали"/>
+          <p:cNvPr id="1274257085" name="диагонали"/>
           <p:cNvGrpSpPr/>
           <p:nvPr/>
         </p:nvGrpSpPr>
@@ -26708,7 +26708,7 @@
       </p:grpSp>
       <p:sp>
         <p:nvSpPr>
-          <p:cNvPr id="1228838238" name="PlaceHolder 1"/>
+          <p:cNvPr id="1259303150" name="PlaceHolder 1"/>
           <p:cNvSpPr>
             <a:spLocks noGrp="1"/>
           </p:cNvSpPr>
@@ -26781,7 +26781,7 @@
       </p:sp>
       <p:sp>
         <p:nvSpPr>
-          <p:cNvPr id="2120127989" name="PlaceHolder 2"/>
+          <p:cNvPr id="1113504816" name="PlaceHolder 2"/>
           <p:cNvSpPr>
             <a:spLocks noGrp="1"/>
           </p:cNvSpPr>
@@ -26858,7 +26858,7 @@
       </p:sp>
       <p:sp>
         <p:nvSpPr>
-          <p:cNvPr id="520833714" name="PlaceHolder 3"/>
+          <p:cNvPr id="1049669253" name="PlaceHolder 3"/>
           <p:cNvSpPr>
             <a:spLocks noGrp="1"/>
           </p:cNvSpPr>
@@ -26963,7 +26963,7 @@
       </p:grpSpPr>
       <p:grpSp>
         <p:nvGrpSpPr>
-          <p:cNvPr id="514042404" name="линии слева"/>
+          <p:cNvPr id="192379423" name="линии слева"/>
           <p:cNvGrpSpPr/>
           <p:nvPr/>
         </p:nvGrpSpPr>
@@ -27211,7 +27211,7 @@
       </p:grpSp>
       <p:sp>
         <p:nvSpPr>
-          <p:cNvPr id="1409508116" name="PlaceHolder 1"/>
+          <p:cNvPr id="106171571" name="PlaceHolder 1"/>
           <p:cNvSpPr>
             <a:spLocks noGrp="1"/>
           </p:cNvSpPr>
@@ -27261,7 +27261,7 @@
       </p:sp>
       <p:sp>
         <p:nvSpPr>
-          <p:cNvPr id="1313929689" name="PlaceHolder 2"/>
+          <p:cNvPr id="1054726096" name="PlaceHolder 2"/>
           <p:cNvSpPr>
             <a:spLocks noGrp="1"/>
           </p:cNvSpPr>
@@ -27493,7 +27493,7 @@
       </p:sp>
       <p:sp>
         <p:nvSpPr>
-          <p:cNvPr id="128063777" name="PlaceHolder 3"/>
+          <p:cNvPr id="588845497" name="PlaceHolder 3"/>
           <p:cNvSpPr>
             <a:spLocks noGrp="1"/>
           </p:cNvSpPr>
@@ -27725,7 +27725,7 @@
       </p:sp>
       <p:sp>
         <p:nvSpPr>
-          <p:cNvPr id="407383454" name="PlaceHolder 4"/>
+          <p:cNvPr id="2127698633" name="PlaceHolder 4"/>
           <p:cNvSpPr>
             <a:spLocks noGrp="1"/>
           </p:cNvSpPr>
@@ -27798,7 +27798,7 @@
       </p:sp>
       <p:sp>
         <p:nvSpPr>
-          <p:cNvPr id="1344222256" name="PlaceHolder 5"/>
+          <p:cNvPr id="912395202" name="PlaceHolder 5"/>
           <p:cNvSpPr>
             <a:spLocks noGrp="1"/>
           </p:cNvSpPr>
@@ -27875,7 +27875,7 @@
       </p:sp>
       <p:sp>
         <p:nvSpPr>
-          <p:cNvPr id="188307123" name="PlaceHolder 6"/>
+          <p:cNvPr id="1659341874" name="PlaceHolder 6"/>
           <p:cNvSpPr>
             <a:spLocks noGrp="1"/>
           </p:cNvSpPr>
@@ -27980,7 +27980,7 @@
       </p:grpSpPr>
       <p:grpSp>
         <p:nvGrpSpPr>
-          <p:cNvPr id="171348146" name="линии слева"/>
+          <p:cNvPr id="618465129" name="линии слева"/>
           <p:cNvGrpSpPr/>
           <p:nvPr/>
         </p:nvGrpSpPr>
@@ -28228,7 +28228,7 @@
       </p:grpSp>
       <p:sp>
         <p:nvSpPr>
-          <p:cNvPr id="599184725" name="PlaceHolder 1"/>
+          <p:cNvPr id="708159107" name="PlaceHolder 1"/>
           <p:cNvSpPr>
             <a:spLocks noGrp="1"/>
           </p:cNvSpPr>
@@ -28301,7 +28301,7 @@
       </p:sp>
       <p:sp>
         <p:nvSpPr>
-          <p:cNvPr id="688650567" name="PlaceHolder 2"/>
+          <p:cNvPr id="1133577404" name="PlaceHolder 2"/>
           <p:cNvSpPr>
             <a:spLocks noGrp="1"/>
           </p:cNvSpPr>
@@ -28378,7 +28378,7 @@
       </p:sp>
       <p:sp>
         <p:nvSpPr>
-          <p:cNvPr id="1225514081" name="PlaceHolder 3"/>
+          <p:cNvPr id="985865476" name="PlaceHolder 3"/>
           <p:cNvSpPr>
             <a:spLocks noGrp="1"/>
           </p:cNvSpPr>
@@ -28439,7 +28439,7 @@
       </p:sp>
       <p:sp>
         <p:nvSpPr>
-          <p:cNvPr id="1584574211" name="PlaceHolder 4"/>
+          <p:cNvPr id="1218303230" name="PlaceHolder 4"/>
           <p:cNvSpPr>
             <a:spLocks noGrp="1"/>
           </p:cNvSpPr>
@@ -28489,7 +28489,7 @@
       </p:sp>
       <p:sp>
         <p:nvSpPr>
-          <p:cNvPr id="874632383" name="PlaceHolder 5"/>
+          <p:cNvPr id="1543312226" name="PlaceHolder 5"/>
           <p:cNvSpPr>
             <a:spLocks noGrp="1"/>
           </p:cNvSpPr>
@@ -28765,7 +28765,7 @@
       </p:grpSpPr>
       <p:grpSp>
         <p:nvGrpSpPr>
-          <p:cNvPr id="1568771305" name="линии слева"/>
+          <p:cNvPr id="443508155" name="линии слева"/>
           <p:cNvGrpSpPr/>
           <p:nvPr/>
         </p:nvGrpSpPr>
@@ -29013,7 +29013,7 @@
       </p:grpSp>
       <p:sp>
         <p:nvSpPr>
-          <p:cNvPr id="1589658603" name="PlaceHolder 1"/>
+          <p:cNvPr id="996940284" name="PlaceHolder 1"/>
           <p:cNvSpPr>
             <a:spLocks noGrp="1"/>
           </p:cNvSpPr>
@@ -29086,7 +29086,7 @@
       </p:sp>
       <p:sp>
         <p:nvSpPr>
-          <p:cNvPr id="1214739167" name="PlaceHolder 2"/>
+          <p:cNvPr id="848894980" name="PlaceHolder 2"/>
           <p:cNvSpPr>
             <a:spLocks noGrp="1"/>
           </p:cNvSpPr>
@@ -29163,7 +29163,7 @@
       </p:sp>
       <p:sp>
         <p:nvSpPr>
-          <p:cNvPr id="930030288" name="PlaceHolder 3"/>
+          <p:cNvPr id="109924167" name="PlaceHolder 3"/>
           <p:cNvSpPr>
             <a:spLocks noGrp="1"/>
           </p:cNvSpPr>
@@ -29268,7 +29268,7 @@
       </p:grpSpPr>
       <p:grpSp>
         <p:nvGrpSpPr>
-          <p:cNvPr id="2108999310" name="линии слева"/>
+          <p:cNvPr id="1831157927" name="линии слева"/>
           <p:cNvGrpSpPr/>
           <p:nvPr/>
         </p:nvGrpSpPr>
@@ -29516,7 +29516,7 @@
       </p:grpSp>
       <p:sp>
         <p:nvSpPr>
-          <p:cNvPr id="325053003" name="PlaceHolder 1"/>
+          <p:cNvPr id="1265538493" name="PlaceHolder 1"/>
           <p:cNvSpPr>
             <a:spLocks noGrp="1"/>
           </p:cNvSpPr>
@@ -29589,7 +29589,7 @@
       </p:sp>
       <p:sp>
         <p:nvSpPr>
-          <p:cNvPr id="2144892175" name="PlaceHolder 2"/>
+          <p:cNvPr id="1476657052" name="PlaceHolder 2"/>
           <p:cNvSpPr>
             <a:spLocks noGrp="1"/>
           </p:cNvSpPr>
@@ -29666,7 +29666,7 @@
       </p:sp>
       <p:sp>
         <p:nvSpPr>
-          <p:cNvPr id="23641585" name="PlaceHolder 3"/>
+          <p:cNvPr id="2025117881" name="PlaceHolder 3"/>
           <p:cNvSpPr>
             <a:spLocks noGrp="1"/>
           </p:cNvSpPr>
@@ -29753,7 +29753,7 @@
       </p:grpSpPr>
       <p:sp>
         <p:nvSpPr>
-          <p:cNvPr id="648034062" name="PlaceHolder 1"/>
+          <p:cNvPr id="110584966" name="PlaceHolder 1"/>
           <p:cNvSpPr>
             <a:spLocks noGrp="1"/>
           </p:cNvSpPr>
@@ -29845,7 +29845,7 @@
       </p:sp>
       <p:sp>
         <p:nvSpPr>
-          <p:cNvPr id="1385855192" name="PlaceHolder 2"/>
+          <p:cNvPr id="1299606506" name="PlaceHolder 2"/>
           <p:cNvSpPr>
             <a:spLocks noGrp="1"/>
           </p:cNvSpPr>
@@ -30145,13 +30145,11 @@
       </p:grpSpPr>
       <p:sp>
         <p:nvSpPr>
-          <p:cNvPr id="567300388" name="PlaceHolder 1"/>
+          <p:cNvPr id="1511509699" name="PlaceHolder 1"/>
           <p:cNvSpPr>
             <a:spLocks noGrp="1"/>
           </p:cNvSpPr>
-          <p:nvPr>
-            <p:ph type="title"/>
-          </p:nvPr>
+          <p:nvPr/>
         </p:nvSpPr>
         <p:spPr bwMode="auto">
           <a:xfrm>
@@ -30170,6 +30168,7 @@
           <a:bodyPr lIns="122040" tIns="60840" rIns="122040" bIns="60840" anchor="b">
             <a:noAutofit/>
           </a:bodyPr>
+          <a:lstStyle/>
           <a:p>
             <a:pPr indent="0" defTabSz="1218960">
               <a:lnSpc>
@@ -30188,25 +30187,34 @@
                 </a:solidFill>
                 <a:latin typeface="Calibri"/>
               </a:rPr>
-              <a:t>Актуальность</a:t>
+              <a:t>Децентрализация, </a:t>
             </a:r>
             <a:r>
               <a:rPr lang="en-US" sz="3600" b="0" u="none" strike="noStrike">
                 <a:solidFill>
-                  <a:srgbClr val="FFFFFF"/>
-                </a:solidFill>
-                <a:latin typeface="Arial"/>
+                  <a:schemeClr val="lt1"/>
+                </a:solidFill>
+                <a:latin typeface="Calibri"/>
               </a:rPr>
-              <a:t> </a:t>
+              <a:t>Web3</a:t>
             </a:r>
             <a:r>
               <a:rPr lang="ru-RU" sz="3600" b="0" u="none" strike="noStrike">
                 <a:solidFill>
-                  <a:srgbClr val="FFFFFF"/>
-                </a:solidFill>
-                <a:latin typeface="Arial"/>
+                  <a:schemeClr val="lt1"/>
+                </a:solidFill>
+                <a:latin typeface="Calibri"/>
               </a:rPr>
-              <a:t>и проблема</a:t>
+              <a:t> и </a:t>
+            </a:r>
+            <a:r>
+              <a:rPr lang="en-US" sz="3600" b="0" u="none" strike="noStrike">
+                <a:solidFill>
+                  <a:schemeClr val="lt1"/>
+                </a:solidFill>
+                <a:latin typeface="Calibri"/>
+              </a:rPr>
+              <a:t>IPv6</a:t>
             </a:r>
             <a:endParaRPr lang="en-US" sz="3600" b="0" u="none" strike="noStrike">
               <a:solidFill>
@@ -30219,223 +30227,123 @@
       </p:sp>
       <p:sp>
         <p:nvSpPr>
-          <p:cNvPr id="516266842" name="PlaceHolder 2"/>
-          <p:cNvSpPr>
-            <a:spLocks noGrp="1"/>
-          </p:cNvSpPr>
-          <p:nvPr>
-            <p:ph/>
-          </p:nvPr>
+          <p:cNvPr id="1449335556" name=""/>
+          <p:cNvSpPr txBox="1"/>
+          <p:nvPr/>
         </p:nvSpPr>
         <p:spPr bwMode="auto">
-          <a:xfrm>
-            <a:off x="1218960" y="1706758"/>
-            <a:ext cx="6242039" cy="4463640"/>
+          <a:xfrm rot="0" flipH="0" flipV="0">
+            <a:off x="1218960" y="1742072"/>
+            <a:ext cx="10096759" cy="1618519"/>
           </a:xfrm>
           <a:prstGeom prst="rect">
             <a:avLst/>
           </a:prstGeom>
           <a:noFill/>
-          <a:ln w="0">
-            <a:noFill/>
-          </a:ln>
         </p:spPr>
         <p:txBody>
-          <a:bodyPr lIns="122040" tIns="60840" rIns="122040" bIns="60840" anchor="t">
-            <a:noAutofit/>
-          </a:bodyPr>
-          <a:p>
-            <a:pPr>
-              <a:defRPr/>
-            </a:pPr>
-            <a:r>
-              <a:rPr sz="2200" b="1" i="0" u="none">
-                <a:solidFill>
-                  <a:schemeClr val="tx1"/>
-                </a:solidFill>
-                <a:latin typeface="Times New Roman"/>
-                <a:ea typeface="Times New Roman"/>
-                <a:cs typeface="Times New Roman"/>
-              </a:rPr>
-              <a:t>Актуальность:</a:t>
-            </a:r>
-            <a:endParaRPr sz="2200">
-              <a:solidFill>
-                <a:schemeClr val="tx1"/>
-              </a:solidFill>
-            </a:endParaRPr>
-          </a:p>
-          <a:p>
-            <a:pPr marL="327936" indent="-327936">
-              <a:buFont typeface="Arial"/>
-              <a:buChar char="•"/>
-              <a:defRPr/>
-            </a:pPr>
-            <a:r>
-              <a:rPr sz="2200" b="0" i="0" u="none">
-                <a:solidFill>
-                  <a:schemeClr val="tx1"/>
-                </a:solidFill>
-                <a:latin typeface="Times New Roman"/>
-                <a:ea typeface="Times New Roman"/>
-                <a:cs typeface="Times New Roman"/>
-              </a:rPr>
-              <a:t>Рост числа устройств</a:t>
-            </a:r>
-            <a:endParaRPr sz="2200">
-              <a:solidFill>
-                <a:schemeClr val="tx1"/>
-              </a:solidFill>
-            </a:endParaRPr>
-          </a:p>
-          <a:p>
-            <a:pPr marL="327936" indent="-327936">
-              <a:buFont typeface="Arial"/>
-              <a:buChar char="•"/>
-              <a:defRPr/>
-            </a:pPr>
-            <a:r>
-              <a:rPr sz="2200" b="0" i="0" u="none">
-                <a:solidFill>
-                  <a:schemeClr val="tx1"/>
-                </a:solidFill>
-                <a:latin typeface="Times New Roman"/>
-                <a:ea typeface="Times New Roman"/>
-                <a:cs typeface="Times New Roman"/>
-              </a:rPr>
-              <a:t>Требование к надёжному прямому взаимодействию</a:t>
-            </a:r>
-            <a:endParaRPr sz="2200">
-              <a:solidFill>
-                <a:schemeClr val="tx1"/>
-              </a:solidFill>
-            </a:endParaRPr>
-          </a:p>
-          <a:p>
-            <a:pPr marL="327936" indent="-327936">
-              <a:buFont typeface="Arial"/>
-              <a:buChar char="•"/>
-              <a:defRPr/>
-            </a:pPr>
-            <a:r>
-              <a:rPr sz="2200" b="0" i="0" u="none">
-                <a:solidFill>
-                  <a:schemeClr val="tx1"/>
-                </a:solidFill>
-                <a:latin typeface="Times New Roman"/>
-                <a:ea typeface="Times New Roman"/>
-                <a:cs typeface="Times New Roman"/>
-              </a:rPr>
-              <a:t>Тренд Web3 и распределённых систем</a:t>
-            </a:r>
-            <a:endParaRPr sz="2200">
-              <a:solidFill>
-                <a:schemeClr val="tx1"/>
-              </a:solidFill>
-            </a:endParaRPr>
-          </a:p>
-        </p:txBody>
-      </p:sp>
-      <p:sp>
-        <p:nvSpPr>
-          <p:cNvPr id="320832405" name=""/>
-          <p:cNvSpPr/>
-          <p:nvPr/>
-        </p:nvSpPr>
-        <p:spPr bwMode="auto">
-          <a:xfrm flipH="0" flipV="0">
-            <a:off x="1218960" y="3890410"/>
-            <a:ext cx="5287615" cy="1432919"/>
-          </a:xfrm>
-        </p:spPr>
-        <p:txBody>
-          <a:bodyPr rot="0" spcFirstLastPara="0" vertOverflow="overflow" horzOverflow="overflow" vert="horz" wrap="square" lIns="91440" tIns="45720" rIns="91440" bIns="45720" numCol="1" spcCol="0" rtlCol="0" fromWordArt="0" anchor="t" anchorCtr="0" forceAA="0" upright="0" compatLnSpc="1">
-            <a:prstTxWarp prst="textNoShape"/>
+          <a:bodyPr vertOverflow="overflow" horzOverflow="overflow" vert="horz" wrap="none" lIns="91440" tIns="45720" rIns="91440" bIns="45720" numCol="1" spcCol="0" rtlCol="0" fromWordArt="0" anchor="t" anchorCtr="0" forceAA="0" upright="0" compatLnSpc="0">
             <a:spAutoFit/>
           </a:bodyPr>
           <a:p>
             <a:pPr>
+              <a:lnSpc>
+                <a:spcPct val="150000"/>
+              </a:lnSpc>
               <a:defRPr/>
             </a:pPr>
             <a:r>
-              <a:rPr sz="2200" b="1" i="0" u="none">
+              <a:rPr lang="ru-RU" sz="2200">
                 <a:solidFill>
                   <a:schemeClr val="tx1"/>
                 </a:solidFill>
-                <a:latin typeface="Times New Roman"/>
-                <a:ea typeface="Times New Roman"/>
-                <a:cs typeface="Times New Roman"/>
               </a:rPr>
-              <a:t>Проблема:</a:t>
+              <a:t>Децентрализация - нет единой точки отказа</a:t>
             </a:r>
-            <a:endParaRPr sz="2200">
+            <a:endParaRPr lang="ru-RU" sz="2200">
               <a:solidFill>
                 <a:schemeClr val="tx1"/>
               </a:solidFill>
             </a:endParaRPr>
           </a:p>
           <a:p>
-            <a:pPr marL="327936" indent="-327936">
-              <a:buFont typeface="Arial"/>
-              <a:buChar char="•"/>
+            <a:pPr>
+              <a:lnSpc>
+                <a:spcPct val="150000"/>
+              </a:lnSpc>
               <a:defRPr/>
             </a:pPr>
             <a:r>
-              <a:rPr sz="2200" b="0" i="0" u="none">
+              <a:rPr lang="en-US" sz="2200">
                 <a:solidFill>
                   <a:schemeClr val="tx1"/>
                 </a:solidFill>
-                <a:latin typeface="Times New Roman"/>
-                <a:ea typeface="Times New Roman"/>
-                <a:cs typeface="Times New Roman"/>
               </a:rPr>
-              <a:t>Централизация сервисов</a:t>
+              <a:t>Web3 - </a:t>
             </a:r>
-            <a:endParaRPr sz="2200">
+            <a:r>
+              <a:rPr lang="ru-RU" sz="2200">
+                <a:solidFill>
+                  <a:schemeClr val="tx1"/>
+                </a:solidFill>
+              </a:rPr>
+              <a:t>крипто-индентификация </a:t>
+            </a:r>
+            <a:r>
+              <a:rPr lang="en-US" sz="2200">
+                <a:solidFill>
+                  <a:schemeClr val="tx1"/>
+                </a:solidFill>
+              </a:rPr>
+              <a:t>(DID), </a:t>
+            </a:r>
+            <a:r>
+              <a:rPr lang="ru-RU" sz="2200">
+                <a:solidFill>
+                  <a:schemeClr val="tx1"/>
+                </a:solidFill>
+              </a:rPr>
+              <a:t>проверяемые действия, доверие без центра</a:t>
+            </a:r>
+            <a:endParaRPr lang="ru-RU" sz="2200">
               <a:solidFill>
                 <a:schemeClr val="tx1"/>
               </a:solidFill>
             </a:endParaRPr>
           </a:p>
           <a:p>
-            <a:pPr marL="327936" indent="-327936">
-              <a:buFont typeface="Arial"/>
-              <a:buChar char="•"/>
+            <a:pPr>
+              <a:lnSpc>
+                <a:spcPct val="150000"/>
+              </a:lnSpc>
               <a:defRPr/>
             </a:pPr>
             <a:r>
-              <a:rPr sz="2200" b="0" i="0" u="none">
+              <a:rPr lang="en-US" sz="2200">
                 <a:solidFill>
                   <a:schemeClr val="tx1"/>
                 </a:solidFill>
-                <a:latin typeface="Times New Roman"/>
-                <a:ea typeface="Times New Roman"/>
-                <a:cs typeface="Times New Roman"/>
               </a:rPr>
-              <a:t>IPv4 + NAT мешают p2p</a:t>
+              <a:t>IPv6 - </a:t>
             </a:r>
-            <a:endParaRPr sz="2200">
-              <a:solidFill>
-                <a:schemeClr val="tx1"/>
-              </a:solidFill>
-            </a:endParaRPr>
-          </a:p>
-          <a:p>
-            <a:pPr marL="327936" indent="-327936">
-              <a:buFont typeface="Arial"/>
-              <a:buChar char="•"/>
-              <a:defRPr/>
-            </a:pPr>
             <a:r>
-              <a:rPr sz="2200" b="0" i="0" u="none">
+              <a:rPr lang="ru-RU" sz="2200">
                 <a:solidFill>
                   <a:schemeClr val="tx1"/>
                 </a:solidFill>
-                <a:latin typeface="Times New Roman"/>
-                <a:ea typeface="Times New Roman"/>
-                <a:cs typeface="Times New Roman"/>
               </a:rPr>
-              <a:t>Высокие задержки и точки отказа</a:t>
+              <a:t>адресное пространство 340 </a:t>
+            </a:r>
+            <a:r>
+              <a:rPr lang="ru-RU" sz="2200" b="0" i="0" u="none">
+                <a:solidFill>
+                  <a:srgbClr val="E8E6E3"/>
+                </a:solidFill>
+                <a:latin typeface="Liberation Sans"/>
+                <a:ea typeface="Liberation Sans"/>
+                <a:cs typeface="Liberation Sans"/>
+              </a:rPr>
+              <a:t>ундециллионов</a:t>
             </a:r>
             <a:endParaRPr sz="2200">
               <a:solidFill>
@@ -30484,11 +30392,13 @@
       </p:grpSpPr>
       <p:sp>
         <p:nvSpPr>
-          <p:cNvPr id="1689289285" name="PlaceHolder 1"/>
+          <p:cNvPr id="746184267" name="PlaceHolder 1"/>
           <p:cNvSpPr>
             <a:spLocks noGrp="1"/>
           </p:cNvSpPr>
-          <p:nvPr/>
+          <p:nvPr>
+            <p:ph type="title"/>
+          </p:nvPr>
         </p:nvSpPr>
         <p:spPr bwMode="auto">
           <a:xfrm>
@@ -30507,7 +30417,6 @@
           <a:bodyPr lIns="122040" tIns="60840" rIns="122040" bIns="60840" anchor="b">
             <a:noAutofit/>
           </a:bodyPr>
-          <a:lstStyle/>
           <a:p>
             <a:pPr indent="0" defTabSz="1218960">
               <a:lnSpc>
@@ -30526,34 +30435,25 @@
                 </a:solidFill>
                 <a:latin typeface="Calibri"/>
               </a:rPr>
-              <a:t>Децентрализация, </a:t>
+              <a:t>Актуальность</a:t>
             </a:r>
             <a:r>
               <a:rPr lang="en-US" sz="3600" b="0" u="none" strike="noStrike">
                 <a:solidFill>
-                  <a:schemeClr val="lt1"/>
-                </a:solidFill>
-                <a:latin typeface="Calibri"/>
+                  <a:srgbClr val="FFFFFF"/>
+                </a:solidFill>
+                <a:latin typeface="Arial"/>
               </a:rPr>
-              <a:t>Web3</a:t>
+              <a:t> </a:t>
             </a:r>
             <a:r>
               <a:rPr lang="ru-RU" sz="3600" b="0" u="none" strike="noStrike">
                 <a:solidFill>
-                  <a:schemeClr val="lt1"/>
-                </a:solidFill>
-                <a:latin typeface="Calibri"/>
+                  <a:srgbClr val="FFFFFF"/>
+                </a:solidFill>
+                <a:latin typeface="Arial"/>
               </a:rPr>
-              <a:t> и </a:t>
-            </a:r>
-            <a:r>
-              <a:rPr lang="en-US" sz="3600" b="0" u="none" strike="noStrike">
-                <a:solidFill>
-                  <a:schemeClr val="lt1"/>
-                </a:solidFill>
-                <a:latin typeface="Calibri"/>
-              </a:rPr>
-              <a:t>IPv6</a:t>
+              <a:t>и проблема</a:t>
             </a:r>
             <a:endParaRPr lang="en-US" sz="3600" b="0" u="none" strike="noStrike">
               <a:solidFill>
@@ -30566,123 +30466,223 @@
       </p:sp>
       <p:sp>
         <p:nvSpPr>
-          <p:cNvPr id="1406203845" name=""/>
-          <p:cNvSpPr txBox="1"/>
-          <p:nvPr/>
+          <p:cNvPr id="938926233" name="PlaceHolder 2"/>
+          <p:cNvSpPr>
+            <a:spLocks noGrp="1"/>
+          </p:cNvSpPr>
+          <p:nvPr>
+            <p:ph/>
+          </p:nvPr>
         </p:nvSpPr>
         <p:spPr bwMode="auto">
-          <a:xfrm rot="0" flipH="0" flipV="0">
-            <a:off x="1218960" y="1742072"/>
-            <a:ext cx="10096759" cy="1618519"/>
+          <a:xfrm>
+            <a:off x="1218960" y="1706758"/>
+            <a:ext cx="6242039" cy="4463640"/>
           </a:xfrm>
           <a:prstGeom prst="rect">
             <a:avLst/>
           </a:prstGeom>
           <a:noFill/>
+          <a:ln w="0">
+            <a:noFill/>
+          </a:ln>
         </p:spPr>
         <p:txBody>
-          <a:bodyPr vertOverflow="overflow" horzOverflow="overflow" vert="horz" wrap="none" lIns="91440" tIns="45720" rIns="91440" bIns="45720" numCol="1" spcCol="0" rtlCol="0" fromWordArt="0" anchor="t" anchorCtr="0" forceAA="0" upright="0" compatLnSpc="0">
+          <a:bodyPr lIns="122040" tIns="60840" rIns="122040" bIns="60840" anchor="t">
+            <a:noAutofit/>
+          </a:bodyPr>
+          <a:p>
+            <a:pPr>
+              <a:defRPr/>
+            </a:pPr>
+            <a:r>
+              <a:rPr sz="2200" b="1" i="0" u="none">
+                <a:solidFill>
+                  <a:schemeClr val="tx1"/>
+                </a:solidFill>
+                <a:latin typeface="Times New Roman"/>
+                <a:ea typeface="Times New Roman"/>
+                <a:cs typeface="Times New Roman"/>
+              </a:rPr>
+              <a:t>Актуальность:</a:t>
+            </a:r>
+            <a:endParaRPr sz="2200">
+              <a:solidFill>
+                <a:schemeClr val="tx1"/>
+              </a:solidFill>
+            </a:endParaRPr>
+          </a:p>
+          <a:p>
+            <a:pPr marL="327936" indent="-327936">
+              <a:buFont typeface="Arial"/>
+              <a:buChar char="•"/>
+              <a:defRPr/>
+            </a:pPr>
+            <a:r>
+              <a:rPr sz="2200" b="0" i="0" u="none">
+                <a:solidFill>
+                  <a:schemeClr val="tx1"/>
+                </a:solidFill>
+                <a:latin typeface="Times New Roman"/>
+                <a:ea typeface="Times New Roman"/>
+                <a:cs typeface="Times New Roman"/>
+              </a:rPr>
+              <a:t>Рост числа устройств</a:t>
+            </a:r>
+            <a:endParaRPr sz="2200">
+              <a:solidFill>
+                <a:schemeClr val="tx1"/>
+              </a:solidFill>
+            </a:endParaRPr>
+          </a:p>
+          <a:p>
+            <a:pPr marL="327936" indent="-327936">
+              <a:buFont typeface="Arial"/>
+              <a:buChar char="•"/>
+              <a:defRPr/>
+            </a:pPr>
+            <a:r>
+              <a:rPr sz="2200" b="0" i="0" u="none">
+                <a:solidFill>
+                  <a:schemeClr val="tx1"/>
+                </a:solidFill>
+                <a:latin typeface="Times New Roman"/>
+                <a:ea typeface="Times New Roman"/>
+                <a:cs typeface="Times New Roman"/>
+              </a:rPr>
+              <a:t>Требование к надёжному прямому взаимодействию</a:t>
+            </a:r>
+            <a:endParaRPr sz="2200">
+              <a:solidFill>
+                <a:schemeClr val="tx1"/>
+              </a:solidFill>
+            </a:endParaRPr>
+          </a:p>
+          <a:p>
+            <a:pPr marL="327936" indent="-327936">
+              <a:buFont typeface="Arial"/>
+              <a:buChar char="•"/>
+              <a:defRPr/>
+            </a:pPr>
+            <a:r>
+              <a:rPr sz="2200" b="0" i="0" u="none">
+                <a:solidFill>
+                  <a:schemeClr val="tx1"/>
+                </a:solidFill>
+                <a:latin typeface="Times New Roman"/>
+                <a:ea typeface="Times New Roman"/>
+                <a:cs typeface="Times New Roman"/>
+              </a:rPr>
+              <a:t>Тренд Web3 и распределённых систем</a:t>
+            </a:r>
+            <a:endParaRPr sz="2200">
+              <a:solidFill>
+                <a:schemeClr val="tx1"/>
+              </a:solidFill>
+            </a:endParaRPr>
+          </a:p>
+        </p:txBody>
+      </p:sp>
+      <p:sp>
+        <p:nvSpPr>
+          <p:cNvPr id="1787229626" name=""/>
+          <p:cNvSpPr/>
+          <p:nvPr/>
+        </p:nvSpPr>
+        <p:spPr bwMode="auto">
+          <a:xfrm flipH="0" flipV="0">
+            <a:off x="1218960" y="3890410"/>
+            <a:ext cx="5287615" cy="1432919"/>
+          </a:xfrm>
+        </p:spPr>
+        <p:txBody>
+          <a:bodyPr rot="0" spcFirstLastPara="0" vertOverflow="overflow" horzOverflow="overflow" vert="horz" wrap="square" lIns="91440" tIns="45720" rIns="91440" bIns="45720" numCol="1" spcCol="0" rtlCol="0" fromWordArt="0" anchor="t" anchorCtr="0" forceAA="0" upright="0" compatLnSpc="1">
+            <a:prstTxWarp prst="textNoShape"/>
             <a:spAutoFit/>
           </a:bodyPr>
           <a:p>
             <a:pPr>
-              <a:lnSpc>
-                <a:spcPct val="150000"/>
-              </a:lnSpc>
               <a:defRPr/>
             </a:pPr>
             <a:r>
-              <a:rPr lang="ru-RU" sz="2200">
+              <a:rPr sz="2200" b="1" i="0" u="none">
                 <a:solidFill>
                   <a:schemeClr val="tx1"/>
                 </a:solidFill>
+                <a:latin typeface="Times New Roman"/>
+                <a:ea typeface="Times New Roman"/>
+                <a:cs typeface="Times New Roman"/>
               </a:rPr>
-              <a:t>Децентрализация - нет единой точки отказа</a:t>
+              <a:t>Проблема:</a:t>
             </a:r>
-            <a:endParaRPr lang="ru-RU" sz="2200">
+            <a:endParaRPr sz="2200">
               <a:solidFill>
                 <a:schemeClr val="tx1"/>
               </a:solidFill>
             </a:endParaRPr>
           </a:p>
           <a:p>
-            <a:pPr>
-              <a:lnSpc>
-                <a:spcPct val="150000"/>
-              </a:lnSpc>
+            <a:pPr marL="327936" indent="-327936">
+              <a:buFont typeface="Arial"/>
+              <a:buChar char="•"/>
               <a:defRPr/>
             </a:pPr>
             <a:r>
-              <a:rPr lang="en-US" sz="2200">
+              <a:rPr sz="2200" b="0" i="0" u="none">
                 <a:solidFill>
                   <a:schemeClr val="tx1"/>
                 </a:solidFill>
+                <a:latin typeface="Times New Roman"/>
+                <a:ea typeface="Times New Roman"/>
+                <a:cs typeface="Times New Roman"/>
               </a:rPr>
-              <a:t>Web3 - </a:t>
+              <a:t>Централизация сервисов</a:t>
             </a:r>
+            <a:endParaRPr sz="2200">
+              <a:solidFill>
+                <a:schemeClr val="tx1"/>
+              </a:solidFill>
+            </a:endParaRPr>
+          </a:p>
+          <a:p>
+            <a:pPr marL="327936" indent="-327936">
+              <a:buFont typeface="Arial"/>
+              <a:buChar char="•"/>
+              <a:defRPr/>
+            </a:pPr>
             <a:r>
-              <a:rPr lang="ru-RU" sz="2200">
+              <a:rPr sz="2200" b="0" i="0" u="none">
                 <a:solidFill>
                   <a:schemeClr val="tx1"/>
                 </a:solidFill>
+                <a:latin typeface="Times New Roman"/>
+                <a:ea typeface="Times New Roman"/>
+                <a:cs typeface="Times New Roman"/>
               </a:rPr>
-              <a:t>крипто-индентификация </a:t>
+              <a:t>IPv4 + NAT мешают p2p</a:t>
             </a:r>
+            <a:endParaRPr sz="2200">
+              <a:solidFill>
+                <a:schemeClr val="tx1"/>
+              </a:solidFill>
+            </a:endParaRPr>
+          </a:p>
+          <a:p>
+            <a:pPr marL="327936" indent="-327936">
+              <a:buFont typeface="Arial"/>
+              <a:buChar char="•"/>
+              <a:defRPr/>
+            </a:pPr>
             <a:r>
-              <a:rPr lang="en-US" sz="2200">
+              <a:rPr sz="2200" b="0" i="0" u="none">
                 <a:solidFill>
                   <a:schemeClr val="tx1"/>
                 </a:solidFill>
+                <a:latin typeface="Times New Roman"/>
+                <a:ea typeface="Times New Roman"/>
+                <a:cs typeface="Times New Roman"/>
               </a:rPr>
-              <a:t>(DID), </a:t>
-            </a:r>
-            <a:r>
-              <a:rPr lang="ru-RU" sz="2200">
-                <a:solidFill>
-                  <a:schemeClr val="tx1"/>
-                </a:solidFill>
-              </a:rPr>
-              <a:t>проверяемые действия, доверие без центра</a:t>
-            </a:r>
-            <a:endParaRPr lang="ru-RU" sz="2200">
-              <a:solidFill>
-                <a:schemeClr val="tx1"/>
-              </a:solidFill>
-            </a:endParaRPr>
-          </a:p>
-          <a:p>
-            <a:pPr>
-              <a:lnSpc>
-                <a:spcPct val="150000"/>
-              </a:lnSpc>
-              <a:defRPr/>
-            </a:pPr>
-            <a:r>
-              <a:rPr lang="en-US" sz="2200">
-                <a:solidFill>
-                  <a:schemeClr val="tx1"/>
-                </a:solidFill>
-              </a:rPr>
-              <a:t>IPv6 - </a:t>
-            </a:r>
-            <a:r>
-              <a:rPr lang="ru-RU" sz="2200">
-                <a:solidFill>
-                  <a:schemeClr val="tx1"/>
-                </a:solidFill>
-              </a:rPr>
-              <a:t>адресное пространство 340 </a:t>
-            </a:r>
-            <a:r>
-              <a:rPr lang="ru-RU" sz="2200" b="0" i="0" u="none">
-                <a:solidFill>
-                  <a:srgbClr val="E8E6E3"/>
-                </a:solidFill>
-                <a:latin typeface="Liberation Sans"/>
-                <a:ea typeface="Liberation Sans"/>
-                <a:cs typeface="Liberation Sans"/>
-              </a:rPr>
-              <a:t>ундециллионов</a:t>
+              <a:t>Высокие задержки и точки отказа</a:t>
             </a:r>
             <a:endParaRPr sz="2200">
               <a:solidFill>
@@ -30731,7 +30731,7 @@
       </p:grpSpPr>
       <p:sp>
         <p:nvSpPr>
-          <p:cNvPr id="93434340" name="PlaceHolder 1"/>
+          <p:cNvPr id="6967118" name="PlaceHolder 1"/>
           <p:cNvSpPr>
             <a:spLocks noGrp="1"/>
           </p:cNvSpPr>
@@ -30787,7 +30787,7 @@
       </p:sp>
       <p:sp>
         <p:nvSpPr>
-          <p:cNvPr id="2032634065" name="TextBox 4"/>
+          <p:cNvPr id="1606278842" name="TextBox 4"/>
           <p:cNvSpPr/>
           <p:nvPr/>
         </p:nvSpPr>
@@ -30824,7 +30824,7 @@
       </p:sp>
       <p:sp>
         <p:nvSpPr>
-          <p:cNvPr id="2006841651" name="TextBox 6"/>
+          <p:cNvPr id="1012492113" name="TextBox 6"/>
           <p:cNvSpPr/>
           <p:nvPr/>
         </p:nvSpPr>
@@ -30861,7 +30861,7 @@
       </p:sp>
       <p:sp>
         <p:nvSpPr>
-          <p:cNvPr id="1115163131" name=""/>
+          <p:cNvPr id="81158099" name=""/>
           <p:cNvSpPr txBox="1"/>
           <p:nvPr/>
         </p:nvSpPr>
@@ -31076,7 +31076,7 @@
       </p:grpSpPr>
       <p:sp>
         <p:nvSpPr>
-          <p:cNvPr id="778464846" name="PlaceHolder 1"/>
+          <p:cNvPr id="1974020846" name="PlaceHolder 1"/>
           <p:cNvSpPr>
             <a:spLocks noGrp="1"/>
           </p:cNvSpPr>
@@ -31132,7 +31132,7 @@
       </p:sp>
       <p:sp>
         <p:nvSpPr>
-          <p:cNvPr id="1612064232" name="PlaceHolder 2"/>
+          <p:cNvPr id="829126527" name="PlaceHolder 2"/>
           <p:cNvSpPr>
             <a:spLocks noGrp="1"/>
           </p:cNvSpPr>
@@ -31420,97 +31420,28 @@
           <a:chExt cx="0" cy="0"/>
         </a:xfrm>
       </p:grpSpPr>
-      <p:sp>
-        <p:nvSpPr>
-          <p:cNvPr id="1989124357" name="PlaceHolder 1"/>
-          <p:cNvSpPr>
-            <a:spLocks noGrp="1"/>
-          </p:cNvSpPr>
-          <p:nvPr>
-            <p:ph type="title"/>
-          </p:nvPr>
-        </p:nvSpPr>
+      <p:pic>
+        <p:nvPicPr>
+          <p:cNvPr id="1328167391" name=""/>
+          <p:cNvPicPr>
+            <a:picLocks noChangeAspect="1"/>
+          </p:cNvPicPr>
+          <p:nvPr/>
+        </p:nvPicPr>
+        <p:blipFill rotWithShape="1">
+          <a:blip r:embed="rId3"/>
+          <a:stretch/>
+        </p:blipFill>
         <p:spPr bwMode="auto">
-          <a:xfrm>
-            <a:off x="1218960" y="274680"/>
-            <a:ext cx="10358640" cy="1222200"/>
+          <a:xfrm flipH="0" flipV="0">
+            <a:off x="922374" y="-13651"/>
+            <a:ext cx="11223624" cy="6810294"/>
           </a:xfrm>
           <a:prstGeom prst="rect">
             <a:avLst/>
           </a:prstGeom>
-          <a:noFill/>
-          <a:ln w="0">
-            <a:noFill/>
-          </a:ln>
         </p:spPr>
-        <p:txBody>
-          <a:bodyPr lIns="122040" tIns="60840" rIns="122040" bIns="60840" anchor="b">
-            <a:noAutofit/>
-          </a:bodyPr>
-          <a:p>
-            <a:pPr indent="0" defTabSz="1218960">
-              <a:lnSpc>
-                <a:spcPct val="90000"/>
-              </a:lnSpc>
-              <a:buNone/>
-              <a:tabLst>
-                <a:tab pos="0" algn="l"/>
-              </a:tabLst>
-              <a:defRPr/>
-            </a:pPr>
-            <a:r>
-              <a:rPr lang="ru-RU" sz="3600" b="0" u="none" strike="noStrike">
-                <a:solidFill>
-                  <a:schemeClr val="lt1"/>
-                </a:solidFill>
-                <a:latin typeface="Calibri"/>
-              </a:rPr>
-              <a:t>Архитектура сети</a:t>
-            </a:r>
-            <a:endParaRPr lang="en-US" sz="3600" b="0" u="none" strike="noStrike">
-              <a:solidFill>
-                <a:srgbClr val="FFFFFF"/>
-              </a:solidFill>
-              <a:latin typeface="Arial"/>
-            </a:endParaRPr>
-          </a:p>
-        </p:txBody>
-      </p:sp>
-      <p:sp>
-        <p:nvSpPr>
-          <p:cNvPr id="1781649864" name="PlaceHolder 2"/>
-          <p:cNvSpPr>
-            <a:spLocks noGrp="1"/>
-          </p:cNvSpPr>
-          <p:nvPr>
-            <p:ph/>
-          </p:nvPr>
-        </p:nvSpPr>
-        <p:spPr bwMode="auto">
-          <a:xfrm>
-            <a:off x="609120" y="1604520"/>
-            <a:ext cx="10969559" cy="3977280"/>
-          </a:xfrm>
-          <a:prstGeom prst="rect">
-            <a:avLst/>
-          </a:prstGeom>
-          <a:noFill/>
-          <a:ln w="0">
-            <a:noFill/>
-          </a:ln>
-        </p:spPr>
-        <p:txBody>
-          <a:bodyPr lIns="0" tIns="0" rIns="0" bIns="0" anchor="t">
-            <a:normAutofit/>
-          </a:bodyPr>
-          <a:p>
-            <a:pPr>
-              <a:defRPr/>
-            </a:pPr>
-            <a:endParaRPr/>
-          </a:p>
-        </p:txBody>
-      </p:sp>
+      </p:pic>
     </p:spTree>
   </p:cSld>
   <p:clrMapOvr>
@@ -31550,7 +31481,7 @@
       </p:grpSpPr>
       <p:sp>
         <p:nvSpPr>
-          <p:cNvPr id="1197449368" name="PlaceHolder 1"/>
+          <p:cNvPr id="1780685557" name="PlaceHolder 1"/>
           <p:cNvSpPr>
             <a:spLocks noGrp="1"/>
           </p:cNvSpPr>
@@ -31560,7 +31491,7 @@
         </p:nvSpPr>
         <p:spPr bwMode="auto">
           <a:xfrm>
-            <a:off x="609120" y="273600"/>
+            <a:off x="1037745" y="273600"/>
             <a:ext cx="10969559" cy="1144800"/>
           </a:xfrm>
           <a:prstGeom prst="rect">
@@ -31595,7 +31526,7 @@
       </p:sp>
       <p:sp>
         <p:nvSpPr>
-          <p:cNvPr id="49627490" name="PlaceHolder 2"/>
+          <p:cNvPr id="1835931456" name="PlaceHolder 2"/>
           <p:cNvSpPr>
             <a:spLocks noGrp="1"/>
           </p:cNvSpPr>
@@ -31605,7 +31536,7 @@
         </p:nvSpPr>
         <p:spPr bwMode="auto">
           <a:xfrm>
-            <a:off x="609120" y="1604520"/>
+            <a:off x="1037745" y="1604520"/>
             <a:ext cx="10969559" cy="3977280"/>
           </a:xfrm>
           <a:prstGeom prst="rect">
@@ -31899,13 +31830,13 @@
       </p:grpSpPr>
       <p:sp>
         <p:nvSpPr>
-          <p:cNvPr id="1036426005" name="Скругленный прямоугольник 7"/>
+          <p:cNvPr id="448527735" name="Скругленный прямоугольник 7"/>
           <p:cNvSpPr/>
           <p:nvPr/>
         </p:nvSpPr>
         <p:spPr bwMode="auto">
           <a:xfrm>
-            <a:off x="8357400" y="370080"/>
+            <a:off x="7929403" y="340213"/>
             <a:ext cx="3166560" cy="3211200"/>
           </a:xfrm>
           <a:prstGeom prst="roundRect">
@@ -31965,7 +31896,7 @@
       </p:sp>
       <p:sp>
         <p:nvSpPr>
-          <p:cNvPr id="765613362" name="PlaceHolder 1"/>
+          <p:cNvPr id="783812663" name="PlaceHolder 1"/>
           <p:cNvSpPr>
             <a:spLocks noGrp="1"/>
           </p:cNvSpPr>
@@ -32021,7 +31952,7 @@
       </p:sp>
       <p:sp>
         <p:nvSpPr>
-          <p:cNvPr id="1538150175" name="PlaceHolder 2"/>
+          <p:cNvPr id="1602529720" name="PlaceHolder 2"/>
           <p:cNvSpPr>
             <a:spLocks noGrp="1"/>
           </p:cNvSpPr>
@@ -32050,13 +31981,71 @@
             <a:pPr>
               <a:defRPr/>
             </a:pPr>
-            <a:endParaRPr/>
+            <a:r>
+              <a:rPr sz="2200" b="1" i="0" u="none">
+                <a:solidFill>
+                  <a:schemeClr val="tx1"/>
+                </a:solidFill>
+                <a:latin typeface="Times New Roman"/>
+                <a:ea typeface="Times New Roman"/>
+                <a:cs typeface="Times New Roman"/>
+              </a:rPr>
+              <a:t>Децентрализованные сети — это необходимость уже сегодня. Начните переход сейчас, чтобы </a:t>
+            </a:r>
+            <a:r>
+              <a:rPr sz="2200" b="1" i="0" u="none" strike="sngStrike">
+                <a:solidFill>
+                  <a:schemeClr val="tx1"/>
+                </a:solidFill>
+                <a:latin typeface="Times New Roman"/>
+                <a:ea typeface="Times New Roman"/>
+                <a:cs typeface="Times New Roman"/>
+              </a:rPr>
+              <a:t>не зависеть от одного подозрительного сервера</a:t>
+            </a:r>
+            <a:r>
+              <a:rPr sz="2200" b="1" i="0" u="none">
+                <a:solidFill>
+                  <a:schemeClr val="tx1"/>
+                </a:solidFill>
+                <a:latin typeface="Times New Roman"/>
+                <a:ea typeface="Times New Roman"/>
+                <a:cs typeface="Times New Roman"/>
+              </a:rPr>
+              <a:t> оставаться защищёнными завтра.</a:t>
+            </a:r>
+            <a:br>
+              <a:rPr sz="2200" b="1" i="0" u="none">
+                <a:solidFill>
+                  <a:schemeClr val="tx1"/>
+                </a:solidFill>
+                <a:latin typeface="Times New Roman"/>
+                <a:ea typeface="Times New Roman"/>
+                <a:cs typeface="Times New Roman"/>
+              </a:rPr>
+            </a:br>
+            <a:r>
+              <a:rPr sz="2200" b="0" i="0" u="none">
+                <a:solidFill>
+                  <a:schemeClr val="tx1"/>
+                </a:solidFill>
+                <a:latin typeface="Times New Roman"/>
+                <a:ea typeface="Times New Roman"/>
+                <a:cs typeface="Times New Roman"/>
+              </a:rPr>
+              <a:t> @Брылёв Альберт</a:t>
+            </a:r>
+            <a:endParaRPr sz="2200">
+              <a:solidFill>
+                <a:schemeClr val="tx1"/>
+              </a:solidFill>
+            </a:endParaRPr>
           </a:p>
         </p:txBody>
       </p:sp>
       <p:pic>
         <p:nvPicPr>
-          <p:cNvPr id="1219152838" name="" descr=""/>
+          <p:cNvPr id="266818146" name="" descr=""/>
           <p:cNvPicPr/>
           <p:nvPr/>
         </p:nvPicPr>
@@ -32066,7 +32055,7 @@
         </p:blipFill>
         <p:spPr bwMode="auto">
           <a:xfrm>
-            <a:off x="8706240" y="4219999"/>
+            <a:off x="8103823" y="4170188"/>
             <a:ext cx="2817720" cy="2577240"/>
           </a:xfrm>
           <a:prstGeom prst="rect">
@@ -32080,14 +32069,14 @@
       </p:pic>
       <p:sp>
         <p:nvSpPr>
-          <p:cNvPr id="128446229" name=""/>
+          <p:cNvPr id="1979466149" name=""/>
           <p:cNvSpPr txBox="1"/>
           <p:nvPr/>
         </p:nvSpPr>
         <p:spPr bwMode="auto">
           <a:xfrm flipH="0" flipV="0">
-            <a:off x="8547506" y="3743109"/>
-            <a:ext cx="2786346" cy="427079"/>
+            <a:off x="7295427" y="3743109"/>
+            <a:ext cx="4816903" cy="427079"/>
           </a:xfrm>
           <a:prstGeom prst="rect">
             <a:avLst/>
@@ -32111,7 +32100,18 @@
                 <a:ea typeface="Calibri"/>
                 <a:cs typeface="Calibri"/>
               </a:rPr>
-              <a:t>github.com/Terexi110</a:t>
+              <a:t>github.com/Terexi110/</a:t>
+            </a:r>
+            <a:r>
+              <a:rPr lang="en-US" sz="2200" b="0" i="0" u="none" strike="noStrike" cap="none" spc="0">
+                <a:solidFill>
+                  <a:schemeClr val="tx1"/>
+                </a:solidFill>
+                <a:latin typeface="Calibri"/>
+                <a:ea typeface="Calibri"/>
+                <a:cs typeface="Calibri"/>
+              </a:rPr>
+              <a:t>Web3-Network</a:t>
             </a:r>
             <a:endParaRPr sz="2200">
               <a:solidFill>
@@ -32123,7 +32123,7 @@
       </p:sp>
       <p:pic>
         <p:nvPicPr>
-          <p:cNvPr id="1769156300" name=""/>
+          <p:cNvPr id="1583732421" name=""/>
           <p:cNvPicPr>
             <a:picLocks noChangeAspect="1"/>
           </p:cNvPicPr>
@@ -32135,7 +32135,7 @@
         </p:blipFill>
         <p:spPr bwMode="auto">
           <a:xfrm flipH="0" flipV="0">
-            <a:off x="8442912" y="492492"/>
+            <a:off x="8014915" y="462625"/>
             <a:ext cx="2966374" cy="2966374"/>
           </a:xfrm>
           <a:prstGeom prst="rect">

--- a/Создание_децентралезованной_сети.pptx
+++ b/Создание_децентралезованной_сети.pptx
@@ -74,7 +74,7 @@
       </p:grpSpPr>
       <p:sp>
         <p:nvSpPr>
-          <p:cNvPr id="116922554" name="PlaceHolder 1"/>
+          <p:cNvPr id="2049300120" name="PlaceHolder 1"/>
           <p:cNvSpPr>
             <a:spLocks noGrp="1"/>
           </p:cNvSpPr>
@@ -123,7 +123,7 @@
       </p:sp>
       <p:sp>
         <p:nvSpPr>
-          <p:cNvPr id="1557987756" name="PlaceHolder 2"/>
+          <p:cNvPr id="1594807143" name="PlaceHolder 2"/>
           <p:cNvSpPr>
             <a:spLocks noGrp="1"/>
           </p:cNvSpPr>
@@ -173,7 +173,7 @@
       </p:sp>
       <p:sp>
         <p:nvSpPr>
-          <p:cNvPr id="888191349" name="PlaceHolder 3"/>
+          <p:cNvPr id="1792580279" name="PlaceHolder 3"/>
           <p:cNvSpPr>
             <a:spLocks noGrp="1"/>
           </p:cNvSpPr>
@@ -223,7 +223,7 @@
       </p:sp>
       <p:sp>
         <p:nvSpPr>
-          <p:cNvPr id="1272511633" name="PlaceHolder 4"/>
+          <p:cNvPr id="1027149769" name="PlaceHolder 4"/>
           <p:cNvSpPr>
             <a:spLocks noGrp="1"/>
           </p:cNvSpPr>
@@ -284,7 +284,7 @@
       </p:sp>
       <p:sp>
         <p:nvSpPr>
-          <p:cNvPr id="23283141" name="PlaceHolder 5"/>
+          <p:cNvPr id="161328088" name="PlaceHolder 5"/>
           <p:cNvSpPr>
             <a:spLocks noGrp="1"/>
           </p:cNvSpPr>
@@ -345,7 +345,7 @@
       </p:sp>
       <p:sp>
         <p:nvSpPr>
-          <p:cNvPr id="743020296" name="PlaceHolder 6"/>
+          <p:cNvPr id="1008236768" name="PlaceHolder 6"/>
           <p:cNvSpPr>
             <a:spLocks noGrp="1"/>
           </p:cNvSpPr>
@@ -429,7 +429,7 @@
       </p:grpSpPr>
       <p:sp>
         <p:nvSpPr>
-          <p:cNvPr id="737172799" name="Slide Image Placeholder 1"/>
+          <p:cNvPr id="1421711729" name="Slide Image Placeholder 1"/>
           <p:cNvSpPr>
             <a:spLocks noChangeAspect="1" noGrp="1" noRot="1"/>
           </p:cNvSpPr>
@@ -441,7 +441,7 @@
       </p:sp>
       <p:sp>
         <p:nvSpPr>
-          <p:cNvPr id="2072245066" name="Notes Placeholder 2"/>
+          <p:cNvPr id="853481668" name="Notes Placeholder 2"/>
           <p:cNvSpPr>
             <a:spLocks noGrp="1"/>
           </p:cNvSpPr>
@@ -463,7 +463,7 @@
       </p:sp>
       <p:sp>
         <p:nvSpPr>
-          <p:cNvPr id="63421238" name="Slide Number Placeholder 3"/>
+          <p:cNvPr id="12160574" name="Slide Number Placeholder 3"/>
           <p:cNvSpPr>
             <a:spLocks noGrp="1"/>
           </p:cNvSpPr>
@@ -514,7 +514,7 @@
       </p:grpSpPr>
       <p:sp>
         <p:nvSpPr>
-          <p:cNvPr id="1738873597" name="Slide Image Placeholder 1"/>
+          <p:cNvPr id="106067564" name="Slide Image Placeholder 1"/>
           <p:cNvSpPr>
             <a:spLocks noChangeAspect="1" noGrp="1" noRot="1"/>
           </p:cNvSpPr>
@@ -526,7 +526,7 @@
       </p:sp>
       <p:sp>
         <p:nvSpPr>
-          <p:cNvPr id="1812346773" name="Notes Placeholder 2"/>
+          <p:cNvPr id="971299731" name="Notes Placeholder 2"/>
           <p:cNvSpPr>
             <a:spLocks noGrp="1"/>
           </p:cNvSpPr>
@@ -548,7 +548,7 @@
       </p:sp>
       <p:sp>
         <p:nvSpPr>
-          <p:cNvPr id="1770020307" name="Slide Number Placeholder 3"/>
+          <p:cNvPr id="334701011" name="Slide Number Placeholder 3"/>
           <p:cNvSpPr>
             <a:spLocks noGrp="1"/>
           </p:cNvSpPr>
@@ -599,7 +599,7 @@
       </p:grpSpPr>
       <p:sp>
         <p:nvSpPr>
-          <p:cNvPr id="2088615595" name="PlaceHolder 1"/>
+          <p:cNvPr id="270837035" name="PlaceHolder 1"/>
           <p:cNvSpPr>
             <a:spLocks noGrp="1"/>
           </p:cNvSpPr>
@@ -622,7 +622,7 @@
       </p:sp>
       <p:sp>
         <p:nvSpPr>
-          <p:cNvPr id="1849383995" name="PlaceHolder 2"/>
+          <p:cNvPr id="1679560011" name="PlaceHolder 2"/>
           <p:cNvSpPr>
             <a:spLocks noGrp="1"/>
           </p:cNvSpPr>
@@ -663,7 +663,7 @@
       </p:sp>
       <p:sp>
         <p:nvSpPr>
-          <p:cNvPr id="289954356" name="PlaceHolder 3"/>
+          <p:cNvPr id="553312959" name="PlaceHolder 3"/>
           <p:cNvSpPr>
             <a:spLocks noGrp="1"/>
           </p:cNvSpPr>
@@ -763,7 +763,7 @@
       </p:grpSpPr>
       <p:sp>
         <p:nvSpPr>
-          <p:cNvPr id="1406942407" name="Slide Image Placeholder 1"/>
+          <p:cNvPr id="2091790987" name="Slide Image Placeholder 1"/>
           <p:cNvSpPr>
             <a:spLocks noChangeAspect="1" noGrp="1" noRot="1"/>
           </p:cNvSpPr>
@@ -775,7 +775,7 @@
       </p:sp>
       <p:sp>
         <p:nvSpPr>
-          <p:cNvPr id="1580612887" name="Notes Placeholder 2"/>
+          <p:cNvPr id="434181229" name="Notes Placeholder 2"/>
           <p:cNvSpPr>
             <a:spLocks noGrp="1"/>
           </p:cNvSpPr>
@@ -797,7 +797,7 @@
       </p:sp>
       <p:sp>
         <p:nvSpPr>
-          <p:cNvPr id="1890086528" name="Slide Number Placeholder 3"/>
+          <p:cNvPr id="1783291407" name="Slide Number Placeholder 3"/>
           <p:cNvSpPr>
             <a:spLocks noGrp="1"/>
           </p:cNvSpPr>
@@ -848,7 +848,7 @@
       </p:grpSpPr>
       <p:sp>
         <p:nvSpPr>
-          <p:cNvPr id="1151252442" name="Slide Image Placeholder 1"/>
+          <p:cNvPr id="1155538241" name="Slide Image Placeholder 1"/>
           <p:cNvSpPr>
             <a:spLocks noChangeAspect="1" noGrp="1" noRot="1"/>
           </p:cNvSpPr>
@@ -860,7 +860,7 @@
       </p:sp>
       <p:sp>
         <p:nvSpPr>
-          <p:cNvPr id="1408100664" name="Notes Placeholder 2"/>
+          <p:cNvPr id="1107745500" name="Notes Placeholder 2"/>
           <p:cNvSpPr>
             <a:spLocks noGrp="1"/>
           </p:cNvSpPr>
@@ -882,7 +882,7 @@
       </p:sp>
       <p:sp>
         <p:nvSpPr>
-          <p:cNvPr id="867193813" name="Slide Number Placeholder 3"/>
+          <p:cNvPr id="1409014783" name="Slide Number Placeholder 3"/>
           <p:cNvSpPr>
             <a:spLocks noGrp="1"/>
           </p:cNvSpPr>
@@ -933,7 +933,7 @@
       </p:grpSpPr>
       <p:sp>
         <p:nvSpPr>
-          <p:cNvPr id="295969256" name="Slide Image Placeholder 1"/>
+          <p:cNvPr id="1408759013" name="Slide Image Placeholder 1"/>
           <p:cNvSpPr>
             <a:spLocks noChangeAspect="1" noGrp="1" noRot="1"/>
           </p:cNvSpPr>
@@ -945,7 +945,7 @@
       </p:sp>
       <p:sp>
         <p:nvSpPr>
-          <p:cNvPr id="1886480645" name="Notes Placeholder 2"/>
+          <p:cNvPr id="570382307" name="Notes Placeholder 2"/>
           <p:cNvSpPr>
             <a:spLocks noGrp="1"/>
           </p:cNvSpPr>
@@ -967,7 +967,7 @@
       </p:sp>
       <p:sp>
         <p:nvSpPr>
-          <p:cNvPr id="1827220713" name="Slide Number Placeholder 3"/>
+          <p:cNvPr id="644953113" name="Slide Number Placeholder 3"/>
           <p:cNvSpPr>
             <a:spLocks noGrp="1"/>
           </p:cNvSpPr>
@@ -1018,7 +1018,7 @@
       </p:grpSpPr>
       <p:sp>
         <p:nvSpPr>
-          <p:cNvPr id="1860583090" name="Slide Image Placeholder 1"/>
+          <p:cNvPr id="1597809654" name="Slide Image Placeholder 1"/>
           <p:cNvSpPr>
             <a:spLocks noChangeAspect="1" noGrp="1" noRot="1"/>
           </p:cNvSpPr>
@@ -1030,7 +1030,7 @@
       </p:sp>
       <p:sp>
         <p:nvSpPr>
-          <p:cNvPr id="967126696" name="Notes Placeholder 2"/>
+          <p:cNvPr id="1659384877" name="Notes Placeholder 2"/>
           <p:cNvSpPr>
             <a:spLocks noGrp="1"/>
           </p:cNvSpPr>
@@ -1052,7 +1052,7 @@
       </p:sp>
       <p:sp>
         <p:nvSpPr>
-          <p:cNvPr id="1311630018" name="Slide Number Placeholder 3"/>
+          <p:cNvPr id="1309900319" name="Slide Number Placeholder 3"/>
           <p:cNvSpPr>
             <a:spLocks noGrp="1"/>
           </p:cNvSpPr>
@@ -1103,7 +1103,7 @@
       </p:grpSpPr>
       <p:sp>
         <p:nvSpPr>
-          <p:cNvPr id="1781606563" name="Slide Image Placeholder 1"/>
+          <p:cNvPr id="1686068291" name="Slide Image Placeholder 1"/>
           <p:cNvSpPr>
             <a:spLocks noChangeAspect="1" noGrp="1" noRot="1"/>
           </p:cNvSpPr>
@@ -1115,7 +1115,7 @@
       </p:sp>
       <p:sp>
         <p:nvSpPr>
-          <p:cNvPr id="1983756863" name="Notes Placeholder 2"/>
+          <p:cNvPr id="951845120" name="Notes Placeholder 2"/>
           <p:cNvSpPr>
             <a:spLocks noGrp="1"/>
           </p:cNvSpPr>
@@ -1137,7 +1137,7 @@
       </p:sp>
       <p:sp>
         <p:nvSpPr>
-          <p:cNvPr id="12782041" name="Slide Number Placeholder 3"/>
+          <p:cNvPr id="1694708898" name="Slide Number Placeholder 3"/>
           <p:cNvSpPr>
             <a:spLocks noGrp="1"/>
           </p:cNvSpPr>
@@ -1188,7 +1188,7 @@
       </p:grpSpPr>
       <p:sp>
         <p:nvSpPr>
-          <p:cNvPr id="13669865" name="PlaceHolder 1"/>
+          <p:cNvPr id="1570368474" name="PlaceHolder 1"/>
           <p:cNvSpPr>
             <a:spLocks noGrp="1"/>
           </p:cNvSpPr>
@@ -1229,7 +1229,7 @@
       </p:sp>
       <p:sp>
         <p:nvSpPr>
-          <p:cNvPr id="2062779701" name="PlaceHolder 2"/>
+          <p:cNvPr id="119246664" name="PlaceHolder 2"/>
           <p:cNvSpPr>
             <a:spLocks noGrp="1"/>
           </p:cNvSpPr>
@@ -1270,7 +1270,7 @@
       </p:sp>
       <p:sp>
         <p:nvSpPr>
-          <p:cNvPr id="1038386437" name="PlaceHolder 3"/>
+          <p:cNvPr id="815414388" name="PlaceHolder 3"/>
           <p:cNvSpPr>
             <a:spLocks noGrp="1"/>
           </p:cNvSpPr>
@@ -1295,7 +1295,7 @@
       </p:sp>
       <p:sp>
         <p:nvSpPr>
-          <p:cNvPr id="796065839" name="PlaceHolder 4"/>
+          <p:cNvPr id="272283632" name="PlaceHolder 4"/>
           <p:cNvSpPr>
             <a:spLocks noGrp="1"/>
           </p:cNvSpPr>
@@ -1320,7 +1320,7 @@
       </p:sp>
       <p:sp>
         <p:nvSpPr>
-          <p:cNvPr id="924649831" name="PlaceHolder 5"/>
+          <p:cNvPr id="1538982331" name="PlaceHolder 5"/>
           <p:cNvSpPr>
             <a:spLocks noGrp="1"/>
           </p:cNvSpPr>
@@ -1366,7 +1366,7 @@
       </p:grpSpPr>
       <p:sp>
         <p:nvSpPr>
-          <p:cNvPr id="696540386" name="PlaceHolder 1"/>
+          <p:cNvPr id="2109829313" name="PlaceHolder 1"/>
           <p:cNvSpPr>
             <a:spLocks noGrp="1"/>
           </p:cNvSpPr>
@@ -1407,7 +1407,7 @@
       </p:sp>
       <p:sp>
         <p:nvSpPr>
-          <p:cNvPr id="1380650797" name="PlaceHolder 2"/>
+          <p:cNvPr id="550441751" name="PlaceHolder 2"/>
           <p:cNvSpPr>
             <a:spLocks noGrp="1"/>
           </p:cNvSpPr>
@@ -1432,7 +1432,7 @@
       </p:sp>
       <p:sp>
         <p:nvSpPr>
-          <p:cNvPr id="260055515" name="PlaceHolder 3"/>
+          <p:cNvPr id="1442480079" name="PlaceHolder 3"/>
           <p:cNvSpPr>
             <a:spLocks noGrp="1"/>
           </p:cNvSpPr>
@@ -1457,7 +1457,7 @@
       </p:sp>
       <p:sp>
         <p:nvSpPr>
-          <p:cNvPr id="567602123" name="PlaceHolder 4"/>
+          <p:cNvPr id="1087686300" name="PlaceHolder 4"/>
           <p:cNvSpPr>
             <a:spLocks noGrp="1"/>
           </p:cNvSpPr>
@@ -1503,7 +1503,7 @@
       </p:grpSpPr>
       <p:sp>
         <p:nvSpPr>
-          <p:cNvPr id="76194792" name="PlaceHolder 1"/>
+          <p:cNvPr id="1100123117" name="PlaceHolder 1"/>
           <p:cNvSpPr>
             <a:spLocks noGrp="1"/>
           </p:cNvSpPr>
@@ -1544,7 +1544,7 @@
       </p:sp>
       <p:sp>
         <p:nvSpPr>
-          <p:cNvPr id="1192021586" name="PlaceHolder 2"/>
+          <p:cNvPr id="1406454655" name="PlaceHolder 2"/>
           <p:cNvSpPr>
             <a:spLocks noGrp="1"/>
           </p:cNvSpPr>
@@ -1588,7 +1588,7 @@
       </p:sp>
       <p:sp>
         <p:nvSpPr>
-          <p:cNvPr id="30992959" name="PlaceHolder 3"/>
+          <p:cNvPr id="779197760" name="PlaceHolder 3"/>
           <p:cNvSpPr>
             <a:spLocks noGrp="1"/>
           </p:cNvSpPr>
@@ -1632,7 +1632,7 @@
       </p:sp>
       <p:sp>
         <p:nvSpPr>
-          <p:cNvPr id="73296551" name="PlaceHolder 4"/>
+          <p:cNvPr id="1882176484" name="PlaceHolder 4"/>
           <p:cNvSpPr>
             <a:spLocks noGrp="1"/>
           </p:cNvSpPr>
@@ -1657,7 +1657,7 @@
       </p:sp>
       <p:sp>
         <p:nvSpPr>
-          <p:cNvPr id="1302691570" name="PlaceHolder 5"/>
+          <p:cNvPr id="1755552558" name="PlaceHolder 5"/>
           <p:cNvSpPr>
             <a:spLocks noGrp="1"/>
           </p:cNvSpPr>
@@ -1682,7 +1682,7 @@
       </p:sp>
       <p:sp>
         <p:nvSpPr>
-          <p:cNvPr id="1505918546" name="PlaceHolder 6"/>
+          <p:cNvPr id="1920771408" name="PlaceHolder 6"/>
           <p:cNvSpPr>
             <a:spLocks noGrp="1"/>
           </p:cNvSpPr>
@@ -1728,7 +1728,7 @@
       </p:grpSpPr>
       <p:sp>
         <p:nvSpPr>
-          <p:cNvPr id="1474340539" name="PlaceHolder 1"/>
+          <p:cNvPr id="1259649473" name="PlaceHolder 1"/>
           <p:cNvSpPr>
             <a:spLocks noGrp="1"/>
           </p:cNvSpPr>
@@ -1769,7 +1769,7 @@
       </p:sp>
       <p:sp>
         <p:nvSpPr>
-          <p:cNvPr id="580117448" name="PlaceHolder 2"/>
+          <p:cNvPr id="1327433382" name="PlaceHolder 2"/>
           <p:cNvSpPr>
             <a:spLocks noGrp="1"/>
           </p:cNvSpPr>
@@ -1813,7 +1813,7 @@
       </p:sp>
       <p:sp>
         <p:nvSpPr>
-          <p:cNvPr id="1569989792" name="PlaceHolder 3"/>
+          <p:cNvPr id="255622988" name="PlaceHolder 3"/>
           <p:cNvSpPr>
             <a:spLocks noGrp="1"/>
           </p:cNvSpPr>
@@ -1838,7 +1838,7 @@
       </p:sp>
       <p:sp>
         <p:nvSpPr>
-          <p:cNvPr id="1460922916" name="PlaceHolder 4"/>
+          <p:cNvPr id="151515838" name="PlaceHolder 4"/>
           <p:cNvSpPr>
             <a:spLocks noGrp="1"/>
           </p:cNvSpPr>
@@ -1863,7 +1863,7 @@
       </p:sp>
       <p:sp>
         <p:nvSpPr>
-          <p:cNvPr id="1424763312" name="PlaceHolder 5"/>
+          <p:cNvPr id="2076506614" name="PlaceHolder 5"/>
           <p:cNvSpPr>
             <a:spLocks noGrp="1"/>
           </p:cNvSpPr>
@@ -1909,7 +1909,7 @@
       </p:grpSpPr>
       <p:sp>
         <p:nvSpPr>
-          <p:cNvPr id="1945935382" name="PlaceHolder 1"/>
+          <p:cNvPr id="886940386" name="PlaceHolder 1"/>
           <p:cNvSpPr>
             <a:spLocks noGrp="1"/>
           </p:cNvSpPr>
@@ -1934,7 +1934,7 @@
       </p:sp>
       <p:sp>
         <p:nvSpPr>
-          <p:cNvPr id="1254795459" name="PlaceHolder 2"/>
+          <p:cNvPr id="1270679201" name="PlaceHolder 2"/>
           <p:cNvSpPr>
             <a:spLocks noGrp="1"/>
           </p:cNvSpPr>
@@ -1959,7 +1959,7 @@
       </p:sp>
       <p:sp>
         <p:nvSpPr>
-          <p:cNvPr id="146671660" name="PlaceHolder 3"/>
+          <p:cNvPr id="1940657540" name="PlaceHolder 3"/>
           <p:cNvSpPr>
             <a:spLocks noGrp="1"/>
           </p:cNvSpPr>
@@ -2005,7 +2005,7 @@
       </p:grpSpPr>
       <p:sp>
         <p:nvSpPr>
-          <p:cNvPr id="1279305618" name="PlaceHolder 1"/>
+          <p:cNvPr id="1345628573" name="PlaceHolder 1"/>
           <p:cNvSpPr>
             <a:spLocks noGrp="1"/>
           </p:cNvSpPr>
@@ -2030,7 +2030,7 @@
       </p:sp>
       <p:sp>
         <p:nvSpPr>
-          <p:cNvPr id="463646454" name="PlaceHolder 2"/>
+          <p:cNvPr id="1884080632" name="PlaceHolder 2"/>
           <p:cNvSpPr>
             <a:spLocks noGrp="1"/>
           </p:cNvSpPr>
@@ -2055,7 +2055,7 @@
       </p:sp>
       <p:sp>
         <p:nvSpPr>
-          <p:cNvPr id="1606917650" name="PlaceHolder 3"/>
+          <p:cNvPr id="702190052" name="PlaceHolder 3"/>
           <p:cNvSpPr>
             <a:spLocks noGrp="1"/>
           </p:cNvSpPr>
@@ -2101,7 +2101,7 @@
       </p:grpSpPr>
       <p:sp>
         <p:nvSpPr>
-          <p:cNvPr id="1600394755" name="PlaceHolder 1"/>
+          <p:cNvPr id="1642614640" name="PlaceHolder 1"/>
           <p:cNvSpPr>
             <a:spLocks noGrp="1"/>
           </p:cNvSpPr>
@@ -2142,7 +2142,7 @@
       </p:sp>
       <p:sp>
         <p:nvSpPr>
-          <p:cNvPr id="720235041" name="PlaceHolder 2"/>
+          <p:cNvPr id="1030536073" name="PlaceHolder 2"/>
           <p:cNvSpPr>
             <a:spLocks noGrp="1"/>
           </p:cNvSpPr>
@@ -2183,7 +2183,7 @@
       </p:sp>
       <p:sp>
         <p:nvSpPr>
-          <p:cNvPr id="1506897068" name="PlaceHolder 3"/>
+          <p:cNvPr id="1616666182" name="PlaceHolder 3"/>
           <p:cNvSpPr>
             <a:spLocks noGrp="1"/>
           </p:cNvSpPr>
@@ -2208,7 +2208,7 @@
       </p:sp>
       <p:sp>
         <p:nvSpPr>
-          <p:cNvPr id="569170869" name="PlaceHolder 4"/>
+          <p:cNvPr id="1020203232" name="PlaceHolder 4"/>
           <p:cNvSpPr>
             <a:spLocks noGrp="1"/>
           </p:cNvSpPr>
@@ -2233,7 +2233,7 @@
       </p:sp>
       <p:sp>
         <p:nvSpPr>
-          <p:cNvPr id="421993060" name="PlaceHolder 5"/>
+          <p:cNvPr id="1443182509" name="PlaceHolder 5"/>
           <p:cNvSpPr>
             <a:spLocks noGrp="1"/>
           </p:cNvSpPr>
@@ -2279,7 +2279,7 @@
       </p:grpSpPr>
       <p:sp>
         <p:nvSpPr>
-          <p:cNvPr id="146932699" name="PlaceHolder 1"/>
+          <p:cNvPr id="1737913637" name="PlaceHolder 1"/>
           <p:cNvSpPr>
             <a:spLocks noGrp="1"/>
           </p:cNvSpPr>
@@ -2320,7 +2320,7 @@
       </p:sp>
       <p:sp>
         <p:nvSpPr>
-          <p:cNvPr id="23955416" name="PlaceHolder 2"/>
+          <p:cNvPr id="1092264267" name="PlaceHolder 2"/>
           <p:cNvSpPr>
             <a:spLocks noGrp="1"/>
           </p:cNvSpPr>
@@ -2345,7 +2345,7 @@
       </p:sp>
       <p:sp>
         <p:nvSpPr>
-          <p:cNvPr id="1970857994" name="PlaceHolder 3"/>
+          <p:cNvPr id="249022453" name="PlaceHolder 3"/>
           <p:cNvSpPr>
             <a:spLocks noGrp="1"/>
           </p:cNvSpPr>
@@ -2370,7 +2370,7 @@
       </p:sp>
       <p:sp>
         <p:nvSpPr>
-          <p:cNvPr id="1295606869" name="PlaceHolder 4"/>
+          <p:cNvPr id="12791626" name="PlaceHolder 4"/>
           <p:cNvSpPr>
             <a:spLocks noGrp="1"/>
           </p:cNvSpPr>
@@ -2416,7 +2416,7 @@
       </p:grpSpPr>
       <p:sp>
         <p:nvSpPr>
-          <p:cNvPr id="1428020680" name="PlaceHolder 1"/>
+          <p:cNvPr id="1426443876" name="PlaceHolder 1"/>
           <p:cNvSpPr>
             <a:spLocks noGrp="1"/>
           </p:cNvSpPr>
@@ -2457,7 +2457,7 @@
       </p:sp>
       <p:sp>
         <p:nvSpPr>
-          <p:cNvPr id="1833479455" name="PlaceHolder 2"/>
+          <p:cNvPr id="1783873800" name="PlaceHolder 2"/>
           <p:cNvSpPr>
             <a:spLocks noGrp="1"/>
           </p:cNvSpPr>
@@ -2498,7 +2498,7 @@
       </p:sp>
       <p:sp>
         <p:nvSpPr>
-          <p:cNvPr id="346511542" name="PlaceHolder 3"/>
+          <p:cNvPr id="1151994372" name="PlaceHolder 3"/>
           <p:cNvSpPr>
             <a:spLocks noGrp="1"/>
           </p:cNvSpPr>
@@ -2523,7 +2523,7 @@
       </p:sp>
       <p:sp>
         <p:nvSpPr>
-          <p:cNvPr id="1956105050" name="PlaceHolder 4"/>
+          <p:cNvPr id="449073178" name="PlaceHolder 4"/>
           <p:cNvSpPr>
             <a:spLocks noGrp="1"/>
           </p:cNvSpPr>
@@ -2548,7 +2548,7 @@
       </p:sp>
       <p:sp>
         <p:nvSpPr>
-          <p:cNvPr id="315010625" name="PlaceHolder 5"/>
+          <p:cNvPr id="1001656924" name="PlaceHolder 5"/>
           <p:cNvSpPr>
             <a:spLocks noGrp="1"/>
           </p:cNvSpPr>
@@ -2594,7 +2594,7 @@
       </p:grpSpPr>
       <p:sp>
         <p:nvSpPr>
-          <p:cNvPr id="1441356585" name="PlaceHolder 1"/>
+          <p:cNvPr id="1536832790" name="PlaceHolder 1"/>
           <p:cNvSpPr>
             <a:spLocks noGrp="1"/>
           </p:cNvSpPr>
@@ -2619,7 +2619,7 @@
       </p:sp>
       <p:sp>
         <p:nvSpPr>
-          <p:cNvPr id="358693074" name="PlaceHolder 2"/>
+          <p:cNvPr id="1724099962" name="PlaceHolder 2"/>
           <p:cNvSpPr>
             <a:spLocks noGrp="1"/>
           </p:cNvSpPr>
@@ -2644,7 +2644,7 @@
       </p:sp>
       <p:sp>
         <p:nvSpPr>
-          <p:cNvPr id="1044742408" name="PlaceHolder 3"/>
+          <p:cNvPr id="1579501007" name="PlaceHolder 3"/>
           <p:cNvSpPr>
             <a:spLocks noGrp="1"/>
           </p:cNvSpPr>
@@ -2690,7 +2690,7 @@
       </p:grpSpPr>
       <p:sp>
         <p:nvSpPr>
-          <p:cNvPr id="18815376" name="PlaceHolder 1"/>
+          <p:cNvPr id="565563404" name="PlaceHolder 1"/>
           <p:cNvSpPr>
             <a:spLocks noGrp="1"/>
           </p:cNvSpPr>
@@ -2715,7 +2715,7 @@
       </p:sp>
       <p:sp>
         <p:nvSpPr>
-          <p:cNvPr id="417947719" name="PlaceHolder 2"/>
+          <p:cNvPr id="422874156" name="PlaceHolder 2"/>
           <p:cNvSpPr>
             <a:spLocks noGrp="1"/>
           </p:cNvSpPr>
@@ -2740,7 +2740,7 @@
       </p:sp>
       <p:sp>
         <p:nvSpPr>
-          <p:cNvPr id="1705273113" name="PlaceHolder 3"/>
+          <p:cNvPr id="2065465611" name="PlaceHolder 3"/>
           <p:cNvSpPr>
             <a:spLocks noGrp="1"/>
           </p:cNvSpPr>
@@ -2786,7 +2786,7 @@
       </p:grpSpPr>
       <p:sp>
         <p:nvSpPr>
-          <p:cNvPr id="265615614" name="PlaceHolder 1"/>
+          <p:cNvPr id="3632512" name="PlaceHolder 1"/>
           <p:cNvSpPr>
             <a:spLocks noGrp="1"/>
           </p:cNvSpPr>
@@ -2811,7 +2811,7 @@
       </p:sp>
       <p:sp>
         <p:nvSpPr>
-          <p:cNvPr id="1114563186" name="PlaceHolder 2"/>
+          <p:cNvPr id="1814429120" name="PlaceHolder 2"/>
           <p:cNvSpPr>
             <a:spLocks noGrp="1"/>
           </p:cNvSpPr>
@@ -2836,7 +2836,7 @@
       </p:sp>
       <p:sp>
         <p:nvSpPr>
-          <p:cNvPr id="61853543" name="PlaceHolder 3"/>
+          <p:cNvPr id="1048230210" name="PlaceHolder 3"/>
           <p:cNvSpPr>
             <a:spLocks noGrp="1"/>
           </p:cNvSpPr>
@@ -2882,7 +2882,7 @@
       </p:grpSpPr>
       <p:sp>
         <p:nvSpPr>
-          <p:cNvPr id="205550753" name="PlaceHolder 1"/>
+          <p:cNvPr id="1360302026" name="PlaceHolder 1"/>
           <p:cNvSpPr>
             <a:spLocks noGrp="1"/>
           </p:cNvSpPr>
@@ -2923,7 +2923,7 @@
       </p:sp>
       <p:sp>
         <p:nvSpPr>
-          <p:cNvPr id="909895427" name="PlaceHolder 2"/>
+          <p:cNvPr id="1702141781" name="PlaceHolder 2"/>
           <p:cNvSpPr>
             <a:spLocks noGrp="1"/>
           </p:cNvSpPr>
@@ -2967,7 +2967,7 @@
       </p:sp>
       <p:sp>
         <p:nvSpPr>
-          <p:cNvPr id="1752909497" name="PlaceHolder 3"/>
+          <p:cNvPr id="1582301579" name="PlaceHolder 3"/>
           <p:cNvSpPr>
             <a:spLocks noGrp="1"/>
           </p:cNvSpPr>
@@ -2992,7 +2992,7 @@
       </p:sp>
       <p:sp>
         <p:nvSpPr>
-          <p:cNvPr id="1138050094" name="PlaceHolder 4"/>
+          <p:cNvPr id="1564774791" name="PlaceHolder 4"/>
           <p:cNvSpPr>
             <a:spLocks noGrp="1"/>
           </p:cNvSpPr>
@@ -3017,7 +3017,7 @@
       </p:sp>
       <p:sp>
         <p:nvSpPr>
-          <p:cNvPr id="1874196728" name="PlaceHolder 5"/>
+          <p:cNvPr id="782661697" name="PlaceHolder 5"/>
           <p:cNvSpPr>
             <a:spLocks noGrp="1"/>
           </p:cNvSpPr>
@@ -3063,7 +3063,7 @@
       </p:grpSpPr>
       <p:sp>
         <p:nvSpPr>
-          <p:cNvPr id="960426159" name="PlaceHolder 1"/>
+          <p:cNvPr id="18742266" name="PlaceHolder 1"/>
           <p:cNvSpPr>
             <a:spLocks noGrp="1"/>
           </p:cNvSpPr>
@@ -3104,7 +3104,7 @@
       </p:sp>
       <p:sp>
         <p:nvSpPr>
-          <p:cNvPr id="816404568" name="PlaceHolder 2"/>
+          <p:cNvPr id="1947978171" name="PlaceHolder 2"/>
           <p:cNvSpPr>
             <a:spLocks noGrp="1"/>
           </p:cNvSpPr>
@@ -3148,7 +3148,7 @@
       </p:sp>
       <p:sp>
         <p:nvSpPr>
-          <p:cNvPr id="544948897" name="PlaceHolder 3"/>
+          <p:cNvPr id="1796967405" name="PlaceHolder 3"/>
           <p:cNvSpPr>
             <a:spLocks noGrp="1"/>
           </p:cNvSpPr>
@@ -3192,7 +3192,7 @@
       </p:sp>
       <p:sp>
         <p:nvSpPr>
-          <p:cNvPr id="975654270" name="PlaceHolder 4"/>
+          <p:cNvPr id="30555464" name="PlaceHolder 4"/>
           <p:cNvSpPr>
             <a:spLocks noGrp="1"/>
           </p:cNvSpPr>
@@ -3217,7 +3217,7 @@
       </p:sp>
       <p:sp>
         <p:nvSpPr>
-          <p:cNvPr id="789656261" name="PlaceHolder 5"/>
+          <p:cNvPr id="1735999097" name="PlaceHolder 5"/>
           <p:cNvSpPr>
             <a:spLocks noGrp="1"/>
           </p:cNvSpPr>
@@ -3242,7 +3242,7 @@
       </p:sp>
       <p:sp>
         <p:nvSpPr>
-          <p:cNvPr id="806077126" name="PlaceHolder 6"/>
+          <p:cNvPr id="321489029" name="PlaceHolder 6"/>
           <p:cNvSpPr>
             <a:spLocks noGrp="1"/>
           </p:cNvSpPr>
@@ -3288,7 +3288,7 @@
       </p:grpSpPr>
       <p:sp>
         <p:nvSpPr>
-          <p:cNvPr id="607574056" name="PlaceHolder 1"/>
+          <p:cNvPr id="1197184180" name="PlaceHolder 1"/>
           <p:cNvSpPr>
             <a:spLocks noGrp="1"/>
           </p:cNvSpPr>
@@ -3329,7 +3329,7 @@
       </p:sp>
       <p:sp>
         <p:nvSpPr>
-          <p:cNvPr id="1709451830" name="PlaceHolder 2"/>
+          <p:cNvPr id="619530078" name="PlaceHolder 2"/>
           <p:cNvSpPr>
             <a:spLocks noGrp="1"/>
           </p:cNvSpPr>
@@ -3354,7 +3354,7 @@
       </p:sp>
       <p:sp>
         <p:nvSpPr>
-          <p:cNvPr id="1486936568" name="PlaceHolder 3"/>
+          <p:cNvPr id="1068042428" name="PlaceHolder 3"/>
           <p:cNvSpPr>
             <a:spLocks noGrp="1"/>
           </p:cNvSpPr>
@@ -3379,7 +3379,7 @@
       </p:sp>
       <p:sp>
         <p:nvSpPr>
-          <p:cNvPr id="210112432" name="PlaceHolder 4"/>
+          <p:cNvPr id="643427274" name="PlaceHolder 4"/>
           <p:cNvSpPr>
             <a:spLocks noGrp="1"/>
           </p:cNvSpPr>
@@ -3425,7 +3425,7 @@
       </p:grpSpPr>
       <p:sp>
         <p:nvSpPr>
-          <p:cNvPr id="868077313" name="PlaceHolder 1"/>
+          <p:cNvPr id="854526547" name="PlaceHolder 1"/>
           <p:cNvSpPr>
             <a:spLocks noGrp="1"/>
           </p:cNvSpPr>
@@ -3466,7 +3466,7 @@
       </p:sp>
       <p:sp>
         <p:nvSpPr>
-          <p:cNvPr id="1075841051" name="PlaceHolder 2"/>
+          <p:cNvPr id="972388491" name="PlaceHolder 2"/>
           <p:cNvSpPr>
             <a:spLocks noGrp="1"/>
           </p:cNvSpPr>
@@ -3510,7 +3510,7 @@
       </p:sp>
       <p:sp>
         <p:nvSpPr>
-          <p:cNvPr id="842828607" name="PlaceHolder 3"/>
+          <p:cNvPr id="1714135155" name="PlaceHolder 3"/>
           <p:cNvSpPr>
             <a:spLocks noGrp="1"/>
           </p:cNvSpPr>
@@ -3554,7 +3554,7 @@
       </p:sp>
       <p:sp>
         <p:nvSpPr>
-          <p:cNvPr id="1063627823" name="PlaceHolder 4"/>
+          <p:cNvPr id="1211990661" name="PlaceHolder 4"/>
           <p:cNvSpPr>
             <a:spLocks noGrp="1"/>
           </p:cNvSpPr>
@@ -3579,7 +3579,7 @@
       </p:sp>
       <p:sp>
         <p:nvSpPr>
-          <p:cNvPr id="852174851" name="PlaceHolder 5"/>
+          <p:cNvPr id="1668073052" name="PlaceHolder 5"/>
           <p:cNvSpPr>
             <a:spLocks noGrp="1"/>
           </p:cNvSpPr>
@@ -3604,7 +3604,7 @@
       </p:sp>
       <p:sp>
         <p:nvSpPr>
-          <p:cNvPr id="266827316" name="PlaceHolder 6"/>
+          <p:cNvPr id="780346287" name="PlaceHolder 6"/>
           <p:cNvSpPr>
             <a:spLocks noGrp="1"/>
           </p:cNvSpPr>
@@ -3650,7 +3650,7 @@
       </p:grpSpPr>
       <p:sp>
         <p:nvSpPr>
-          <p:cNvPr id="658173554" name="PlaceHolder 1"/>
+          <p:cNvPr id="1396276134" name="PlaceHolder 1"/>
           <p:cNvSpPr>
             <a:spLocks noGrp="1"/>
           </p:cNvSpPr>
@@ -3691,7 +3691,7 @@
       </p:sp>
       <p:sp>
         <p:nvSpPr>
-          <p:cNvPr id="1411886800" name="PlaceHolder 2"/>
+          <p:cNvPr id="1811498752" name="PlaceHolder 2"/>
           <p:cNvSpPr>
             <a:spLocks noGrp="1"/>
           </p:cNvSpPr>
@@ -3735,7 +3735,7 @@
       </p:sp>
       <p:sp>
         <p:nvSpPr>
-          <p:cNvPr id="1934786877" name="PlaceHolder 3"/>
+          <p:cNvPr id="1151440882" name="PlaceHolder 3"/>
           <p:cNvSpPr>
             <a:spLocks noGrp="1"/>
           </p:cNvSpPr>
@@ -3760,7 +3760,7 @@
       </p:sp>
       <p:sp>
         <p:nvSpPr>
-          <p:cNvPr id="808879606" name="PlaceHolder 4"/>
+          <p:cNvPr id="2004631401" name="PlaceHolder 4"/>
           <p:cNvSpPr>
             <a:spLocks noGrp="1"/>
           </p:cNvSpPr>
@@ -3785,7 +3785,7 @@
       </p:sp>
       <p:sp>
         <p:nvSpPr>
-          <p:cNvPr id="790717113" name="PlaceHolder 5"/>
+          <p:cNvPr id="1043165940" name="PlaceHolder 5"/>
           <p:cNvSpPr>
             <a:spLocks noGrp="1"/>
           </p:cNvSpPr>
@@ -3831,7 +3831,7 @@
       </p:grpSpPr>
       <p:sp>
         <p:nvSpPr>
-          <p:cNvPr id="577489716" name="PlaceHolder 1"/>
+          <p:cNvPr id="241183177" name="PlaceHolder 1"/>
           <p:cNvSpPr>
             <a:spLocks noGrp="1"/>
           </p:cNvSpPr>
@@ -3856,7 +3856,7 @@
       </p:sp>
       <p:sp>
         <p:nvSpPr>
-          <p:cNvPr id="700952550" name="PlaceHolder 2"/>
+          <p:cNvPr id="1198710351" name="PlaceHolder 2"/>
           <p:cNvSpPr>
             <a:spLocks noGrp="1"/>
           </p:cNvSpPr>
@@ -3881,7 +3881,7 @@
       </p:sp>
       <p:sp>
         <p:nvSpPr>
-          <p:cNvPr id="90206442" name="PlaceHolder 3"/>
+          <p:cNvPr id="1942676892" name="PlaceHolder 3"/>
           <p:cNvSpPr>
             <a:spLocks noGrp="1"/>
           </p:cNvSpPr>
@@ -3927,7 +3927,7 @@
       </p:grpSpPr>
       <p:sp>
         <p:nvSpPr>
-          <p:cNvPr id="976227716" name="PlaceHolder 1"/>
+          <p:cNvPr id="2146620481" name="PlaceHolder 1"/>
           <p:cNvSpPr>
             <a:spLocks noGrp="1"/>
           </p:cNvSpPr>
@@ -3952,7 +3952,7 @@
       </p:sp>
       <p:sp>
         <p:nvSpPr>
-          <p:cNvPr id="1536908591" name="PlaceHolder 2"/>
+          <p:cNvPr id="391069875" name="PlaceHolder 2"/>
           <p:cNvSpPr>
             <a:spLocks noGrp="1"/>
           </p:cNvSpPr>
@@ -3977,7 +3977,7 @@
       </p:sp>
       <p:sp>
         <p:nvSpPr>
-          <p:cNvPr id="207223138" name="PlaceHolder 3"/>
+          <p:cNvPr id="2105040866" name="PlaceHolder 3"/>
           <p:cNvSpPr>
             <a:spLocks noGrp="1"/>
           </p:cNvSpPr>
@@ -4023,7 +4023,7 @@
       </p:grpSpPr>
       <p:sp>
         <p:nvSpPr>
-          <p:cNvPr id="785895058" name="PlaceHolder 1"/>
+          <p:cNvPr id="703149319" name="PlaceHolder 1"/>
           <p:cNvSpPr>
             <a:spLocks noGrp="1"/>
           </p:cNvSpPr>
@@ -4064,7 +4064,7 @@
       </p:sp>
       <p:sp>
         <p:nvSpPr>
-          <p:cNvPr id="2093028475" name="PlaceHolder 2"/>
+          <p:cNvPr id="2011077963" name="PlaceHolder 2"/>
           <p:cNvSpPr>
             <a:spLocks noGrp="1"/>
           </p:cNvSpPr>
@@ -4105,7 +4105,7 @@
       </p:sp>
       <p:sp>
         <p:nvSpPr>
-          <p:cNvPr id="1514788242" name="PlaceHolder 3"/>
+          <p:cNvPr id="1561828414" name="PlaceHolder 3"/>
           <p:cNvSpPr>
             <a:spLocks noGrp="1"/>
           </p:cNvSpPr>
@@ -4130,7 +4130,7 @@
       </p:sp>
       <p:sp>
         <p:nvSpPr>
-          <p:cNvPr id="1164930308" name="PlaceHolder 4"/>
+          <p:cNvPr id="480526517" name="PlaceHolder 4"/>
           <p:cNvSpPr>
             <a:spLocks noGrp="1"/>
           </p:cNvSpPr>
@@ -4155,7 +4155,7 @@
       </p:sp>
       <p:sp>
         <p:nvSpPr>
-          <p:cNvPr id="745510709" name="PlaceHolder 5"/>
+          <p:cNvPr id="486911705" name="PlaceHolder 5"/>
           <p:cNvSpPr>
             <a:spLocks noGrp="1"/>
           </p:cNvSpPr>
@@ -4201,7 +4201,7 @@
       </p:grpSpPr>
       <p:sp>
         <p:nvSpPr>
-          <p:cNvPr id="157626879" name="PlaceHolder 1"/>
+          <p:cNvPr id="717280721" name="PlaceHolder 1"/>
           <p:cNvSpPr>
             <a:spLocks noGrp="1"/>
           </p:cNvSpPr>
@@ -4242,7 +4242,7 @@
       </p:sp>
       <p:sp>
         <p:nvSpPr>
-          <p:cNvPr id="1704428866" name="PlaceHolder 2"/>
+          <p:cNvPr id="453956808" name="PlaceHolder 2"/>
           <p:cNvSpPr>
             <a:spLocks noGrp="1"/>
           </p:cNvSpPr>
@@ -4267,7 +4267,7 @@
       </p:sp>
       <p:sp>
         <p:nvSpPr>
-          <p:cNvPr id="881778645" name="PlaceHolder 3"/>
+          <p:cNvPr id="1408625716" name="PlaceHolder 3"/>
           <p:cNvSpPr>
             <a:spLocks noGrp="1"/>
           </p:cNvSpPr>
@@ -4292,7 +4292,7 @@
       </p:sp>
       <p:sp>
         <p:nvSpPr>
-          <p:cNvPr id="2084337255" name="PlaceHolder 4"/>
+          <p:cNvPr id="1397788899" name="PlaceHolder 4"/>
           <p:cNvSpPr>
             <a:spLocks noGrp="1"/>
           </p:cNvSpPr>
@@ -4338,7 +4338,7 @@
       </p:grpSpPr>
       <p:sp>
         <p:nvSpPr>
-          <p:cNvPr id="1714779116" name="PlaceHolder 1"/>
+          <p:cNvPr id="409802007" name="PlaceHolder 1"/>
           <p:cNvSpPr>
             <a:spLocks noGrp="1"/>
           </p:cNvSpPr>
@@ -4379,7 +4379,7 @@
       </p:sp>
       <p:sp>
         <p:nvSpPr>
-          <p:cNvPr id="585716670" name="PlaceHolder 2"/>
+          <p:cNvPr id="1480885029" name="PlaceHolder 2"/>
           <p:cNvSpPr>
             <a:spLocks noGrp="1"/>
           </p:cNvSpPr>
@@ -4423,7 +4423,7 @@
       </p:sp>
       <p:sp>
         <p:nvSpPr>
-          <p:cNvPr id="625613519" name="PlaceHolder 3"/>
+          <p:cNvPr id="1523505338" name="PlaceHolder 3"/>
           <p:cNvSpPr>
             <a:spLocks noGrp="1"/>
           </p:cNvSpPr>
@@ -4467,7 +4467,7 @@
       </p:sp>
       <p:sp>
         <p:nvSpPr>
-          <p:cNvPr id="1615066333" name="PlaceHolder 4"/>
+          <p:cNvPr id="1988980712" name="PlaceHolder 4"/>
           <p:cNvSpPr>
             <a:spLocks noGrp="1"/>
           </p:cNvSpPr>
@@ -4492,7 +4492,7 @@
       </p:sp>
       <p:sp>
         <p:nvSpPr>
-          <p:cNvPr id="70076864" name="PlaceHolder 5"/>
+          <p:cNvPr id="1449403916" name="PlaceHolder 5"/>
           <p:cNvSpPr>
             <a:spLocks noGrp="1"/>
           </p:cNvSpPr>
@@ -4517,7 +4517,7 @@
       </p:sp>
       <p:sp>
         <p:nvSpPr>
-          <p:cNvPr id="332283831" name="PlaceHolder 6"/>
+          <p:cNvPr id="1164746479" name="PlaceHolder 6"/>
           <p:cNvSpPr>
             <a:spLocks noGrp="1"/>
           </p:cNvSpPr>
@@ -4563,7 +4563,7 @@
       </p:grpSpPr>
       <p:sp>
         <p:nvSpPr>
-          <p:cNvPr id="1682917453" name="PlaceHolder 1"/>
+          <p:cNvPr id="1234339073" name="PlaceHolder 1"/>
           <p:cNvSpPr>
             <a:spLocks noGrp="1"/>
           </p:cNvSpPr>
@@ -4588,7 +4588,7 @@
       </p:sp>
       <p:sp>
         <p:nvSpPr>
-          <p:cNvPr id="403932111" name="PlaceHolder 2"/>
+          <p:cNvPr id="887150335" name="PlaceHolder 2"/>
           <p:cNvSpPr>
             <a:spLocks noGrp="1"/>
           </p:cNvSpPr>
@@ -4613,7 +4613,7 @@
       </p:sp>
       <p:sp>
         <p:nvSpPr>
-          <p:cNvPr id="929027658" name="PlaceHolder 3"/>
+          <p:cNvPr id="1361432764" name="PlaceHolder 3"/>
           <p:cNvSpPr>
             <a:spLocks noGrp="1"/>
           </p:cNvSpPr>
@@ -4659,7 +4659,7 @@
       </p:grpSpPr>
       <p:sp>
         <p:nvSpPr>
-          <p:cNvPr id="789328564" name="PlaceHolder 1"/>
+          <p:cNvPr id="1113674937" name="PlaceHolder 1"/>
           <p:cNvSpPr>
             <a:spLocks noGrp="1"/>
           </p:cNvSpPr>
@@ -4700,7 +4700,7 @@
       </p:sp>
       <p:sp>
         <p:nvSpPr>
-          <p:cNvPr id="1585180106" name="PlaceHolder 2"/>
+          <p:cNvPr id="773877702" name="PlaceHolder 2"/>
           <p:cNvSpPr>
             <a:spLocks noGrp="1"/>
           </p:cNvSpPr>
@@ -4744,7 +4744,7 @@
       </p:sp>
       <p:sp>
         <p:nvSpPr>
-          <p:cNvPr id="1982604564" name="PlaceHolder 3"/>
+          <p:cNvPr id="1342162041" name="PlaceHolder 3"/>
           <p:cNvSpPr>
             <a:spLocks noGrp="1"/>
           </p:cNvSpPr>
@@ -4769,7 +4769,7 @@
       </p:sp>
       <p:sp>
         <p:nvSpPr>
-          <p:cNvPr id="389774672" name="PlaceHolder 4"/>
+          <p:cNvPr id="1104677175" name="PlaceHolder 4"/>
           <p:cNvSpPr>
             <a:spLocks noGrp="1"/>
           </p:cNvSpPr>
@@ -4794,7 +4794,7 @@
       </p:sp>
       <p:sp>
         <p:nvSpPr>
-          <p:cNvPr id="2115954368" name="PlaceHolder 5"/>
+          <p:cNvPr id="248331316" name="PlaceHolder 5"/>
           <p:cNvSpPr>
             <a:spLocks noGrp="1"/>
           </p:cNvSpPr>
@@ -4840,7 +4840,7 @@
       </p:grpSpPr>
       <p:sp>
         <p:nvSpPr>
-          <p:cNvPr id="564197892" name="PlaceHolder 1"/>
+          <p:cNvPr id="75804360" name="PlaceHolder 1"/>
           <p:cNvSpPr>
             <a:spLocks noGrp="1"/>
           </p:cNvSpPr>
@@ -4865,7 +4865,7 @@
       </p:sp>
       <p:sp>
         <p:nvSpPr>
-          <p:cNvPr id="1320860230" name="PlaceHolder 2"/>
+          <p:cNvPr id="53365607" name="PlaceHolder 2"/>
           <p:cNvSpPr>
             <a:spLocks noGrp="1"/>
           </p:cNvSpPr>
@@ -4890,7 +4890,7 @@
       </p:sp>
       <p:sp>
         <p:nvSpPr>
-          <p:cNvPr id="91041483" name="PlaceHolder 3"/>
+          <p:cNvPr id="824427307" name="PlaceHolder 3"/>
           <p:cNvSpPr>
             <a:spLocks noGrp="1"/>
           </p:cNvSpPr>
@@ -4936,7 +4936,7 @@
       </p:grpSpPr>
       <p:sp>
         <p:nvSpPr>
-          <p:cNvPr id="190327475" name="PlaceHolder 1"/>
+          <p:cNvPr id="446587832" name="PlaceHolder 1"/>
           <p:cNvSpPr>
             <a:spLocks noGrp="1"/>
           </p:cNvSpPr>
@@ -4961,7 +4961,7 @@
       </p:sp>
       <p:sp>
         <p:nvSpPr>
-          <p:cNvPr id="1207809500" name="PlaceHolder 2"/>
+          <p:cNvPr id="1807883023" name="PlaceHolder 2"/>
           <p:cNvSpPr>
             <a:spLocks noGrp="1"/>
           </p:cNvSpPr>
@@ -4986,7 +4986,7 @@
       </p:sp>
       <p:sp>
         <p:nvSpPr>
-          <p:cNvPr id="653887048" name="PlaceHolder 3"/>
+          <p:cNvPr id="978719652" name="PlaceHolder 3"/>
           <p:cNvSpPr>
             <a:spLocks noGrp="1"/>
           </p:cNvSpPr>
@@ -5032,7 +5032,7 @@
       </p:grpSpPr>
       <p:sp>
         <p:nvSpPr>
-          <p:cNvPr id="702776372" name="PlaceHolder 1"/>
+          <p:cNvPr id="1355712813" name="PlaceHolder 1"/>
           <p:cNvSpPr>
             <a:spLocks noGrp="1"/>
           </p:cNvSpPr>
@@ -5073,7 +5073,7 @@
       </p:sp>
       <p:sp>
         <p:nvSpPr>
-          <p:cNvPr id="1930777734" name="PlaceHolder 2"/>
+          <p:cNvPr id="686453828" name="PlaceHolder 2"/>
           <p:cNvSpPr>
             <a:spLocks noGrp="1"/>
           </p:cNvSpPr>
@@ -5114,7 +5114,7 @@
       </p:sp>
       <p:sp>
         <p:nvSpPr>
-          <p:cNvPr id="1628798356" name="PlaceHolder 3"/>
+          <p:cNvPr id="216531317" name="PlaceHolder 3"/>
           <p:cNvSpPr>
             <a:spLocks noGrp="1"/>
           </p:cNvSpPr>
@@ -5139,7 +5139,7 @@
       </p:sp>
       <p:sp>
         <p:nvSpPr>
-          <p:cNvPr id="816695041" name="PlaceHolder 4"/>
+          <p:cNvPr id="745699113" name="PlaceHolder 4"/>
           <p:cNvSpPr>
             <a:spLocks noGrp="1"/>
           </p:cNvSpPr>
@@ -5164,7 +5164,7 @@
       </p:sp>
       <p:sp>
         <p:nvSpPr>
-          <p:cNvPr id="58345864" name="PlaceHolder 5"/>
+          <p:cNvPr id="534725845" name="PlaceHolder 5"/>
           <p:cNvSpPr>
             <a:spLocks noGrp="1"/>
           </p:cNvSpPr>
@@ -5210,7 +5210,7 @@
       </p:grpSpPr>
       <p:sp>
         <p:nvSpPr>
-          <p:cNvPr id="927582994" name="PlaceHolder 1"/>
+          <p:cNvPr id="1134516538" name="PlaceHolder 1"/>
           <p:cNvSpPr>
             <a:spLocks noGrp="1"/>
           </p:cNvSpPr>
@@ -5251,7 +5251,7 @@
       </p:sp>
       <p:sp>
         <p:nvSpPr>
-          <p:cNvPr id="113967692" name="PlaceHolder 2"/>
+          <p:cNvPr id="9530541" name="PlaceHolder 2"/>
           <p:cNvSpPr>
             <a:spLocks noGrp="1"/>
           </p:cNvSpPr>
@@ -5276,7 +5276,7 @@
       </p:sp>
       <p:sp>
         <p:nvSpPr>
-          <p:cNvPr id="2085902251" name="PlaceHolder 3"/>
+          <p:cNvPr id="778278989" name="PlaceHolder 3"/>
           <p:cNvSpPr>
             <a:spLocks noGrp="1"/>
           </p:cNvSpPr>
@@ -5301,7 +5301,7 @@
       </p:sp>
       <p:sp>
         <p:nvSpPr>
-          <p:cNvPr id="305272158" name="PlaceHolder 4"/>
+          <p:cNvPr id="808561348" name="PlaceHolder 4"/>
           <p:cNvSpPr>
             <a:spLocks noGrp="1"/>
           </p:cNvSpPr>
@@ -5347,7 +5347,7 @@
       </p:grpSpPr>
       <p:sp>
         <p:nvSpPr>
-          <p:cNvPr id="2001404733" name="PlaceHolder 1"/>
+          <p:cNvPr id="332666684" name="PlaceHolder 1"/>
           <p:cNvSpPr>
             <a:spLocks noGrp="1"/>
           </p:cNvSpPr>
@@ -5388,7 +5388,7 @@
       </p:sp>
       <p:sp>
         <p:nvSpPr>
-          <p:cNvPr id="2117036442" name="PlaceHolder 2"/>
+          <p:cNvPr id="1543361849" name="PlaceHolder 2"/>
           <p:cNvSpPr>
             <a:spLocks noGrp="1"/>
           </p:cNvSpPr>
@@ -5432,7 +5432,7 @@
       </p:sp>
       <p:sp>
         <p:nvSpPr>
-          <p:cNvPr id="838986098" name="PlaceHolder 3"/>
+          <p:cNvPr id="1418833243" name="PlaceHolder 3"/>
           <p:cNvSpPr>
             <a:spLocks noGrp="1"/>
           </p:cNvSpPr>
@@ -5476,7 +5476,7 @@
       </p:sp>
       <p:sp>
         <p:nvSpPr>
-          <p:cNvPr id="447476326" name="PlaceHolder 4"/>
+          <p:cNvPr id="1190403033" name="PlaceHolder 4"/>
           <p:cNvSpPr>
             <a:spLocks noGrp="1"/>
           </p:cNvSpPr>
@@ -5501,7 +5501,7 @@
       </p:sp>
       <p:sp>
         <p:nvSpPr>
-          <p:cNvPr id="1956829730" name="PlaceHolder 5"/>
+          <p:cNvPr id="173674150" name="PlaceHolder 5"/>
           <p:cNvSpPr>
             <a:spLocks noGrp="1"/>
           </p:cNvSpPr>
@@ -5526,7 +5526,7 @@
       </p:sp>
       <p:sp>
         <p:nvSpPr>
-          <p:cNvPr id="1991476733" name="PlaceHolder 6"/>
+          <p:cNvPr id="972840609" name="PlaceHolder 6"/>
           <p:cNvSpPr>
             <a:spLocks noGrp="1"/>
           </p:cNvSpPr>
@@ -5572,7 +5572,7 @@
       </p:grpSpPr>
       <p:sp>
         <p:nvSpPr>
-          <p:cNvPr id="988095012" name="PlaceHolder 1"/>
+          <p:cNvPr id="1509290213" name="PlaceHolder 1"/>
           <p:cNvSpPr>
             <a:spLocks noGrp="1"/>
           </p:cNvSpPr>
@@ -5613,7 +5613,7 @@
       </p:sp>
       <p:sp>
         <p:nvSpPr>
-          <p:cNvPr id="1898148272" name="PlaceHolder 2"/>
+          <p:cNvPr id="1154188411" name="PlaceHolder 2"/>
           <p:cNvSpPr>
             <a:spLocks noGrp="1"/>
           </p:cNvSpPr>
@@ -5657,7 +5657,7 @@
       </p:sp>
       <p:sp>
         <p:nvSpPr>
-          <p:cNvPr id="1264118901" name="PlaceHolder 3"/>
+          <p:cNvPr id="1491124438" name="PlaceHolder 3"/>
           <p:cNvSpPr>
             <a:spLocks noGrp="1"/>
           </p:cNvSpPr>
@@ -5682,7 +5682,7 @@
       </p:sp>
       <p:sp>
         <p:nvSpPr>
-          <p:cNvPr id="1358175515" name="PlaceHolder 4"/>
+          <p:cNvPr id="1159201946" name="PlaceHolder 4"/>
           <p:cNvSpPr>
             <a:spLocks noGrp="1"/>
           </p:cNvSpPr>
@@ -5707,7 +5707,7 @@
       </p:sp>
       <p:sp>
         <p:nvSpPr>
-          <p:cNvPr id="1086169949" name="PlaceHolder 5"/>
+          <p:cNvPr id="1147591549" name="PlaceHolder 5"/>
           <p:cNvSpPr>
             <a:spLocks noGrp="1"/>
           </p:cNvSpPr>
@@ -5753,7 +5753,7 @@
       </p:grpSpPr>
       <p:sp>
         <p:nvSpPr>
-          <p:cNvPr id="6755073" name="PlaceHolder 1"/>
+          <p:cNvPr id="420313987" name="PlaceHolder 1"/>
           <p:cNvSpPr>
             <a:spLocks noGrp="1"/>
           </p:cNvSpPr>
@@ -5778,7 +5778,7 @@
       </p:sp>
       <p:sp>
         <p:nvSpPr>
-          <p:cNvPr id="1752572107" name="PlaceHolder 2"/>
+          <p:cNvPr id="1467312713" name="PlaceHolder 2"/>
           <p:cNvSpPr>
             <a:spLocks noGrp="1"/>
           </p:cNvSpPr>
@@ -5803,7 +5803,7 @@
       </p:sp>
       <p:sp>
         <p:nvSpPr>
-          <p:cNvPr id="1993549169" name="PlaceHolder 3"/>
+          <p:cNvPr id="1647268769" name="PlaceHolder 3"/>
           <p:cNvSpPr>
             <a:spLocks noGrp="1"/>
           </p:cNvSpPr>
@@ -5849,7 +5849,7 @@
       </p:grpSpPr>
       <p:sp>
         <p:nvSpPr>
-          <p:cNvPr id="1300390939" name="PlaceHolder 1"/>
+          <p:cNvPr id="1694637567" name="PlaceHolder 1"/>
           <p:cNvSpPr>
             <a:spLocks noGrp="1"/>
           </p:cNvSpPr>
@@ -5874,7 +5874,7 @@
       </p:sp>
       <p:sp>
         <p:nvSpPr>
-          <p:cNvPr id="1653686366" name="PlaceHolder 2"/>
+          <p:cNvPr id="1443721395" name="PlaceHolder 2"/>
           <p:cNvSpPr>
             <a:spLocks noGrp="1"/>
           </p:cNvSpPr>
@@ -5899,7 +5899,7 @@
       </p:sp>
       <p:sp>
         <p:nvSpPr>
-          <p:cNvPr id="609393802" name="PlaceHolder 3"/>
+          <p:cNvPr id="1077644612" name="PlaceHolder 3"/>
           <p:cNvSpPr>
             <a:spLocks noGrp="1"/>
           </p:cNvSpPr>
@@ -5945,7 +5945,7 @@
       </p:grpSpPr>
       <p:sp>
         <p:nvSpPr>
-          <p:cNvPr id="1853061988" name="PlaceHolder 1"/>
+          <p:cNvPr id="1180881743" name="PlaceHolder 1"/>
           <p:cNvSpPr>
             <a:spLocks noGrp="1"/>
           </p:cNvSpPr>
@@ -5986,7 +5986,7 @@
       </p:sp>
       <p:sp>
         <p:nvSpPr>
-          <p:cNvPr id="1669969766" name="PlaceHolder 2"/>
+          <p:cNvPr id="1369149555" name="PlaceHolder 2"/>
           <p:cNvSpPr>
             <a:spLocks noGrp="1"/>
           </p:cNvSpPr>
@@ -6027,7 +6027,7 @@
       </p:sp>
       <p:sp>
         <p:nvSpPr>
-          <p:cNvPr id="1552559790" name="PlaceHolder 3"/>
+          <p:cNvPr id="2125917626" name="PlaceHolder 3"/>
           <p:cNvSpPr>
             <a:spLocks noGrp="1"/>
           </p:cNvSpPr>
@@ -6052,7 +6052,7 @@
       </p:sp>
       <p:sp>
         <p:nvSpPr>
-          <p:cNvPr id="1252933800" name="PlaceHolder 4"/>
+          <p:cNvPr id="1146634951" name="PlaceHolder 4"/>
           <p:cNvSpPr>
             <a:spLocks noGrp="1"/>
           </p:cNvSpPr>
@@ -6077,7 +6077,7 @@
       </p:sp>
       <p:sp>
         <p:nvSpPr>
-          <p:cNvPr id="1028386143" name="PlaceHolder 5"/>
+          <p:cNvPr id="779497104" name="PlaceHolder 5"/>
           <p:cNvSpPr>
             <a:spLocks noGrp="1"/>
           </p:cNvSpPr>
@@ -6123,7 +6123,7 @@
       </p:grpSpPr>
       <p:sp>
         <p:nvSpPr>
-          <p:cNvPr id="1982488646" name="PlaceHolder 1"/>
+          <p:cNvPr id="2007436734" name="PlaceHolder 1"/>
           <p:cNvSpPr>
             <a:spLocks noGrp="1"/>
           </p:cNvSpPr>
@@ -6164,7 +6164,7 @@
       </p:sp>
       <p:sp>
         <p:nvSpPr>
-          <p:cNvPr id="855570107" name="PlaceHolder 2"/>
+          <p:cNvPr id="1469696356" name="PlaceHolder 2"/>
           <p:cNvSpPr>
             <a:spLocks noGrp="1"/>
           </p:cNvSpPr>
@@ -6208,7 +6208,7 @@
       </p:sp>
       <p:sp>
         <p:nvSpPr>
-          <p:cNvPr id="34397956" name="PlaceHolder 3"/>
+          <p:cNvPr id="1886692735" name="PlaceHolder 3"/>
           <p:cNvSpPr>
             <a:spLocks noGrp="1"/>
           </p:cNvSpPr>
@@ -6233,7 +6233,7 @@
       </p:sp>
       <p:sp>
         <p:nvSpPr>
-          <p:cNvPr id="1846062816" name="PlaceHolder 4"/>
+          <p:cNvPr id="626807738" name="PlaceHolder 4"/>
           <p:cNvSpPr>
             <a:spLocks noGrp="1"/>
           </p:cNvSpPr>
@@ -6258,7 +6258,7 @@
       </p:sp>
       <p:sp>
         <p:nvSpPr>
-          <p:cNvPr id="1319758832" name="PlaceHolder 5"/>
+          <p:cNvPr id="1018044723" name="PlaceHolder 5"/>
           <p:cNvSpPr>
             <a:spLocks noGrp="1"/>
           </p:cNvSpPr>
@@ -6304,7 +6304,7 @@
       </p:grpSpPr>
       <p:sp>
         <p:nvSpPr>
-          <p:cNvPr id="402532138" name="PlaceHolder 1"/>
+          <p:cNvPr id="2074922894" name="PlaceHolder 1"/>
           <p:cNvSpPr>
             <a:spLocks noGrp="1"/>
           </p:cNvSpPr>
@@ -6329,7 +6329,7 @@
       </p:sp>
       <p:sp>
         <p:nvSpPr>
-          <p:cNvPr id="1973588577" name="PlaceHolder 2"/>
+          <p:cNvPr id="2100670272" name="PlaceHolder 2"/>
           <p:cNvSpPr>
             <a:spLocks noGrp="1"/>
           </p:cNvSpPr>
@@ -6354,7 +6354,7 @@
       </p:sp>
       <p:sp>
         <p:nvSpPr>
-          <p:cNvPr id="1587791268" name="PlaceHolder 3"/>
+          <p:cNvPr id="1058281366" name="PlaceHolder 3"/>
           <p:cNvSpPr>
             <a:spLocks noGrp="1"/>
           </p:cNvSpPr>
@@ -6400,7 +6400,7 @@
       </p:grpSpPr>
       <p:sp>
         <p:nvSpPr>
-          <p:cNvPr id="1089099556" name="PlaceHolder 1"/>
+          <p:cNvPr id="112595053" name="PlaceHolder 1"/>
           <p:cNvSpPr>
             <a:spLocks noGrp="1"/>
           </p:cNvSpPr>
@@ -6425,7 +6425,7 @@
       </p:sp>
       <p:sp>
         <p:nvSpPr>
-          <p:cNvPr id="1560383759" name="PlaceHolder 2"/>
+          <p:cNvPr id="196611325" name="PlaceHolder 2"/>
           <p:cNvSpPr>
             <a:spLocks noGrp="1"/>
           </p:cNvSpPr>
@@ -6450,7 +6450,7 @@
       </p:sp>
       <p:sp>
         <p:nvSpPr>
-          <p:cNvPr id="648599230" name="PlaceHolder 3"/>
+          <p:cNvPr id="1400758000" name="PlaceHolder 3"/>
           <p:cNvSpPr>
             <a:spLocks noGrp="1"/>
           </p:cNvSpPr>
@@ -6496,7 +6496,7 @@
       </p:grpSpPr>
       <p:sp>
         <p:nvSpPr>
-          <p:cNvPr id="1460800059" name="PlaceHolder 1"/>
+          <p:cNvPr id="1651506339" name="PlaceHolder 1"/>
           <p:cNvSpPr>
             <a:spLocks noGrp="1"/>
           </p:cNvSpPr>
@@ -6537,7 +6537,7 @@
       </p:sp>
       <p:sp>
         <p:nvSpPr>
-          <p:cNvPr id="1413534733" name="PlaceHolder 2"/>
+          <p:cNvPr id="268910646" name="PlaceHolder 2"/>
           <p:cNvSpPr>
             <a:spLocks noGrp="1"/>
           </p:cNvSpPr>
@@ -6581,7 +6581,7 @@
       </p:sp>
       <p:sp>
         <p:nvSpPr>
-          <p:cNvPr id="331444936" name="PlaceHolder 3"/>
+          <p:cNvPr id="448052466" name="PlaceHolder 3"/>
           <p:cNvSpPr>
             <a:spLocks noGrp="1"/>
           </p:cNvSpPr>
@@ -6625,7 +6625,7 @@
       </p:sp>
       <p:sp>
         <p:nvSpPr>
-          <p:cNvPr id="346892129" name="PlaceHolder 4"/>
+          <p:cNvPr id="1899072770" name="PlaceHolder 4"/>
           <p:cNvSpPr>
             <a:spLocks noGrp="1"/>
           </p:cNvSpPr>
@@ -6650,7 +6650,7 @@
       </p:sp>
       <p:sp>
         <p:nvSpPr>
-          <p:cNvPr id="2133314331" name="PlaceHolder 5"/>
+          <p:cNvPr id="1854910677" name="PlaceHolder 5"/>
           <p:cNvSpPr>
             <a:spLocks noGrp="1"/>
           </p:cNvSpPr>
@@ -6675,7 +6675,7 @@
       </p:sp>
       <p:sp>
         <p:nvSpPr>
-          <p:cNvPr id="892256672" name="PlaceHolder 6"/>
+          <p:cNvPr id="1616609231" name="PlaceHolder 6"/>
           <p:cNvSpPr>
             <a:spLocks noGrp="1"/>
           </p:cNvSpPr>
@@ -6721,7 +6721,7 @@
       </p:grpSpPr>
       <p:sp>
         <p:nvSpPr>
-          <p:cNvPr id="318682131" name="PlaceHolder 1"/>
+          <p:cNvPr id="1823384053" name="PlaceHolder 1"/>
           <p:cNvSpPr>
             <a:spLocks noGrp="1"/>
           </p:cNvSpPr>
@@ -6746,7 +6746,7 @@
       </p:sp>
       <p:sp>
         <p:nvSpPr>
-          <p:cNvPr id="1064048258" name="PlaceHolder 2"/>
+          <p:cNvPr id="1191771145" name="PlaceHolder 2"/>
           <p:cNvSpPr>
             <a:spLocks noGrp="1"/>
           </p:cNvSpPr>
@@ -6771,7 +6771,7 @@
       </p:sp>
       <p:sp>
         <p:nvSpPr>
-          <p:cNvPr id="873948364" name="PlaceHolder 3"/>
+          <p:cNvPr id="524083653" name="PlaceHolder 3"/>
           <p:cNvSpPr>
             <a:spLocks noGrp="1"/>
           </p:cNvSpPr>
@@ -6817,7 +6817,7 @@
       </p:grpSpPr>
       <p:sp>
         <p:nvSpPr>
-          <p:cNvPr id="737321087" name="PlaceHolder 1"/>
+          <p:cNvPr id="1705744913" name="PlaceHolder 1"/>
           <p:cNvSpPr>
             <a:spLocks noGrp="1"/>
           </p:cNvSpPr>
@@ -6842,7 +6842,7 @@
       </p:sp>
       <p:sp>
         <p:nvSpPr>
-          <p:cNvPr id="1045849601" name="PlaceHolder 2"/>
+          <p:cNvPr id="710517234" name="PlaceHolder 2"/>
           <p:cNvSpPr>
             <a:spLocks noGrp="1"/>
           </p:cNvSpPr>
@@ -6867,7 +6867,7 @@
       </p:sp>
       <p:sp>
         <p:nvSpPr>
-          <p:cNvPr id="433468239" name="PlaceHolder 3"/>
+          <p:cNvPr id="748281717" name="PlaceHolder 3"/>
           <p:cNvSpPr>
             <a:spLocks noGrp="1"/>
           </p:cNvSpPr>
@@ -6913,7 +6913,7 @@
       </p:grpSpPr>
       <p:sp>
         <p:nvSpPr>
-          <p:cNvPr id="259382673" name="PlaceHolder 1"/>
+          <p:cNvPr id="1258859135" name="PlaceHolder 1"/>
           <p:cNvSpPr>
             <a:spLocks noGrp="1"/>
           </p:cNvSpPr>
@@ -6938,7 +6938,7 @@
       </p:sp>
       <p:sp>
         <p:nvSpPr>
-          <p:cNvPr id="74427671" name="PlaceHolder 2"/>
+          <p:cNvPr id="1920419105" name="PlaceHolder 2"/>
           <p:cNvSpPr>
             <a:spLocks noGrp="1"/>
           </p:cNvSpPr>
@@ -6963,7 +6963,7 @@
       </p:sp>
       <p:sp>
         <p:nvSpPr>
-          <p:cNvPr id="37974573" name="PlaceHolder 3"/>
+          <p:cNvPr id="1253104462" name="PlaceHolder 3"/>
           <p:cNvSpPr>
             <a:spLocks noGrp="1"/>
           </p:cNvSpPr>
@@ -7027,7 +7027,7 @@
       </p:grpSpPr>
       <p:grpSp>
         <p:nvGrpSpPr>
-          <p:cNvPr id="285322029" name="линии слева"/>
+          <p:cNvPr id="1798193925" name="линии слева"/>
           <p:cNvGrpSpPr/>
           <p:nvPr/>
         </p:nvGrpSpPr>
@@ -7275,7 +7275,7 @@
       </p:grpSp>
       <p:grpSp>
         <p:nvGrpSpPr>
-          <p:cNvPr id="1735789860" name="диагонали"/>
+          <p:cNvPr id="1173347725" name="диагонали"/>
           <p:cNvGrpSpPr/>
           <p:nvPr/>
         </p:nvGrpSpPr>
@@ -7355,7 +7355,7 @@
       </p:grpSp>
       <p:grpSp>
         <p:nvGrpSpPr>
-          <p:cNvPr id="1075584046" name="линии снизу"/>
+          <p:cNvPr id="1574867852" name="линии снизу"/>
           <p:cNvGrpSpPr/>
           <p:nvPr/>
         </p:nvGrpSpPr>
@@ -7605,7 +7605,7 @@
       </p:grpSp>
       <p:sp>
         <p:nvSpPr>
-          <p:cNvPr id="2035827954" name="PlaceHolder 1"/>
+          <p:cNvPr id="1606103842" name="PlaceHolder 1"/>
           <p:cNvSpPr>
             <a:spLocks noGrp="1"/>
           </p:cNvSpPr>
@@ -7655,7 +7655,7 @@
       </p:sp>
       <p:sp>
         <p:nvSpPr>
-          <p:cNvPr id="2000993848" name="PlaceHolder 2"/>
+          <p:cNvPr id="1584569184" name="PlaceHolder 2"/>
           <p:cNvSpPr>
             <a:spLocks noGrp="1"/>
           </p:cNvSpPr>
@@ -7728,7 +7728,7 @@
       </p:sp>
       <p:sp>
         <p:nvSpPr>
-          <p:cNvPr id="1018607999" name="PlaceHolder 3"/>
+          <p:cNvPr id="93258012" name="PlaceHolder 3"/>
           <p:cNvSpPr>
             <a:spLocks noGrp="1"/>
           </p:cNvSpPr>
@@ -7805,7 +7805,7 @@
       </p:sp>
       <p:sp>
         <p:nvSpPr>
-          <p:cNvPr id="1888550146" name="PlaceHolder 4"/>
+          <p:cNvPr id="1703532236" name="PlaceHolder 4"/>
           <p:cNvSpPr>
             <a:spLocks noGrp="1"/>
           </p:cNvSpPr>
@@ -7866,7 +7866,7 @@
       </p:sp>
       <p:sp>
         <p:nvSpPr>
-          <p:cNvPr id="1856557938" name="PlaceHolder 5"/>
+          <p:cNvPr id="1111443471" name="PlaceHolder 5"/>
           <p:cNvSpPr>
             <a:spLocks noGrp="1"/>
           </p:cNvSpPr>
@@ -8142,7 +8142,7 @@
       </p:grpSpPr>
       <p:grpSp>
         <p:nvGrpSpPr>
-          <p:cNvPr id="1117479672" name="линии слева"/>
+          <p:cNvPr id="2054035296" name="линии слева"/>
           <p:cNvGrpSpPr/>
           <p:nvPr/>
         </p:nvGrpSpPr>
@@ -8390,7 +8390,7 @@
       </p:grpSp>
       <p:sp>
         <p:nvSpPr>
-          <p:cNvPr id="468063880" name="PlaceHolder 1"/>
+          <p:cNvPr id="1356881616" name="PlaceHolder 1"/>
           <p:cNvSpPr>
             <a:spLocks noGrp="1"/>
           </p:cNvSpPr>
@@ -8440,7 +8440,7 @@
       </p:sp>
       <p:sp>
         <p:nvSpPr>
-          <p:cNvPr id="1099077810" name="PlaceHolder 2"/>
+          <p:cNvPr id="790342494" name="PlaceHolder 2"/>
           <p:cNvSpPr>
             <a:spLocks noGrp="1"/>
           </p:cNvSpPr>
@@ -8513,7 +8513,7 @@
       </p:sp>
       <p:sp>
         <p:nvSpPr>
-          <p:cNvPr id="603193302" name="PlaceHolder 3"/>
+          <p:cNvPr id="547944646" name="PlaceHolder 3"/>
           <p:cNvSpPr>
             <a:spLocks noGrp="1"/>
           </p:cNvSpPr>
@@ -8590,7 +8590,7 @@
       </p:sp>
       <p:sp>
         <p:nvSpPr>
-          <p:cNvPr id="1821977975" name="PlaceHolder 4"/>
+          <p:cNvPr id="637727766" name="PlaceHolder 4"/>
           <p:cNvSpPr>
             <a:spLocks noGrp="1"/>
           </p:cNvSpPr>
@@ -8695,7 +8695,7 @@
       </p:grpSpPr>
       <p:grpSp>
         <p:nvGrpSpPr>
-          <p:cNvPr id="702403332" name="линии слева"/>
+          <p:cNvPr id="1226661734" name="линии слева"/>
           <p:cNvGrpSpPr/>
           <p:nvPr/>
         </p:nvGrpSpPr>
@@ -8943,7 +8943,7 @@
       </p:grpSp>
       <p:sp>
         <p:nvSpPr>
-          <p:cNvPr id="634236781" name="PlaceHolder 1"/>
+          <p:cNvPr id="60602149" name="PlaceHolder 1"/>
           <p:cNvSpPr>
             <a:spLocks noGrp="1"/>
           </p:cNvSpPr>
@@ -8993,7 +8993,7 @@
       </p:sp>
       <p:sp>
         <p:nvSpPr>
-          <p:cNvPr id="2109599201" name="PlaceHolder 2"/>
+          <p:cNvPr id="592936149" name="PlaceHolder 2"/>
           <p:cNvSpPr>
             <a:spLocks noGrp="1"/>
           </p:cNvSpPr>
@@ -9225,7 +9225,7 @@
       </p:sp>
       <p:sp>
         <p:nvSpPr>
-          <p:cNvPr id="649376260" name="PlaceHolder 3"/>
+          <p:cNvPr id="580534137" name="PlaceHolder 3"/>
           <p:cNvSpPr>
             <a:spLocks noGrp="1"/>
           </p:cNvSpPr>
@@ -9457,7 +9457,7 @@
       </p:sp>
       <p:sp>
         <p:nvSpPr>
-          <p:cNvPr id="454885418" name="PlaceHolder 4"/>
+          <p:cNvPr id="515183837" name="PlaceHolder 4"/>
           <p:cNvSpPr>
             <a:spLocks noGrp="1"/>
           </p:cNvSpPr>
@@ -9530,7 +9530,7 @@
       </p:sp>
       <p:sp>
         <p:nvSpPr>
-          <p:cNvPr id="594710883" name="PlaceHolder 5"/>
+          <p:cNvPr id="1679894596" name="PlaceHolder 5"/>
           <p:cNvSpPr>
             <a:spLocks noGrp="1"/>
           </p:cNvSpPr>
@@ -9607,7 +9607,7 @@
       </p:sp>
       <p:sp>
         <p:nvSpPr>
-          <p:cNvPr id="520685600" name="PlaceHolder 6"/>
+          <p:cNvPr id="69196842" name="PlaceHolder 6"/>
           <p:cNvSpPr>
             <a:spLocks noGrp="1"/>
           </p:cNvSpPr>
@@ -9712,7 +9712,7 @@
       </p:grpSpPr>
       <p:grpSp>
         <p:nvGrpSpPr>
-          <p:cNvPr id="262663576" name="линии слева"/>
+          <p:cNvPr id="1902753137" name="линии слева"/>
           <p:cNvGrpSpPr/>
           <p:nvPr/>
         </p:nvGrpSpPr>
@@ -9960,7 +9960,7 @@
       </p:grpSp>
       <p:sp>
         <p:nvSpPr>
-          <p:cNvPr id="1714335004" name="PlaceHolder 1"/>
+          <p:cNvPr id="444908111" name="PlaceHolder 1"/>
           <p:cNvSpPr>
             <a:spLocks noGrp="1"/>
           </p:cNvSpPr>
@@ -10010,7 +10010,7 @@
       </p:sp>
       <p:sp>
         <p:nvSpPr>
-          <p:cNvPr id="1186736730" name="PlaceHolder 2"/>
+          <p:cNvPr id="706460968" name="PlaceHolder 2"/>
           <p:cNvSpPr>
             <a:spLocks noGrp="1"/>
           </p:cNvSpPr>
@@ -10242,7 +10242,7 @@
       </p:sp>
       <p:sp>
         <p:nvSpPr>
-          <p:cNvPr id="406575657" name="PlaceHolder 3"/>
+          <p:cNvPr id="814525944" name="PlaceHolder 3"/>
           <p:cNvSpPr>
             <a:spLocks noGrp="1"/>
           </p:cNvSpPr>
@@ -10315,7 +10315,7 @@
       </p:sp>
       <p:sp>
         <p:nvSpPr>
-          <p:cNvPr id="2044332878" name="PlaceHolder 4"/>
+          <p:cNvPr id="1428666945" name="PlaceHolder 4"/>
           <p:cNvSpPr>
             <a:spLocks noGrp="1"/>
           </p:cNvSpPr>
@@ -10392,7 +10392,7 @@
       </p:sp>
       <p:sp>
         <p:nvSpPr>
-          <p:cNvPr id="749945485" name="PlaceHolder 5"/>
+          <p:cNvPr id="578011979" name="PlaceHolder 5"/>
           <p:cNvSpPr>
             <a:spLocks noGrp="1"/>
           </p:cNvSpPr>
@@ -10497,7 +10497,7 @@
       </p:grpSpPr>
       <p:grpSp>
         <p:nvGrpSpPr>
-          <p:cNvPr id="1440718328" name="линии слева"/>
+          <p:cNvPr id="932958019" name="линии слева"/>
           <p:cNvGrpSpPr/>
           <p:nvPr/>
         </p:nvGrpSpPr>
@@ -10745,7 +10745,7 @@
       </p:grpSp>
       <p:sp>
         <p:nvSpPr>
-          <p:cNvPr id="916344831" name="PlaceHolder 1"/>
+          <p:cNvPr id="640559326" name="PlaceHolder 1"/>
           <p:cNvSpPr>
             <a:spLocks noGrp="1"/>
           </p:cNvSpPr>
@@ -10818,7 +10818,7 @@
       </p:sp>
       <p:sp>
         <p:nvSpPr>
-          <p:cNvPr id="883400417" name="PlaceHolder 2"/>
+          <p:cNvPr id="1121051509" name="PlaceHolder 2"/>
           <p:cNvSpPr>
             <a:spLocks noGrp="1"/>
           </p:cNvSpPr>
@@ -10895,7 +10895,7 @@
       </p:sp>
       <p:sp>
         <p:nvSpPr>
-          <p:cNvPr id="93720783" name="PlaceHolder 3"/>
+          <p:cNvPr id="826810310" name="PlaceHolder 3"/>
           <p:cNvSpPr>
             <a:spLocks noGrp="1"/>
           </p:cNvSpPr>
@@ -11000,7 +11000,7 @@
       </p:grpSpPr>
       <p:grpSp>
         <p:nvGrpSpPr>
-          <p:cNvPr id="1045639898" name="линии слева"/>
+          <p:cNvPr id="1599503443" name="линии слева"/>
           <p:cNvGrpSpPr/>
           <p:nvPr/>
         </p:nvGrpSpPr>
@@ -11248,7 +11248,7 @@
       </p:grpSp>
       <p:sp>
         <p:nvSpPr>
-          <p:cNvPr id="1810939658" name="PlaceHolder 1"/>
+          <p:cNvPr id="1554440091" name="PlaceHolder 1"/>
           <p:cNvSpPr>
             <a:spLocks noGrp="1"/>
           </p:cNvSpPr>
@@ -11321,7 +11321,7 @@
       </p:sp>
       <p:sp>
         <p:nvSpPr>
-          <p:cNvPr id="2102031329" name="PlaceHolder 2"/>
+          <p:cNvPr id="1722335602" name="PlaceHolder 2"/>
           <p:cNvSpPr>
             <a:spLocks noGrp="1"/>
           </p:cNvSpPr>
@@ -11398,7 +11398,7 @@
       </p:sp>
       <p:sp>
         <p:nvSpPr>
-          <p:cNvPr id="1736441596" name="PlaceHolder 3"/>
+          <p:cNvPr id="887630029" name="PlaceHolder 3"/>
           <p:cNvSpPr>
             <a:spLocks noGrp="1"/>
           </p:cNvSpPr>
@@ -11503,7 +11503,7 @@
       </p:grpSpPr>
       <p:grpSp>
         <p:nvGrpSpPr>
-          <p:cNvPr id="2066175" name="линии слева"/>
+          <p:cNvPr id="2129756504" name="линии слева"/>
           <p:cNvGrpSpPr/>
           <p:nvPr/>
         </p:nvGrpSpPr>
@@ -11751,7 +11751,7 @@
       </p:grpSp>
       <p:sp>
         <p:nvSpPr>
-          <p:cNvPr id="871794975" name="PlaceHolder 1"/>
+          <p:cNvPr id="1320030757" name="PlaceHolder 1"/>
           <p:cNvSpPr>
             <a:spLocks noGrp="1"/>
           </p:cNvSpPr>
@@ -11801,7 +11801,7 @@
       </p:sp>
       <p:sp>
         <p:nvSpPr>
-          <p:cNvPr id="2002220364" name="PlaceHolder 2"/>
+          <p:cNvPr id="325281894" name="PlaceHolder 2"/>
           <p:cNvSpPr>
             <a:spLocks noGrp="1"/>
           </p:cNvSpPr>
@@ -11874,7 +11874,7 @@
       </p:sp>
       <p:sp>
         <p:nvSpPr>
-          <p:cNvPr id="1151301449" name="PlaceHolder 3"/>
+          <p:cNvPr id="611743630" name="PlaceHolder 3"/>
           <p:cNvSpPr>
             <a:spLocks noGrp="1"/>
           </p:cNvSpPr>
@@ -11951,7 +11951,7 @@
       </p:sp>
       <p:sp>
         <p:nvSpPr>
-          <p:cNvPr id="2001327934" name="PlaceHolder 4"/>
+          <p:cNvPr id="1429381878" name="PlaceHolder 4"/>
           <p:cNvSpPr>
             <a:spLocks noGrp="1"/>
           </p:cNvSpPr>
@@ -12056,7 +12056,7 @@
       </p:grpSpPr>
       <p:grpSp>
         <p:nvGrpSpPr>
-          <p:cNvPr id="1187769150" name="линии слева"/>
+          <p:cNvPr id="723586138" name="линии слева"/>
           <p:cNvGrpSpPr/>
           <p:nvPr/>
         </p:nvGrpSpPr>
@@ -12304,7 +12304,7 @@
       </p:grpSp>
       <p:sp>
         <p:nvSpPr>
-          <p:cNvPr id="1910055580" name="PlaceHolder 1"/>
+          <p:cNvPr id="458520229" name="PlaceHolder 1"/>
           <p:cNvSpPr>
             <a:spLocks noGrp="1"/>
           </p:cNvSpPr>
@@ -12354,7 +12354,7 @@
       </p:sp>
       <p:sp>
         <p:nvSpPr>
-          <p:cNvPr id="1106485669" name="PlaceHolder 2"/>
+          <p:cNvPr id="582762039" name="PlaceHolder 2"/>
           <p:cNvSpPr>
             <a:spLocks noGrp="1"/>
           </p:cNvSpPr>
@@ -12427,7 +12427,7 @@
       </p:sp>
       <p:sp>
         <p:nvSpPr>
-          <p:cNvPr id="314586917" name="PlaceHolder 3"/>
+          <p:cNvPr id="1239378580" name="PlaceHolder 3"/>
           <p:cNvSpPr>
             <a:spLocks noGrp="1"/>
           </p:cNvSpPr>
@@ -12504,7 +12504,7 @@
       </p:sp>
       <p:sp>
         <p:nvSpPr>
-          <p:cNvPr id="1490176062" name="PlaceHolder 4"/>
+          <p:cNvPr id="1630024729" name="PlaceHolder 4"/>
           <p:cNvSpPr>
             <a:spLocks noGrp="1"/>
           </p:cNvSpPr>
@@ -12609,7 +12609,7 @@
       </p:grpSpPr>
       <p:grpSp>
         <p:nvGrpSpPr>
-          <p:cNvPr id="115118877" name="линии слева"/>
+          <p:cNvPr id="2086799342" name="линии слева"/>
           <p:cNvGrpSpPr/>
           <p:nvPr/>
         </p:nvGrpSpPr>
@@ -12857,7 +12857,7 @@
       </p:grpSp>
       <p:sp>
         <p:nvSpPr>
-          <p:cNvPr id="605026580" name="PlaceHolder 1"/>
+          <p:cNvPr id="892966158" name="PlaceHolder 1"/>
           <p:cNvSpPr>
             <a:spLocks noGrp="1"/>
           </p:cNvSpPr>
@@ -12907,7 +12907,7 @@
       </p:sp>
       <p:sp>
         <p:nvSpPr>
-          <p:cNvPr id="1705687193" name="PlaceHolder 2"/>
+          <p:cNvPr id="726924763" name="PlaceHolder 2"/>
           <p:cNvSpPr>
             <a:spLocks noGrp="1"/>
           </p:cNvSpPr>
@@ -12980,7 +12980,7 @@
       </p:sp>
       <p:sp>
         <p:nvSpPr>
-          <p:cNvPr id="1546718773" name="PlaceHolder 3"/>
+          <p:cNvPr id="302307151" name="PlaceHolder 3"/>
           <p:cNvSpPr>
             <a:spLocks noGrp="1"/>
           </p:cNvSpPr>
@@ -13057,7 +13057,7 @@
       </p:sp>
       <p:sp>
         <p:nvSpPr>
-          <p:cNvPr id="1764686007" name="PlaceHolder 4"/>
+          <p:cNvPr id="245397384" name="PlaceHolder 4"/>
           <p:cNvSpPr>
             <a:spLocks noGrp="1"/>
           </p:cNvSpPr>
@@ -13162,7 +13162,7 @@
       </p:grpSpPr>
       <p:grpSp>
         <p:nvGrpSpPr>
-          <p:cNvPr id="1897682754" name="линии слева"/>
+          <p:cNvPr id="832090961" name="линии слева"/>
           <p:cNvGrpSpPr/>
           <p:nvPr/>
         </p:nvGrpSpPr>
@@ -13410,7 +13410,7 @@
       </p:grpSp>
       <p:sp>
         <p:nvSpPr>
-          <p:cNvPr id="629691508" name="PlaceHolder 1"/>
+          <p:cNvPr id="1970139221" name="PlaceHolder 1"/>
           <p:cNvSpPr>
             <a:spLocks noGrp="1"/>
           </p:cNvSpPr>
@@ -13483,7 +13483,7 @@
       </p:sp>
       <p:sp>
         <p:nvSpPr>
-          <p:cNvPr id="202018205" name="PlaceHolder 2"/>
+          <p:cNvPr id="1529871980" name="PlaceHolder 2"/>
           <p:cNvSpPr>
             <a:spLocks noGrp="1"/>
           </p:cNvSpPr>
@@ -13560,7 +13560,7 @@
       </p:sp>
       <p:sp>
         <p:nvSpPr>
-          <p:cNvPr id="1576174366" name="PlaceHolder 3"/>
+          <p:cNvPr id="1804555577" name="PlaceHolder 3"/>
           <p:cNvSpPr>
             <a:spLocks noGrp="1"/>
           </p:cNvSpPr>
@@ -13665,7 +13665,7 @@
       </p:grpSpPr>
       <p:grpSp>
         <p:nvGrpSpPr>
-          <p:cNvPr id="1142390" name="линии слева"/>
+          <p:cNvPr id="1031897364" name="линии слева"/>
           <p:cNvGrpSpPr/>
           <p:nvPr/>
         </p:nvGrpSpPr>
@@ -13913,7 +13913,7 @@
       </p:grpSp>
       <p:sp>
         <p:nvSpPr>
-          <p:cNvPr id="646724417" name="PlaceHolder 1"/>
+          <p:cNvPr id="1248635383" name="PlaceHolder 1"/>
           <p:cNvSpPr>
             <a:spLocks noGrp="1"/>
           </p:cNvSpPr>
@@ -13986,7 +13986,7 @@
       </p:sp>
       <p:sp>
         <p:nvSpPr>
-          <p:cNvPr id="827138352" name="PlaceHolder 2"/>
+          <p:cNvPr id="1614943983" name="PlaceHolder 2"/>
           <p:cNvSpPr>
             <a:spLocks noGrp="1"/>
           </p:cNvSpPr>
@@ -14063,7 +14063,7 @@
       </p:sp>
       <p:sp>
         <p:nvSpPr>
-          <p:cNvPr id="1733043465" name="PlaceHolder 3"/>
+          <p:cNvPr id="1139715595" name="PlaceHolder 3"/>
           <p:cNvSpPr>
             <a:spLocks noGrp="1"/>
           </p:cNvSpPr>
@@ -14168,7 +14168,7 @@
       </p:grpSpPr>
       <p:grpSp>
         <p:nvGrpSpPr>
-          <p:cNvPr id="1877948660" name="линии слева"/>
+          <p:cNvPr id="967195440" name="линии слева"/>
           <p:cNvGrpSpPr/>
           <p:nvPr/>
         </p:nvGrpSpPr>
@@ -14416,7 +14416,7 @@
       </p:grpSp>
       <p:sp>
         <p:nvSpPr>
-          <p:cNvPr id="1240594288" name="PlaceHolder 1"/>
+          <p:cNvPr id="397447729" name="PlaceHolder 1"/>
           <p:cNvSpPr>
             <a:spLocks noGrp="1"/>
           </p:cNvSpPr>
@@ -14489,7 +14489,7 @@
       </p:sp>
       <p:sp>
         <p:nvSpPr>
-          <p:cNvPr id="406604918" name="PlaceHolder 2"/>
+          <p:cNvPr id="1941589142" name="PlaceHolder 2"/>
           <p:cNvSpPr>
             <a:spLocks noGrp="1"/>
           </p:cNvSpPr>
@@ -14566,7 +14566,7 @@
       </p:sp>
       <p:sp>
         <p:nvSpPr>
-          <p:cNvPr id="133827850" name="PlaceHolder 3"/>
+          <p:cNvPr id="1263450558" name="PlaceHolder 3"/>
           <p:cNvSpPr>
             <a:spLocks noGrp="1"/>
           </p:cNvSpPr>
@@ -14671,7 +14671,7 @@
       </p:grpSpPr>
       <p:grpSp>
         <p:nvGrpSpPr>
-          <p:cNvPr id="797139011" name="линии слева"/>
+          <p:cNvPr id="1605902120" name="линии слева"/>
           <p:cNvGrpSpPr/>
           <p:nvPr/>
         </p:nvGrpSpPr>
@@ -14919,7 +14919,7 @@
       </p:grpSp>
       <p:sp>
         <p:nvSpPr>
-          <p:cNvPr id="1926321501" name="PlaceHolder 1"/>
+          <p:cNvPr id="2101925974" name="PlaceHolder 1"/>
           <p:cNvSpPr>
             <a:spLocks noGrp="1"/>
           </p:cNvSpPr>
@@ -14969,7 +14969,7 @@
       </p:sp>
       <p:sp>
         <p:nvSpPr>
-          <p:cNvPr id="207384677" name="PlaceHolder 2"/>
+          <p:cNvPr id="1551773995" name="PlaceHolder 2"/>
           <p:cNvSpPr>
             <a:spLocks noGrp="1"/>
           </p:cNvSpPr>
@@ -15201,7 +15201,7 @@
       </p:sp>
       <p:sp>
         <p:nvSpPr>
-          <p:cNvPr id="1468508031" name="PlaceHolder 3"/>
+          <p:cNvPr id="482025250" name="PlaceHolder 3"/>
           <p:cNvSpPr>
             <a:spLocks noGrp="1"/>
           </p:cNvSpPr>
@@ -15274,7 +15274,7 @@
       </p:sp>
       <p:sp>
         <p:nvSpPr>
-          <p:cNvPr id="35808990" name="PlaceHolder 4"/>
+          <p:cNvPr id="659338366" name="PlaceHolder 4"/>
           <p:cNvSpPr>
             <a:spLocks noGrp="1"/>
           </p:cNvSpPr>
@@ -15351,7 +15351,7 @@
       </p:sp>
       <p:sp>
         <p:nvSpPr>
-          <p:cNvPr id="1681051992" name="PlaceHolder 5"/>
+          <p:cNvPr id="88928472" name="PlaceHolder 5"/>
           <p:cNvSpPr>
             <a:spLocks noGrp="1"/>
           </p:cNvSpPr>
@@ -15456,7 +15456,7 @@
       </p:grpSpPr>
       <p:grpSp>
         <p:nvGrpSpPr>
-          <p:cNvPr id="924367112" name="линии слева"/>
+          <p:cNvPr id="347241844" name="линии слева"/>
           <p:cNvGrpSpPr/>
           <p:nvPr/>
         </p:nvGrpSpPr>
@@ -15704,7 +15704,7 @@
       </p:grpSp>
       <p:sp>
         <p:nvSpPr>
-          <p:cNvPr id="1824055357" name="PlaceHolder 1"/>
+          <p:cNvPr id="1079253582" name="PlaceHolder 1"/>
           <p:cNvSpPr>
             <a:spLocks noGrp="1"/>
           </p:cNvSpPr>
@@ -15754,7 +15754,7 @@
       </p:sp>
       <p:sp>
         <p:nvSpPr>
-          <p:cNvPr id="1983456133" name="PlaceHolder 2"/>
+          <p:cNvPr id="601355012" name="PlaceHolder 2"/>
           <p:cNvSpPr>
             <a:spLocks noGrp="1"/>
           </p:cNvSpPr>
@@ -15986,7 +15986,7 @@
       </p:sp>
       <p:sp>
         <p:nvSpPr>
-          <p:cNvPr id="455836455" name="PlaceHolder 3"/>
+          <p:cNvPr id="837859405" name="PlaceHolder 3"/>
           <p:cNvSpPr>
             <a:spLocks noGrp="1"/>
           </p:cNvSpPr>
@@ -16218,7 +16218,7 @@
       </p:sp>
       <p:sp>
         <p:nvSpPr>
-          <p:cNvPr id="1217011832" name="PlaceHolder 4"/>
+          <p:cNvPr id="2111006763" name="PlaceHolder 4"/>
           <p:cNvSpPr>
             <a:spLocks noGrp="1"/>
           </p:cNvSpPr>
@@ -16291,7 +16291,7 @@
       </p:sp>
       <p:sp>
         <p:nvSpPr>
-          <p:cNvPr id="1364625169" name="PlaceHolder 5"/>
+          <p:cNvPr id="1747904679" name="PlaceHolder 5"/>
           <p:cNvSpPr>
             <a:spLocks noGrp="1"/>
           </p:cNvSpPr>
@@ -16368,7 +16368,7 @@
       </p:sp>
       <p:sp>
         <p:nvSpPr>
-          <p:cNvPr id="1472487077" name="PlaceHolder 6"/>
+          <p:cNvPr id="531408276" name="PlaceHolder 6"/>
           <p:cNvSpPr>
             <a:spLocks noGrp="1"/>
           </p:cNvSpPr>
@@ -16473,7 +16473,7 @@
       </p:grpSpPr>
       <p:grpSp>
         <p:nvGrpSpPr>
-          <p:cNvPr id="1958454770" name="линии слева"/>
+          <p:cNvPr id="1000323290" name="линии слева"/>
           <p:cNvGrpSpPr/>
           <p:nvPr/>
         </p:nvGrpSpPr>
@@ -16721,7 +16721,7 @@
       </p:grpSp>
       <p:sp>
         <p:nvSpPr>
-          <p:cNvPr id="1159225161" name="PlaceHolder 1"/>
+          <p:cNvPr id="1256660829" name="PlaceHolder 1"/>
           <p:cNvSpPr>
             <a:spLocks noGrp="1"/>
           </p:cNvSpPr>
@@ -16771,7 +16771,7 @@
       </p:sp>
       <p:sp>
         <p:nvSpPr>
-          <p:cNvPr id="1396526883" name="PlaceHolder 2"/>
+          <p:cNvPr id="1262946352" name="PlaceHolder 2"/>
           <p:cNvSpPr>
             <a:spLocks noGrp="1"/>
           </p:cNvSpPr>
@@ -16844,7 +16844,7 @@
       </p:sp>
       <p:sp>
         <p:nvSpPr>
-          <p:cNvPr id="508343114" name="PlaceHolder 3"/>
+          <p:cNvPr id="233543227" name="PlaceHolder 3"/>
           <p:cNvSpPr>
             <a:spLocks noGrp="1"/>
           </p:cNvSpPr>
@@ -16921,7 +16921,7 @@
       </p:sp>
       <p:sp>
         <p:nvSpPr>
-          <p:cNvPr id="696637613" name="PlaceHolder 4"/>
+          <p:cNvPr id="1579051942" name="PlaceHolder 4"/>
           <p:cNvSpPr>
             <a:spLocks noGrp="1"/>
           </p:cNvSpPr>
@@ -17026,7 +17026,7 @@
       </p:grpSpPr>
       <p:grpSp>
         <p:nvGrpSpPr>
-          <p:cNvPr id="1170911944" name="линии слева"/>
+          <p:cNvPr id="439569742" name="линии слева"/>
           <p:cNvGrpSpPr/>
           <p:nvPr/>
         </p:nvGrpSpPr>
@@ -17274,7 +17274,7 @@
       </p:grpSp>
       <p:sp>
         <p:nvSpPr>
-          <p:cNvPr id="17941236" name="PlaceHolder 1"/>
+          <p:cNvPr id="1853226560" name="PlaceHolder 1"/>
           <p:cNvSpPr>
             <a:spLocks noGrp="1"/>
           </p:cNvSpPr>
@@ -17324,7 +17324,7 @@
       </p:sp>
       <p:sp>
         <p:nvSpPr>
-          <p:cNvPr id="1802384601" name="PlaceHolder 2"/>
+          <p:cNvPr id="1714654202" name="PlaceHolder 2"/>
           <p:cNvSpPr>
             <a:spLocks noGrp="1"/>
           </p:cNvSpPr>
@@ -17556,7 +17556,7 @@
       </p:sp>
       <p:sp>
         <p:nvSpPr>
-          <p:cNvPr id="5710010" name="PlaceHolder 3"/>
+          <p:cNvPr id="1680368453" name="PlaceHolder 3"/>
           <p:cNvSpPr>
             <a:spLocks noGrp="1"/>
           </p:cNvSpPr>
@@ -17788,7 +17788,7 @@
       </p:sp>
       <p:sp>
         <p:nvSpPr>
-          <p:cNvPr id="1952671124" name="PlaceHolder 4"/>
+          <p:cNvPr id="1138385776" name="PlaceHolder 4"/>
           <p:cNvSpPr>
             <a:spLocks noGrp="1"/>
           </p:cNvSpPr>
@@ -17861,7 +17861,7 @@
       </p:sp>
       <p:sp>
         <p:nvSpPr>
-          <p:cNvPr id="565998158" name="PlaceHolder 5"/>
+          <p:cNvPr id="23342954" name="PlaceHolder 5"/>
           <p:cNvSpPr>
             <a:spLocks noGrp="1"/>
           </p:cNvSpPr>
@@ -17938,7 +17938,7 @@
       </p:sp>
       <p:sp>
         <p:nvSpPr>
-          <p:cNvPr id="1884927698" name="PlaceHolder 6"/>
+          <p:cNvPr id="1145644895" name="PlaceHolder 6"/>
           <p:cNvSpPr>
             <a:spLocks noGrp="1"/>
           </p:cNvSpPr>
@@ -18043,7 +18043,7 @@
       </p:grpSpPr>
       <p:grpSp>
         <p:nvGrpSpPr>
-          <p:cNvPr id="399016256" name="линии слева"/>
+          <p:cNvPr id="1633783966" name="линии слева"/>
           <p:cNvGrpSpPr/>
           <p:nvPr/>
         </p:nvGrpSpPr>
@@ -18291,7 +18291,7 @@
       </p:grpSp>
       <p:sp>
         <p:nvSpPr>
-          <p:cNvPr id="910391750" name="PlaceHolder 1"/>
+          <p:cNvPr id="737399146" name="PlaceHolder 1"/>
           <p:cNvSpPr>
             <a:spLocks noGrp="1"/>
           </p:cNvSpPr>
@@ -18341,7 +18341,7 @@
       </p:sp>
       <p:sp>
         <p:nvSpPr>
-          <p:cNvPr id="1616107048" name="PlaceHolder 2"/>
+          <p:cNvPr id="517346154" name="PlaceHolder 2"/>
           <p:cNvSpPr>
             <a:spLocks noGrp="1"/>
           </p:cNvSpPr>
@@ -18573,7 +18573,7 @@
       </p:sp>
       <p:sp>
         <p:nvSpPr>
-          <p:cNvPr id="1217460155" name="PlaceHolder 3"/>
+          <p:cNvPr id="1424385211" name="PlaceHolder 3"/>
           <p:cNvSpPr>
             <a:spLocks noGrp="1"/>
           </p:cNvSpPr>
@@ -18646,7 +18646,7 @@
       </p:sp>
       <p:sp>
         <p:nvSpPr>
-          <p:cNvPr id="170362014" name="PlaceHolder 4"/>
+          <p:cNvPr id="1173185562" name="PlaceHolder 4"/>
           <p:cNvSpPr>
             <a:spLocks noGrp="1"/>
           </p:cNvSpPr>
@@ -18723,7 +18723,7 @@
       </p:sp>
       <p:sp>
         <p:nvSpPr>
-          <p:cNvPr id="1108723139" name="PlaceHolder 5"/>
+          <p:cNvPr id="1242401023" name="PlaceHolder 5"/>
           <p:cNvSpPr>
             <a:spLocks noGrp="1"/>
           </p:cNvSpPr>
@@ -18828,7 +18828,7 @@
       </p:grpSpPr>
       <p:grpSp>
         <p:nvGrpSpPr>
-          <p:cNvPr id="980765498" name="линии слева"/>
+          <p:cNvPr id="1486775332" name="линии слева"/>
           <p:cNvGrpSpPr/>
           <p:nvPr/>
         </p:nvGrpSpPr>
@@ -19076,7 +19076,7 @@
       </p:grpSp>
       <p:sp>
         <p:nvSpPr>
-          <p:cNvPr id="1095331752" name="PlaceHolder 1"/>
+          <p:cNvPr id="2063760253" name="PlaceHolder 1"/>
           <p:cNvSpPr>
             <a:spLocks noGrp="1"/>
           </p:cNvSpPr>
@@ -19149,7 +19149,7 @@
       </p:sp>
       <p:sp>
         <p:nvSpPr>
-          <p:cNvPr id="1120362294" name="PlaceHolder 2"/>
+          <p:cNvPr id="465055622" name="PlaceHolder 2"/>
           <p:cNvSpPr>
             <a:spLocks noGrp="1"/>
           </p:cNvSpPr>
@@ -19226,7 +19226,7 @@
       </p:sp>
       <p:sp>
         <p:nvSpPr>
-          <p:cNvPr id="1661022507" name="PlaceHolder 3"/>
+          <p:cNvPr id="1706248176" name="PlaceHolder 3"/>
           <p:cNvSpPr>
             <a:spLocks noGrp="1"/>
           </p:cNvSpPr>
@@ -19331,7 +19331,7 @@
       </p:grpSpPr>
       <p:grpSp>
         <p:nvGrpSpPr>
-          <p:cNvPr id="1878884931" name="линии слева"/>
+          <p:cNvPr id="261917072" name="линии слева"/>
           <p:cNvGrpSpPr/>
           <p:nvPr/>
         </p:nvGrpSpPr>
@@ -19579,7 +19579,7 @@
       </p:grpSp>
       <p:sp>
         <p:nvSpPr>
-          <p:cNvPr id="500180363" name="PlaceHolder 1"/>
+          <p:cNvPr id="1628738902" name="PlaceHolder 1"/>
           <p:cNvSpPr>
             <a:spLocks noGrp="1"/>
           </p:cNvSpPr>
@@ -19652,7 +19652,7 @@
       </p:sp>
       <p:sp>
         <p:nvSpPr>
-          <p:cNvPr id="1324852675" name="PlaceHolder 2"/>
+          <p:cNvPr id="140710827" name="PlaceHolder 2"/>
           <p:cNvSpPr>
             <a:spLocks noGrp="1"/>
           </p:cNvSpPr>
@@ -19729,7 +19729,7 @@
       </p:sp>
       <p:sp>
         <p:nvSpPr>
-          <p:cNvPr id="1482152273" name="PlaceHolder 3"/>
+          <p:cNvPr id="467818321" name="PlaceHolder 3"/>
           <p:cNvSpPr>
             <a:spLocks noGrp="1"/>
           </p:cNvSpPr>
@@ -19834,7 +19834,7 @@
       </p:grpSpPr>
       <p:grpSp>
         <p:nvGrpSpPr>
-          <p:cNvPr id="319449233" name="линии слева"/>
+          <p:cNvPr id="1462643650" name="линии слева"/>
           <p:cNvGrpSpPr/>
           <p:nvPr/>
         </p:nvGrpSpPr>
@@ -20082,7 +20082,7 @@
       </p:grpSp>
       <p:sp>
         <p:nvSpPr>
-          <p:cNvPr id="507959801" name="PlaceHolder 1"/>
+          <p:cNvPr id="1280816126" name="PlaceHolder 1"/>
           <p:cNvSpPr>
             <a:spLocks noGrp="1"/>
           </p:cNvSpPr>
@@ -20132,7 +20132,7 @@
       </p:sp>
       <p:sp>
         <p:nvSpPr>
-          <p:cNvPr id="595969895" name="PlaceHolder 2"/>
+          <p:cNvPr id="594497606" name="PlaceHolder 2"/>
           <p:cNvSpPr>
             <a:spLocks noGrp="1"/>
           </p:cNvSpPr>
@@ -20205,7 +20205,7 @@
       </p:sp>
       <p:sp>
         <p:nvSpPr>
-          <p:cNvPr id="1846819365" name="PlaceHolder 3"/>
+          <p:cNvPr id="528126820" name="PlaceHolder 3"/>
           <p:cNvSpPr>
             <a:spLocks noGrp="1"/>
           </p:cNvSpPr>
@@ -20282,7 +20282,7 @@
       </p:sp>
       <p:sp>
         <p:nvSpPr>
-          <p:cNvPr id="1442071654" name="PlaceHolder 4"/>
+          <p:cNvPr id="1165915435" name="PlaceHolder 4"/>
           <p:cNvSpPr>
             <a:spLocks noGrp="1"/>
           </p:cNvSpPr>
@@ -20387,7 +20387,7 @@
       </p:grpSpPr>
       <p:grpSp>
         <p:nvGrpSpPr>
-          <p:cNvPr id="1816110190" name="линии слева"/>
+          <p:cNvPr id="269192461" name="линии слева"/>
           <p:cNvGrpSpPr/>
           <p:nvPr/>
         </p:nvGrpSpPr>
@@ -20635,7 +20635,7 @@
       </p:grpSp>
       <p:sp>
         <p:nvSpPr>
-          <p:cNvPr id="822986936" name="PlaceHolder 1"/>
+          <p:cNvPr id="131406925" name="PlaceHolder 1"/>
           <p:cNvSpPr>
             <a:spLocks noGrp="1"/>
           </p:cNvSpPr>
@@ -20685,7 +20685,7 @@
       </p:sp>
       <p:sp>
         <p:nvSpPr>
-          <p:cNvPr id="1574296872" name="PlaceHolder 2"/>
+          <p:cNvPr id="1449081770" name="PlaceHolder 2"/>
           <p:cNvSpPr>
             <a:spLocks noGrp="1"/>
           </p:cNvSpPr>
@@ -20758,7 +20758,7 @@
       </p:sp>
       <p:sp>
         <p:nvSpPr>
-          <p:cNvPr id="1656573244" name="PlaceHolder 3"/>
+          <p:cNvPr id="1996813295" name="PlaceHolder 3"/>
           <p:cNvSpPr>
             <a:spLocks noGrp="1"/>
           </p:cNvSpPr>
@@ -20835,7 +20835,7 @@
       </p:sp>
       <p:sp>
         <p:nvSpPr>
-          <p:cNvPr id="660907806" name="PlaceHolder 4"/>
+          <p:cNvPr id="877568268" name="PlaceHolder 4"/>
           <p:cNvSpPr>
             <a:spLocks noGrp="1"/>
           </p:cNvSpPr>
@@ -20940,7 +20940,7 @@
       </p:grpSpPr>
       <p:grpSp>
         <p:nvGrpSpPr>
-          <p:cNvPr id="1477727637" name="линии слева"/>
+          <p:cNvPr id="1066023856" name="линии слева"/>
           <p:cNvGrpSpPr/>
           <p:nvPr/>
         </p:nvGrpSpPr>
@@ -21188,7 +21188,7 @@
       </p:grpSp>
       <p:sp>
         <p:nvSpPr>
-          <p:cNvPr id="1716148126" name="PlaceHolder 1"/>
+          <p:cNvPr id="406376599" name="PlaceHolder 1"/>
           <p:cNvSpPr>
             <a:spLocks noGrp="1"/>
           </p:cNvSpPr>
@@ -21238,7 +21238,7 @@
       </p:sp>
       <p:sp>
         <p:nvSpPr>
-          <p:cNvPr id="1149481892" name="PlaceHolder 2"/>
+          <p:cNvPr id="663189039" name="PlaceHolder 2"/>
           <p:cNvSpPr>
             <a:spLocks noGrp="1"/>
           </p:cNvSpPr>
@@ -21470,7 +21470,7 @@
       </p:sp>
       <p:sp>
         <p:nvSpPr>
-          <p:cNvPr id="238186161" name="PlaceHolder 3"/>
+          <p:cNvPr id="1563794636" name="PlaceHolder 3"/>
           <p:cNvSpPr>
             <a:spLocks noGrp="1"/>
           </p:cNvSpPr>
@@ -21702,7 +21702,7 @@
       </p:sp>
       <p:sp>
         <p:nvSpPr>
-          <p:cNvPr id="939793262" name="PlaceHolder 4"/>
+          <p:cNvPr id="1340558411" name="PlaceHolder 4"/>
           <p:cNvSpPr>
             <a:spLocks noGrp="1"/>
           </p:cNvSpPr>
@@ -21775,7 +21775,7 @@
       </p:sp>
       <p:sp>
         <p:nvSpPr>
-          <p:cNvPr id="1507952163" name="PlaceHolder 5"/>
+          <p:cNvPr id="940576997" name="PlaceHolder 5"/>
           <p:cNvSpPr>
             <a:spLocks noGrp="1"/>
           </p:cNvSpPr>
@@ -21852,7 +21852,7 @@
       </p:sp>
       <p:sp>
         <p:nvSpPr>
-          <p:cNvPr id="731581453" name="PlaceHolder 6"/>
+          <p:cNvPr id="1035695222" name="PlaceHolder 6"/>
           <p:cNvSpPr>
             <a:spLocks noGrp="1"/>
           </p:cNvSpPr>
@@ -21957,7 +21957,7 @@
       </p:grpSpPr>
       <p:grpSp>
         <p:nvGrpSpPr>
-          <p:cNvPr id="2118410949" name="линии слева"/>
+          <p:cNvPr id="928233935" name="линии слева"/>
           <p:cNvGrpSpPr/>
           <p:nvPr/>
         </p:nvGrpSpPr>
@@ -22205,7 +22205,7 @@
       </p:grpSp>
       <p:sp>
         <p:nvSpPr>
-          <p:cNvPr id="898752654" name="PlaceHolder 1"/>
+          <p:cNvPr id="913138647" name="PlaceHolder 1"/>
           <p:cNvSpPr>
             <a:spLocks noGrp="1"/>
           </p:cNvSpPr>
@@ -22278,7 +22278,7 @@
       </p:sp>
       <p:sp>
         <p:nvSpPr>
-          <p:cNvPr id="2018325026" name="PlaceHolder 2"/>
+          <p:cNvPr id="484625061" name="PlaceHolder 2"/>
           <p:cNvSpPr>
             <a:spLocks noGrp="1"/>
           </p:cNvSpPr>
@@ -22355,7 +22355,7 @@
       </p:sp>
       <p:sp>
         <p:nvSpPr>
-          <p:cNvPr id="349161251" name="PlaceHolder 3"/>
+          <p:cNvPr id="233886733" name="PlaceHolder 3"/>
           <p:cNvSpPr>
             <a:spLocks noGrp="1"/>
           </p:cNvSpPr>
@@ -22460,7 +22460,7 @@
       </p:grpSpPr>
       <p:grpSp>
         <p:nvGrpSpPr>
-          <p:cNvPr id="466683860" name="линии слева"/>
+          <p:cNvPr id="1466452211" name="линии слева"/>
           <p:cNvGrpSpPr/>
           <p:nvPr/>
         </p:nvGrpSpPr>
@@ -22708,7 +22708,7 @@
       </p:grpSp>
       <p:sp>
         <p:nvSpPr>
-          <p:cNvPr id="1588609462" name="PlaceHolder 1"/>
+          <p:cNvPr id="491471307" name="PlaceHolder 1"/>
           <p:cNvSpPr>
             <a:spLocks noGrp="1"/>
           </p:cNvSpPr>
@@ -22758,7 +22758,7 @@
       </p:sp>
       <p:sp>
         <p:nvSpPr>
-          <p:cNvPr id="1376957157" name="PlaceHolder 2"/>
+          <p:cNvPr id="513566808" name="PlaceHolder 2"/>
           <p:cNvSpPr>
             <a:spLocks noGrp="1"/>
           </p:cNvSpPr>
@@ -22990,7 +22990,7 @@
       </p:sp>
       <p:sp>
         <p:nvSpPr>
-          <p:cNvPr id="413814325" name="PlaceHolder 3"/>
+          <p:cNvPr id="1367587222" name="PlaceHolder 3"/>
           <p:cNvSpPr>
             <a:spLocks noGrp="1"/>
           </p:cNvSpPr>
@@ -23063,7 +23063,7 @@
       </p:sp>
       <p:sp>
         <p:nvSpPr>
-          <p:cNvPr id="1890038450" name="PlaceHolder 4"/>
+          <p:cNvPr id="2147010314" name="PlaceHolder 4"/>
           <p:cNvSpPr>
             <a:spLocks noGrp="1"/>
           </p:cNvSpPr>
@@ -23140,7 +23140,7 @@
       </p:sp>
       <p:sp>
         <p:nvSpPr>
-          <p:cNvPr id="1601772945" name="PlaceHolder 5"/>
+          <p:cNvPr id="1671524327" name="PlaceHolder 5"/>
           <p:cNvSpPr>
             <a:spLocks noGrp="1"/>
           </p:cNvSpPr>
@@ -23245,7 +23245,7 @@
       </p:grpSpPr>
       <p:grpSp>
         <p:nvGrpSpPr>
-          <p:cNvPr id="1137853482" name="линии слева"/>
+          <p:cNvPr id="773936962" name="линии слева"/>
           <p:cNvGrpSpPr/>
           <p:nvPr/>
         </p:nvGrpSpPr>
@@ -23493,7 +23493,7 @@
       </p:grpSp>
       <p:sp>
         <p:nvSpPr>
-          <p:cNvPr id="910861217" name="PlaceHolder 1"/>
+          <p:cNvPr id="128932141" name="PlaceHolder 1"/>
           <p:cNvSpPr>
             <a:spLocks noGrp="1"/>
           </p:cNvSpPr>
@@ -23566,7 +23566,7 @@
       </p:sp>
       <p:sp>
         <p:nvSpPr>
-          <p:cNvPr id="456991901" name="PlaceHolder 2"/>
+          <p:cNvPr id="33112298" name="PlaceHolder 2"/>
           <p:cNvSpPr>
             <a:spLocks noGrp="1"/>
           </p:cNvSpPr>
@@ -23643,7 +23643,7 @@
       </p:sp>
       <p:sp>
         <p:nvSpPr>
-          <p:cNvPr id="774193333" name="PlaceHolder 3"/>
+          <p:cNvPr id="898592175" name="PlaceHolder 3"/>
           <p:cNvSpPr>
             <a:spLocks noGrp="1"/>
           </p:cNvSpPr>
@@ -23748,7 +23748,7 @@
       </p:grpSpPr>
       <p:grpSp>
         <p:nvGrpSpPr>
-          <p:cNvPr id="1335368654" name="линии слева"/>
+          <p:cNvPr id="1480922298" name="линии слева"/>
           <p:cNvGrpSpPr/>
           <p:nvPr/>
         </p:nvGrpSpPr>
@@ -23996,7 +23996,7 @@
       </p:grpSp>
       <p:sp>
         <p:nvSpPr>
-          <p:cNvPr id="427489892" name="PlaceHolder 1"/>
+          <p:cNvPr id="1899709579" name="PlaceHolder 1"/>
           <p:cNvSpPr>
             <a:spLocks noGrp="1"/>
           </p:cNvSpPr>
@@ -24069,7 +24069,7 @@
       </p:sp>
       <p:sp>
         <p:nvSpPr>
-          <p:cNvPr id="1194071907" name="PlaceHolder 2"/>
+          <p:cNvPr id="450443508" name="PlaceHolder 2"/>
           <p:cNvSpPr>
             <a:spLocks noGrp="1"/>
           </p:cNvSpPr>
@@ -24146,7 +24146,7 @@
       </p:sp>
       <p:sp>
         <p:nvSpPr>
-          <p:cNvPr id="1368870456" name="PlaceHolder 3"/>
+          <p:cNvPr id="105088497" name="PlaceHolder 3"/>
           <p:cNvSpPr>
             <a:spLocks noGrp="1"/>
           </p:cNvSpPr>
@@ -24251,7 +24251,7 @@
       </p:grpSpPr>
       <p:grpSp>
         <p:nvGrpSpPr>
-          <p:cNvPr id="683381374" name="линии слева"/>
+          <p:cNvPr id="1453463017" name="линии слева"/>
           <p:cNvGrpSpPr/>
           <p:nvPr/>
         </p:nvGrpSpPr>
@@ -24499,7 +24499,7 @@
       </p:grpSp>
       <p:sp>
         <p:nvSpPr>
-          <p:cNvPr id="701508526" name="PlaceHolder 1"/>
+          <p:cNvPr id="1966906933" name="PlaceHolder 1"/>
           <p:cNvSpPr>
             <a:spLocks noGrp="1"/>
           </p:cNvSpPr>
@@ -24549,7 +24549,7 @@
       </p:sp>
       <p:sp>
         <p:nvSpPr>
-          <p:cNvPr id="1645044735" name="PlaceHolder 2"/>
+          <p:cNvPr id="2031887596" name="PlaceHolder 2"/>
           <p:cNvSpPr>
             <a:spLocks noGrp="1"/>
           </p:cNvSpPr>
@@ -24622,7 +24622,7 @@
       </p:sp>
       <p:sp>
         <p:nvSpPr>
-          <p:cNvPr id="808350981" name="PlaceHolder 3"/>
+          <p:cNvPr id="108612401" name="PlaceHolder 3"/>
           <p:cNvSpPr>
             <a:spLocks noGrp="1"/>
           </p:cNvSpPr>
@@ -24699,7 +24699,7 @@
       </p:sp>
       <p:sp>
         <p:nvSpPr>
-          <p:cNvPr id="493567113" name="PlaceHolder 4"/>
+          <p:cNvPr id="818559197" name="PlaceHolder 4"/>
           <p:cNvSpPr>
             <a:spLocks noGrp="1"/>
           </p:cNvSpPr>
@@ -24804,7 +24804,7 @@
       </p:grpSpPr>
       <p:grpSp>
         <p:nvGrpSpPr>
-          <p:cNvPr id="1337247047" name="линии слева"/>
+          <p:cNvPr id="1847431281" name="линии слева"/>
           <p:cNvGrpSpPr/>
           <p:nvPr/>
         </p:nvGrpSpPr>
@@ -25052,7 +25052,7 @@
       </p:grpSp>
       <p:sp>
         <p:nvSpPr>
-          <p:cNvPr id="704374446" name="PlaceHolder 1"/>
+          <p:cNvPr id="476032069" name="PlaceHolder 1"/>
           <p:cNvSpPr>
             <a:spLocks noGrp="1"/>
           </p:cNvSpPr>
@@ -25125,7 +25125,7 @@
       </p:sp>
       <p:sp>
         <p:nvSpPr>
-          <p:cNvPr id="84374774" name="PlaceHolder 2"/>
+          <p:cNvPr id="1331986349" name="PlaceHolder 2"/>
           <p:cNvSpPr>
             <a:spLocks noGrp="1"/>
           </p:cNvSpPr>
@@ -25202,7 +25202,7 @@
       </p:sp>
       <p:sp>
         <p:nvSpPr>
-          <p:cNvPr id="1845365016" name="PlaceHolder 3"/>
+          <p:cNvPr id="476487525" name="PlaceHolder 3"/>
           <p:cNvSpPr>
             <a:spLocks noGrp="1"/>
           </p:cNvSpPr>
@@ -25263,7 +25263,7 @@
       </p:sp>
       <p:sp>
         <p:nvSpPr>
-          <p:cNvPr id="1346483361" name="PlaceHolder 4"/>
+          <p:cNvPr id="919818341" name="PlaceHolder 4"/>
           <p:cNvSpPr>
             <a:spLocks noGrp="1"/>
           </p:cNvSpPr>
@@ -25313,7 +25313,7 @@
       </p:sp>
       <p:sp>
         <p:nvSpPr>
-          <p:cNvPr id="180524673" name="PlaceHolder 5"/>
+          <p:cNvPr id="84824669" name="PlaceHolder 5"/>
           <p:cNvSpPr>
             <a:spLocks noGrp="1"/>
           </p:cNvSpPr>
@@ -25595,7 +25595,7 @@
       </p:grpSpPr>
       <p:grpSp>
         <p:nvGrpSpPr>
-          <p:cNvPr id="2137914182" name="линии слева"/>
+          <p:cNvPr id="1031501825" name="линии слева"/>
           <p:cNvGrpSpPr/>
           <p:nvPr/>
         </p:nvGrpSpPr>
@@ -25843,7 +25843,7 @@
       </p:grpSp>
       <p:sp>
         <p:nvSpPr>
-          <p:cNvPr id="2056976779" name="PlaceHolder 1"/>
+          <p:cNvPr id="834319475" name="PlaceHolder 1"/>
           <p:cNvSpPr>
             <a:spLocks noGrp="1"/>
           </p:cNvSpPr>
@@ -25893,7 +25893,7 @@
       </p:sp>
       <p:sp>
         <p:nvSpPr>
-          <p:cNvPr id="1707462673" name="PlaceHolder 2"/>
+          <p:cNvPr id="769133538" name="PlaceHolder 2"/>
           <p:cNvSpPr>
             <a:spLocks noGrp="1"/>
           </p:cNvSpPr>
@@ -26125,7 +26125,7 @@
       </p:sp>
       <p:sp>
         <p:nvSpPr>
-          <p:cNvPr id="243144694" name="PlaceHolder 3"/>
+          <p:cNvPr id="1256703070" name="PlaceHolder 3"/>
           <p:cNvSpPr>
             <a:spLocks noGrp="1"/>
           </p:cNvSpPr>
@@ -26198,7 +26198,7 @@
       </p:sp>
       <p:sp>
         <p:nvSpPr>
-          <p:cNvPr id="1373763949" name="PlaceHolder 4"/>
+          <p:cNvPr id="2040191604" name="PlaceHolder 4"/>
           <p:cNvSpPr>
             <a:spLocks noGrp="1"/>
           </p:cNvSpPr>
@@ -26275,7 +26275,7 @@
       </p:sp>
       <p:sp>
         <p:nvSpPr>
-          <p:cNvPr id="965886647" name="PlaceHolder 5"/>
+          <p:cNvPr id="1293764331" name="PlaceHolder 5"/>
           <p:cNvSpPr>
             <a:spLocks noGrp="1"/>
           </p:cNvSpPr>
@@ -26380,7 +26380,7 @@
       </p:grpSpPr>
       <p:grpSp>
         <p:nvGrpSpPr>
-          <p:cNvPr id="1502788119" name="линии слева"/>
+          <p:cNvPr id="130578458" name="линии слева"/>
           <p:cNvGrpSpPr/>
           <p:nvPr/>
         </p:nvGrpSpPr>
@@ -26628,7 +26628,7 @@
       </p:grpSp>
       <p:grpSp>
         <p:nvGrpSpPr>
-          <p:cNvPr id="1274257085" name="диагонали"/>
+          <p:cNvPr id="1398779684" name="диагонали"/>
           <p:cNvGrpSpPr/>
           <p:nvPr/>
         </p:nvGrpSpPr>
@@ -26708,7 +26708,7 @@
       </p:grpSp>
       <p:sp>
         <p:nvSpPr>
-          <p:cNvPr id="1259303150" name="PlaceHolder 1"/>
+          <p:cNvPr id="1709652800" name="PlaceHolder 1"/>
           <p:cNvSpPr>
             <a:spLocks noGrp="1"/>
           </p:cNvSpPr>
@@ -26781,7 +26781,7 @@
       </p:sp>
       <p:sp>
         <p:nvSpPr>
-          <p:cNvPr id="1113504816" name="PlaceHolder 2"/>
+          <p:cNvPr id="791524094" name="PlaceHolder 2"/>
           <p:cNvSpPr>
             <a:spLocks noGrp="1"/>
           </p:cNvSpPr>
@@ -26858,7 +26858,7 @@
       </p:sp>
       <p:sp>
         <p:nvSpPr>
-          <p:cNvPr id="1049669253" name="PlaceHolder 3"/>
+          <p:cNvPr id="1987504130" name="PlaceHolder 3"/>
           <p:cNvSpPr>
             <a:spLocks noGrp="1"/>
           </p:cNvSpPr>
@@ -26963,7 +26963,7 @@
       </p:grpSpPr>
       <p:grpSp>
         <p:nvGrpSpPr>
-          <p:cNvPr id="192379423" name="линии слева"/>
+          <p:cNvPr id="850770685" name="линии слева"/>
           <p:cNvGrpSpPr/>
           <p:nvPr/>
         </p:nvGrpSpPr>
@@ -27211,7 +27211,7 @@
       </p:grpSp>
       <p:sp>
         <p:nvSpPr>
-          <p:cNvPr id="106171571" name="PlaceHolder 1"/>
+          <p:cNvPr id="44134749" name="PlaceHolder 1"/>
           <p:cNvSpPr>
             <a:spLocks noGrp="1"/>
           </p:cNvSpPr>
@@ -27261,7 +27261,7 @@
       </p:sp>
       <p:sp>
         <p:nvSpPr>
-          <p:cNvPr id="1054726096" name="PlaceHolder 2"/>
+          <p:cNvPr id="1820622756" name="PlaceHolder 2"/>
           <p:cNvSpPr>
             <a:spLocks noGrp="1"/>
           </p:cNvSpPr>
@@ -27493,7 +27493,7 @@
       </p:sp>
       <p:sp>
         <p:nvSpPr>
-          <p:cNvPr id="588845497" name="PlaceHolder 3"/>
+          <p:cNvPr id="3232477" name="PlaceHolder 3"/>
           <p:cNvSpPr>
             <a:spLocks noGrp="1"/>
           </p:cNvSpPr>
@@ -27725,7 +27725,7 @@
       </p:sp>
       <p:sp>
         <p:nvSpPr>
-          <p:cNvPr id="2127698633" name="PlaceHolder 4"/>
+          <p:cNvPr id="1145176706" name="PlaceHolder 4"/>
           <p:cNvSpPr>
             <a:spLocks noGrp="1"/>
           </p:cNvSpPr>
@@ -27798,7 +27798,7 @@
       </p:sp>
       <p:sp>
         <p:nvSpPr>
-          <p:cNvPr id="912395202" name="PlaceHolder 5"/>
+          <p:cNvPr id="66708584" name="PlaceHolder 5"/>
           <p:cNvSpPr>
             <a:spLocks noGrp="1"/>
           </p:cNvSpPr>
@@ -27875,7 +27875,7 @@
       </p:sp>
       <p:sp>
         <p:nvSpPr>
-          <p:cNvPr id="1659341874" name="PlaceHolder 6"/>
+          <p:cNvPr id="291387683" name="PlaceHolder 6"/>
           <p:cNvSpPr>
             <a:spLocks noGrp="1"/>
           </p:cNvSpPr>
@@ -27980,7 +27980,7 @@
       </p:grpSpPr>
       <p:grpSp>
         <p:nvGrpSpPr>
-          <p:cNvPr id="618465129" name="линии слева"/>
+          <p:cNvPr id="1745455307" name="линии слева"/>
           <p:cNvGrpSpPr/>
           <p:nvPr/>
         </p:nvGrpSpPr>
@@ -28228,7 +28228,7 @@
       </p:grpSp>
       <p:sp>
         <p:nvSpPr>
-          <p:cNvPr id="708159107" name="PlaceHolder 1"/>
+          <p:cNvPr id="655099579" name="PlaceHolder 1"/>
           <p:cNvSpPr>
             <a:spLocks noGrp="1"/>
           </p:cNvSpPr>
@@ -28301,7 +28301,7 @@
       </p:sp>
       <p:sp>
         <p:nvSpPr>
-          <p:cNvPr id="1133577404" name="PlaceHolder 2"/>
+          <p:cNvPr id="1425075292" name="PlaceHolder 2"/>
           <p:cNvSpPr>
             <a:spLocks noGrp="1"/>
           </p:cNvSpPr>
@@ -28378,7 +28378,7 @@
       </p:sp>
       <p:sp>
         <p:nvSpPr>
-          <p:cNvPr id="985865476" name="PlaceHolder 3"/>
+          <p:cNvPr id="670796404" name="PlaceHolder 3"/>
           <p:cNvSpPr>
             <a:spLocks noGrp="1"/>
           </p:cNvSpPr>
@@ -28439,7 +28439,7 @@
       </p:sp>
       <p:sp>
         <p:nvSpPr>
-          <p:cNvPr id="1218303230" name="PlaceHolder 4"/>
+          <p:cNvPr id="596854489" name="PlaceHolder 4"/>
           <p:cNvSpPr>
             <a:spLocks noGrp="1"/>
           </p:cNvSpPr>
@@ -28489,7 +28489,7 @@
       </p:sp>
       <p:sp>
         <p:nvSpPr>
-          <p:cNvPr id="1543312226" name="PlaceHolder 5"/>
+          <p:cNvPr id="59454735" name="PlaceHolder 5"/>
           <p:cNvSpPr>
             <a:spLocks noGrp="1"/>
           </p:cNvSpPr>
@@ -28765,7 +28765,7 @@
       </p:grpSpPr>
       <p:grpSp>
         <p:nvGrpSpPr>
-          <p:cNvPr id="443508155" name="линии слева"/>
+          <p:cNvPr id="61666928" name="линии слева"/>
           <p:cNvGrpSpPr/>
           <p:nvPr/>
         </p:nvGrpSpPr>
@@ -29013,7 +29013,7 @@
       </p:grpSp>
       <p:sp>
         <p:nvSpPr>
-          <p:cNvPr id="996940284" name="PlaceHolder 1"/>
+          <p:cNvPr id="143852604" name="PlaceHolder 1"/>
           <p:cNvSpPr>
             <a:spLocks noGrp="1"/>
           </p:cNvSpPr>
@@ -29086,7 +29086,7 @@
       </p:sp>
       <p:sp>
         <p:nvSpPr>
-          <p:cNvPr id="848894980" name="PlaceHolder 2"/>
+          <p:cNvPr id="962638445" name="PlaceHolder 2"/>
           <p:cNvSpPr>
             <a:spLocks noGrp="1"/>
           </p:cNvSpPr>
@@ -29163,7 +29163,7 @@
       </p:sp>
       <p:sp>
         <p:nvSpPr>
-          <p:cNvPr id="109924167" name="PlaceHolder 3"/>
+          <p:cNvPr id="819447882" name="PlaceHolder 3"/>
           <p:cNvSpPr>
             <a:spLocks noGrp="1"/>
           </p:cNvSpPr>
@@ -29268,7 +29268,7 @@
       </p:grpSpPr>
       <p:grpSp>
         <p:nvGrpSpPr>
-          <p:cNvPr id="1831157927" name="линии слева"/>
+          <p:cNvPr id="549042721" name="линии слева"/>
           <p:cNvGrpSpPr/>
           <p:nvPr/>
         </p:nvGrpSpPr>
@@ -29516,7 +29516,7 @@
       </p:grpSp>
       <p:sp>
         <p:nvSpPr>
-          <p:cNvPr id="1265538493" name="PlaceHolder 1"/>
+          <p:cNvPr id="354598220" name="PlaceHolder 1"/>
           <p:cNvSpPr>
             <a:spLocks noGrp="1"/>
           </p:cNvSpPr>
@@ -29589,7 +29589,7 @@
       </p:sp>
       <p:sp>
         <p:nvSpPr>
-          <p:cNvPr id="1476657052" name="PlaceHolder 2"/>
+          <p:cNvPr id="1131655084" name="PlaceHolder 2"/>
           <p:cNvSpPr>
             <a:spLocks noGrp="1"/>
           </p:cNvSpPr>
@@ -29666,7 +29666,7 @@
       </p:sp>
       <p:sp>
         <p:nvSpPr>
-          <p:cNvPr id="2025117881" name="PlaceHolder 3"/>
+          <p:cNvPr id="396496828" name="PlaceHolder 3"/>
           <p:cNvSpPr>
             <a:spLocks noGrp="1"/>
           </p:cNvSpPr>
@@ -29753,7 +29753,7 @@
       </p:grpSpPr>
       <p:sp>
         <p:nvSpPr>
-          <p:cNvPr id="110584966" name="PlaceHolder 1"/>
+          <p:cNvPr id="2133272346" name="PlaceHolder 1"/>
           <p:cNvSpPr>
             <a:spLocks noGrp="1"/>
           </p:cNvSpPr>
@@ -29845,7 +29845,7 @@
       </p:sp>
       <p:sp>
         <p:nvSpPr>
-          <p:cNvPr id="1299606506" name="PlaceHolder 2"/>
+          <p:cNvPr id="1362917863" name="PlaceHolder 2"/>
           <p:cNvSpPr>
             <a:spLocks noGrp="1"/>
           </p:cNvSpPr>
@@ -30145,7 +30145,7 @@
       </p:grpSpPr>
       <p:sp>
         <p:nvSpPr>
-          <p:cNvPr id="1511509699" name="PlaceHolder 1"/>
+          <p:cNvPr id="2113656996" name="PlaceHolder 1"/>
           <p:cNvSpPr>
             <a:spLocks noGrp="1"/>
           </p:cNvSpPr>
@@ -30227,7 +30227,7 @@
       </p:sp>
       <p:sp>
         <p:nvSpPr>
-          <p:cNvPr id="1449335556" name=""/>
+          <p:cNvPr id="1082396817" name=""/>
           <p:cNvSpPr txBox="1"/>
           <p:nvPr/>
         </p:nvSpPr>
@@ -30348,6 +30348,46 @@
             <a:endParaRPr sz="2200">
               <a:solidFill>
                 <a:schemeClr val="tx1"/>
+              </a:solidFill>
+            </a:endParaRPr>
+          </a:p>
+        </p:txBody>
+      </p:sp>
+      <p:sp>
+        <p:nvSpPr>
+          <p:cNvPr id="1328334825" name=""/>
+          <p:cNvSpPr txBox="1"/>
+          <p:nvPr/>
+        </p:nvSpPr>
+        <p:spPr bwMode="auto">
+          <a:xfrm rot="0" flipH="0" flipV="0">
+            <a:off x="11362554" y="6100899"/>
+            <a:ext cx="505496" cy="244199"/>
+          </a:xfrm>
+          <a:prstGeom prst="rect">
+            <a:avLst/>
+          </a:prstGeom>
+          <a:noFill/>
+        </p:spPr>
+        <p:txBody>
+          <a:bodyPr vertOverflow="overflow" horzOverflow="overflow" vert="horz" wrap="none" lIns="91440" tIns="45720" rIns="91440" bIns="45720" numCol="1" spcCol="0" rtlCol="0" fromWordArt="0" anchor="t" anchorCtr="0" forceAA="0" upright="0" compatLnSpc="0">
+            <a:spAutoFit/>
+          </a:bodyPr>
+          <a:p>
+            <a:pPr>
+              <a:defRPr/>
+            </a:pPr>
+            <a:r>
+              <a:rPr lang="ru-RU">
+                <a:solidFill>
+                  <a:srgbClr val="0B1427"/>
+                </a:solidFill>
+              </a:rPr>
+              <a:t>Гойда</a:t>
+            </a:r>
+            <a:endParaRPr>
+              <a:solidFill>
+                <a:srgbClr val="0B1427"/>
               </a:solidFill>
             </a:endParaRPr>
           </a:p>
@@ -30392,7 +30432,7 @@
       </p:grpSpPr>
       <p:sp>
         <p:nvSpPr>
-          <p:cNvPr id="746184267" name="PlaceHolder 1"/>
+          <p:cNvPr id="122475292" name="PlaceHolder 1"/>
           <p:cNvSpPr>
             <a:spLocks noGrp="1"/>
           </p:cNvSpPr>
@@ -30466,7 +30506,7 @@
       </p:sp>
       <p:sp>
         <p:nvSpPr>
-          <p:cNvPr id="938926233" name="PlaceHolder 2"/>
+          <p:cNvPr id="1784732358" name="PlaceHolder 2"/>
           <p:cNvSpPr>
             <a:spLocks noGrp="1"/>
           </p:cNvSpPr>
@@ -30585,7 +30625,7 @@
       </p:sp>
       <p:sp>
         <p:nvSpPr>
-          <p:cNvPr id="1787229626" name=""/>
+          <p:cNvPr id="1246462973" name=""/>
           <p:cNvSpPr/>
           <p:nvPr/>
         </p:nvSpPr>
@@ -30731,7 +30771,7 @@
       </p:grpSpPr>
       <p:sp>
         <p:nvSpPr>
-          <p:cNvPr id="6967118" name="PlaceHolder 1"/>
+          <p:cNvPr id="422071093" name="PlaceHolder 1"/>
           <p:cNvSpPr>
             <a:spLocks noGrp="1"/>
           </p:cNvSpPr>
@@ -30787,7 +30827,7 @@
       </p:sp>
       <p:sp>
         <p:nvSpPr>
-          <p:cNvPr id="1606278842" name="TextBox 4"/>
+          <p:cNvPr id="415342866" name="TextBox 4"/>
           <p:cNvSpPr/>
           <p:nvPr/>
         </p:nvSpPr>
@@ -30824,7 +30864,7 @@
       </p:sp>
       <p:sp>
         <p:nvSpPr>
-          <p:cNvPr id="1012492113" name="TextBox 6"/>
+          <p:cNvPr id="1460868444" name="TextBox 6"/>
           <p:cNvSpPr/>
           <p:nvPr/>
         </p:nvSpPr>
@@ -30861,14 +30901,14 @@
       </p:sp>
       <p:sp>
         <p:nvSpPr>
-          <p:cNvPr id="81158099" name=""/>
+          <p:cNvPr id="535841312" name=""/>
           <p:cNvSpPr txBox="1"/>
           <p:nvPr/>
         </p:nvSpPr>
         <p:spPr bwMode="auto">
           <a:xfrm rot="0" flipH="0" flipV="0">
-            <a:off x="1218960" y="1754605"/>
-            <a:ext cx="7249984" cy="2103480"/>
+            <a:off x="1218960" y="1754604"/>
+            <a:ext cx="7249984" cy="2606399"/>
           </a:xfrm>
           <a:prstGeom prst="rect">
             <a:avLst/>
@@ -31011,6 +31051,35 @@
                   <a:schemeClr val="tx1"/>
                 </a:solidFill>
               </a:rPr>
+              <a:t>I2P - </a:t>
+            </a:r>
+            <a:r>
+              <a:rPr lang="ru-RU" sz="2200">
+                <a:solidFill>
+                  <a:schemeClr val="tx1"/>
+                </a:solidFill>
+              </a:rPr>
+              <a:t>делает упор на полную анонимность</a:t>
+            </a:r>
+            <a:endParaRPr lang="ru-RU" sz="2200">
+              <a:solidFill>
+                <a:schemeClr val="tx1"/>
+              </a:solidFill>
+            </a:endParaRPr>
+          </a:p>
+          <a:p>
+            <a:pPr lvl="0">
+              <a:lnSpc>
+                <a:spcPct val="150000"/>
+              </a:lnSpc>
+              <a:defRPr/>
+            </a:pPr>
+            <a:r>
+              <a:rPr lang="en-US" sz="2200">
+                <a:solidFill>
+                  <a:schemeClr val="tx1"/>
+                </a:solidFill>
+              </a:rPr>
               <a:t>SSB - </a:t>
             </a:r>
             <a:r>
@@ -31033,6 +31102,107 @@
               <a:solidFill>
                 <a:schemeClr val="tx1"/>
               </a:solidFill>
+            </a:endParaRPr>
+          </a:p>
+        </p:txBody>
+      </p:sp>
+      <p:sp>
+        <p:nvSpPr>
+          <p:cNvPr id="584038356" name=""/>
+          <p:cNvSpPr txBox="1"/>
+          <p:nvPr/>
+        </p:nvSpPr>
+        <p:spPr bwMode="auto">
+          <a:xfrm rot="0" flipH="0" flipV="0">
+            <a:off x="1218960" y="5643879"/>
+            <a:ext cx="4991043" cy="773051"/>
+          </a:xfrm>
+          <a:prstGeom prst="rect">
+            <a:avLst/>
+          </a:prstGeom>
+          <a:noFill/>
+        </p:spPr>
+        <p:txBody>
+          <a:bodyPr vertOverflow="overflow" horzOverflow="overflow" vert="horz" wrap="square" lIns="91440" tIns="45720" rIns="91440" bIns="45720" numCol="1" spcCol="0" rtlCol="0" fromWordArt="0" anchor="t" anchorCtr="0" forceAA="0" upright="0" compatLnSpc="0">
+            <a:spAutoFit/>
+          </a:bodyPr>
+          <a:p>
+            <a:pPr marL="0" marR="0" indent="0" algn="l">
+              <a:defRPr/>
+            </a:pPr>
+            <a:r>
+              <a:rPr lang="en-US" sz="2200" b="0" i="0" u="none" strike="noStrike" cap="none" spc="0">
+                <a:solidFill>
+                  <a:schemeClr val="tx1"/>
+                </a:solidFill>
+                <a:latin typeface="+mn-lt"/>
+                <a:ea typeface="+mn-ea"/>
+                <a:cs typeface="+mn-cs"/>
+              </a:rPr>
+              <a:t>IPFS </a:t>
+            </a:r>
+            <a:r>
+              <a:rPr sz="2200" b="0">
+                <a:solidFill>
+                  <a:schemeClr val="tx1"/>
+                </a:solidFill>
+                <a:latin typeface="Times New Roman"/>
+                <a:ea typeface="Times New Roman"/>
+                <a:cs typeface="Times New Roman"/>
+              </a:rPr>
+              <a:t> - InterPlanetary </a:t>
+            </a:r>
+            <a:r>
+              <a:rPr sz="2200" b="0">
+                <a:solidFill>
+                  <a:schemeClr val="tx1"/>
+                </a:solidFill>
+                <a:latin typeface="Times New Roman"/>
+                <a:ea typeface="Times New Roman"/>
+                <a:cs typeface="Times New Roman"/>
+              </a:rPr>
+              <a:t>File System</a:t>
+            </a:r>
+            <a:endParaRPr sz="2200" b="0">
+              <a:solidFill>
+                <a:schemeClr val="tx1"/>
+              </a:solidFill>
+              <a:latin typeface="Times New Roman"/>
+              <a:cs typeface="Times New Roman"/>
+            </a:endParaRPr>
+          </a:p>
+          <a:p>
+            <a:pPr marL="0" marR="0" indent="0" algn="l">
+              <a:defRPr/>
+            </a:pPr>
+            <a:r>
+              <a:rPr sz="2200" b="0">
+                <a:solidFill>
+                  <a:schemeClr val="tx1"/>
+                </a:solidFill>
+                <a:latin typeface="Times New Roman"/>
+                <a:ea typeface="Times New Roman"/>
+                <a:cs typeface="Times New Roman"/>
+              </a:rPr>
+              <a:t>SSB - </a:t>
+            </a:r>
+            <a:r>
+              <a:rPr lang="en-US" sz="2200" b="0">
+                <a:solidFill>
+                  <a:schemeClr val="tx1"/>
+                </a:solidFill>
+                <a:latin typeface="Times New Roman"/>
+                <a:ea typeface="Times New Roman"/>
+                <a:cs typeface="Times New Roman"/>
+              </a:rPr>
+              <a:t>Secure Scuttlebutt</a:t>
+            </a:r>
+            <a:endParaRPr sz="2200" b="0">
+              <a:solidFill>
+                <a:schemeClr val="tx1"/>
+              </a:solidFill>
+              <a:latin typeface="Times New Roman"/>
+              <a:cs typeface="Times New Roman"/>
             </a:endParaRPr>
           </a:p>
         </p:txBody>
@@ -31076,7 +31246,7 @@
       </p:grpSpPr>
       <p:sp>
         <p:nvSpPr>
-          <p:cNvPr id="1974020846" name="PlaceHolder 1"/>
+          <p:cNvPr id="1739493243" name="PlaceHolder 1"/>
           <p:cNvSpPr>
             <a:spLocks noGrp="1"/>
           </p:cNvSpPr>
@@ -31132,7 +31302,7 @@
       </p:sp>
       <p:sp>
         <p:nvSpPr>
-          <p:cNvPr id="829126527" name="PlaceHolder 2"/>
+          <p:cNvPr id="1229196922" name="PlaceHolder 2"/>
           <p:cNvSpPr>
             <a:spLocks noGrp="1"/>
           </p:cNvSpPr>
@@ -31422,7 +31592,7 @@
       </p:grpSpPr>
       <p:pic>
         <p:nvPicPr>
-          <p:cNvPr id="1328167391" name=""/>
+          <p:cNvPr id="190481799" name=""/>
           <p:cNvPicPr>
             <a:picLocks noChangeAspect="1"/>
           </p:cNvPicPr>
@@ -31481,7 +31651,7 @@
       </p:grpSpPr>
       <p:sp>
         <p:nvSpPr>
-          <p:cNvPr id="1780685557" name="PlaceHolder 1"/>
+          <p:cNvPr id="110838439" name="PlaceHolder 1"/>
           <p:cNvSpPr>
             <a:spLocks noGrp="1"/>
           </p:cNvSpPr>
@@ -31526,7 +31696,7 @@
       </p:sp>
       <p:sp>
         <p:nvSpPr>
-          <p:cNvPr id="1835931456" name="PlaceHolder 2"/>
+          <p:cNvPr id="2063484960" name="PlaceHolder 2"/>
           <p:cNvSpPr>
             <a:spLocks noGrp="1"/>
           </p:cNvSpPr>
@@ -31536,7 +31706,7 @@
         </p:nvSpPr>
         <p:spPr bwMode="auto">
           <a:xfrm>
-            <a:off x="1037745" y="1604520"/>
+            <a:off x="1037745" y="1418400"/>
             <a:ext cx="10969559" cy="3977280"/>
           </a:xfrm>
           <a:prstGeom prst="rect">
@@ -31830,7 +32000,7 @@
       </p:grpSpPr>
       <p:sp>
         <p:nvSpPr>
-          <p:cNvPr id="448527735" name="Скругленный прямоугольник 7"/>
+          <p:cNvPr id="111992761" name="Скругленный прямоугольник 7"/>
           <p:cNvSpPr/>
           <p:nvPr/>
         </p:nvSpPr>
@@ -31896,7 +32066,7 @@
       </p:sp>
       <p:sp>
         <p:nvSpPr>
-          <p:cNvPr id="783812663" name="PlaceHolder 1"/>
+          <p:cNvPr id="323555804" name="PlaceHolder 1"/>
           <p:cNvSpPr>
             <a:spLocks noGrp="1"/>
           </p:cNvSpPr>
@@ -31952,7 +32122,7 @@
       </p:sp>
       <p:sp>
         <p:nvSpPr>
-          <p:cNvPr id="1602529720" name="PlaceHolder 2"/>
+          <p:cNvPr id="481720265" name="PlaceHolder 2"/>
           <p:cNvSpPr>
             <a:spLocks noGrp="1"/>
           </p:cNvSpPr>
@@ -32045,7 +32215,7 @@
       </p:sp>
       <p:pic>
         <p:nvPicPr>
-          <p:cNvPr id="266818146" name="" descr=""/>
+          <p:cNvPr id="637390160" name="" descr=""/>
           <p:cNvPicPr/>
           <p:nvPr/>
         </p:nvPicPr>
@@ -32069,7 +32239,7 @@
       </p:pic>
       <p:sp>
         <p:nvSpPr>
-          <p:cNvPr id="1979466149" name=""/>
+          <p:cNvPr id="195456395" name=""/>
           <p:cNvSpPr txBox="1"/>
           <p:nvPr/>
         </p:nvSpPr>
@@ -32123,7 +32293,7 @@
       </p:sp>
       <p:pic>
         <p:nvPicPr>
-          <p:cNvPr id="1583732421" name=""/>
+          <p:cNvPr id="1233086168" name=""/>
           <p:cNvPicPr>
             <a:picLocks noChangeAspect="1"/>
           </p:cNvPicPr>
